--- a/Presentation.pptx
+++ b/Presentation.pptx
@@ -1,8 +1,8 @@
 
 <file path=ppt/presentation.xml><?xml version="1.0" encoding="utf-8"?>
-<p:presentation xmlns:a="http://schemas.openxmlformats.org/drawingml/2006/main" xmlns:p="http://schemas.openxmlformats.org/presentationml/2006/main" xmlns:r="http://schemas.openxmlformats.org/officeDocument/2006/relationships" xmlns:p14="http://schemas.microsoft.com/office/powerpoint/2010/main" xmlns:p15="http://schemas.microsoft.com/office/powerpoint/2012/main" xmlns:mc="http://schemas.openxmlformats.org/markup-compatibility/2006">
+<p:presentation xmlns:a="http://schemas.openxmlformats.org/drawingml/2006/main" xmlns:r="http://schemas.openxmlformats.org/officeDocument/2006/relationships" xmlns:p="http://schemas.openxmlformats.org/presentationml/2006/main">
   <p:sldMasterIdLst>
-    <p:sldMasterId id="2147483648" r:id="rId2"/>
+    <p:sldMasterId id="2147483648" r:id="rId1"/>
     <p:sldMasterId id="2147483661" r:id="rId3"/>
   </p:sldMasterIdLst>
   <p:sldIdLst>
@@ -21,16 +21,119 @@
     <p:sldId id="268" r:id="rId16"/>
   </p:sldIdLst>
   <p:sldSz cx="9144000" cy="6858000"/>
-  <p:notesSz cx="7559675" cy="10691812"/>
+  <p:notesSz cx="7559675" cy="10691495"/>
+  <p:defaultTextStyle>
+    <a:lvl1pPr marL="0" algn="l" defTabSz="914400" rtl="0" eaLnBrk="1" latinLnBrk="0" hangingPunct="1">
+      <a:defRPr sz="1800" kern="1200">
+        <a:solidFill>
+          <a:schemeClr val="tx1"/>
+        </a:solidFill>
+        <a:latin typeface="+mn-lt"/>
+        <a:ea typeface="+mn-ea"/>
+        <a:cs typeface="+mn-cs"/>
+      </a:defRPr>
+    </a:lvl1pPr>
+    <a:lvl2pPr marL="457200" algn="l" defTabSz="914400" rtl="0" eaLnBrk="1" latinLnBrk="0" hangingPunct="1">
+      <a:defRPr sz="1800" kern="1200">
+        <a:solidFill>
+          <a:schemeClr val="tx1"/>
+        </a:solidFill>
+        <a:latin typeface="+mn-lt"/>
+        <a:ea typeface="+mn-ea"/>
+        <a:cs typeface="+mn-cs"/>
+      </a:defRPr>
+    </a:lvl2pPr>
+    <a:lvl3pPr marL="914400" algn="l" defTabSz="914400" rtl="0" eaLnBrk="1" latinLnBrk="0" hangingPunct="1">
+      <a:defRPr sz="1800" kern="1200">
+        <a:solidFill>
+          <a:schemeClr val="tx1"/>
+        </a:solidFill>
+        <a:latin typeface="+mn-lt"/>
+        <a:ea typeface="+mn-ea"/>
+        <a:cs typeface="+mn-cs"/>
+      </a:defRPr>
+    </a:lvl3pPr>
+    <a:lvl4pPr marL="1371600" algn="l" defTabSz="914400" rtl="0" eaLnBrk="1" latinLnBrk="0" hangingPunct="1">
+      <a:defRPr sz="1800" kern="1200">
+        <a:solidFill>
+          <a:schemeClr val="tx1"/>
+        </a:solidFill>
+        <a:latin typeface="+mn-lt"/>
+        <a:ea typeface="+mn-ea"/>
+        <a:cs typeface="+mn-cs"/>
+      </a:defRPr>
+    </a:lvl4pPr>
+    <a:lvl5pPr marL="1828800" algn="l" defTabSz="914400" rtl="0" eaLnBrk="1" latinLnBrk="0" hangingPunct="1">
+      <a:defRPr sz="1800" kern="1200">
+        <a:solidFill>
+          <a:schemeClr val="tx1"/>
+        </a:solidFill>
+        <a:latin typeface="+mn-lt"/>
+        <a:ea typeface="+mn-ea"/>
+        <a:cs typeface="+mn-cs"/>
+      </a:defRPr>
+    </a:lvl5pPr>
+    <a:lvl6pPr marL="2286000" algn="l" defTabSz="914400" rtl="0" eaLnBrk="1" latinLnBrk="0" hangingPunct="1">
+      <a:defRPr sz="1800" kern="1200">
+        <a:solidFill>
+          <a:schemeClr val="tx1"/>
+        </a:solidFill>
+        <a:latin typeface="+mn-lt"/>
+        <a:ea typeface="+mn-ea"/>
+        <a:cs typeface="+mn-cs"/>
+      </a:defRPr>
+    </a:lvl6pPr>
+    <a:lvl7pPr marL="2743200" algn="l" defTabSz="914400" rtl="0" eaLnBrk="1" latinLnBrk="0" hangingPunct="1">
+      <a:defRPr sz="1800" kern="1200">
+        <a:solidFill>
+          <a:schemeClr val="tx1"/>
+        </a:solidFill>
+        <a:latin typeface="+mn-lt"/>
+        <a:ea typeface="+mn-ea"/>
+        <a:cs typeface="+mn-cs"/>
+      </a:defRPr>
+    </a:lvl7pPr>
+    <a:lvl8pPr marL="3200400" algn="l" defTabSz="914400" rtl="0" eaLnBrk="1" latinLnBrk="0" hangingPunct="1">
+      <a:defRPr sz="1800" kern="1200">
+        <a:solidFill>
+          <a:schemeClr val="tx1"/>
+        </a:solidFill>
+        <a:latin typeface="+mn-lt"/>
+        <a:ea typeface="+mn-ea"/>
+        <a:cs typeface="+mn-cs"/>
+      </a:defRPr>
+    </a:lvl8pPr>
+    <a:lvl9pPr marL="3657600" algn="l" defTabSz="914400" rtl="0" eaLnBrk="1" latinLnBrk="0" hangingPunct="1">
+      <a:defRPr sz="1800" kern="1200">
+        <a:solidFill>
+          <a:schemeClr val="tx1"/>
+        </a:solidFill>
+        <a:latin typeface="+mn-lt"/>
+        <a:ea typeface="+mn-ea"/>
+        <a:cs typeface="+mn-cs"/>
+      </a:defRPr>
+    </a:lvl9pPr>
+  </p:defaultTextStyle>
 </p:presentation>
 </file>
 
 <file path=ppt/charts/chart1.xml><?xml version="1.0" encoding="utf-8"?>
 <c:chartSpace xmlns:c="http://schemas.openxmlformats.org/drawingml/2006/chart" xmlns:a="http://schemas.openxmlformats.org/drawingml/2006/main" xmlns:r="http://schemas.openxmlformats.org/officeDocument/2006/relationships">
-  <c:lang val="en-US"/>
+  <c:date1904 val="0"/>
+  <c:lang val="zh-CN"/>
   <c:roundedCorners val="0"/>
+  <mc:AlternateContent xmlns:mc="http://schemas.openxmlformats.org/markup-compatibility/2006">
+    <mc:Choice xmlns:c14="http://schemas.microsoft.com/office/drawing/2007/8/2/chart" Requires="c14">
+      <c14:style val="102"/>
+    </mc:Choice>
+    <mc:Fallback>
+      <c:style val="2"/>
+    </mc:Fallback>
+  </mc:AlternateContent>
   <c:chart>
+    <c:autoTitleDeleted val="1"/>
     <c:plotArea>
+      <c:layout/>
       <c:barChart>
         <c:barDir val="col"/>
         <c:grouping val="clustered"/>
@@ -60,12 +163,44 @@
           <c:invertIfNegative val="0"/>
           <c:dLbls>
             <c:numFmt formatCode="General" sourceLinked="1"/>
+            <c:spPr>
+              <a:noFill/>
+              <a:ln>
+                <a:noFill/>
+              </a:ln>
+              <a:effectLst/>
+            </c:spPr>
+            <c:txPr>
+              <a:bodyPr rot="0" spcFirstLastPara="0" vertOverflow="ellipsis" vert="horz" wrap="square" lIns="38100" tIns="19050" rIns="38100" bIns="19050" anchor="ctr" anchorCtr="1"/>
+              <a:lstStyle/>
+              <a:p>
+                <a:pPr>
+                  <a:defRPr lang="en-US" sz="1000" b="0" i="0" u="none" strike="noStrike" kern="1200" baseline="0">
+                    <a:solidFill>
+                      <a:schemeClr val="tx1"/>
+                    </a:solidFill>
+                    <a:latin typeface="+mn-lt"/>
+                    <a:ea typeface="+mn-ea"/>
+                    <a:cs typeface="+mn-cs"/>
+                  </a:defRPr>
+                </a:pPr>
+              </a:p>
+            </c:txPr>
+            <c:dLblPos val="outEnd"/>
             <c:showLegendKey val="0"/>
             <c:showVal val="0"/>
             <c:showCatName val="0"/>
             <c:showSerName val="0"/>
             <c:showPercent val="0"/>
+            <c:showBubbleSize val="1"/>
             <c:showLeaderLines val="0"/>
+            <c:extLst>
+              <c:ext xmlns:c15="http://schemas.microsoft.com/office/drawing/2012/chart" uri="{CE6537A1-D6FC-4f65-9D91-7224C49458BB}">
+                <c15:layout/>
+                <c15:showLeaderLines val="0"/>
+                <c15:leaderLines/>
+              </c:ext>
+            </c:extLst>
           </c:dLbls>
           <c:cat>
             <c:strRef>
@@ -133,6 +268,14 @@
             </c:numRef>
           </c:val>
         </c:ser>
+        <c:dLbls>
+          <c:showLegendKey val="0"/>
+          <c:showVal val="0"/>
+          <c:showCatName val="0"/>
+          <c:showSerName val="0"/>
+          <c:showPercent val="0"/>
+          <c:showBubbleSize val="1"/>
+        </c:dLbls>
         <c:gapWidth val="100"/>
         <c:overlap val="0"/>
         <c:axId val="81152553"/>
@@ -150,19 +293,26 @@
         <c:minorTickMark val="none"/>
         <c:tickLblPos val="nextTo"/>
         <c:spPr>
-          <a:ln>
+          <a:ln w="9525" cap="flat" cmpd="sng" algn="ctr">
             <a:solidFill>
-              <a:srgbClr val="b3b3b3"/>
+              <a:srgbClr val="B3B3B3"/>
             </a:solidFill>
+            <a:prstDash val="solid"/>
+            <a:round/>
           </a:ln>
         </c:spPr>
         <c:txPr>
-          <a:bodyPr/>
+          <a:bodyPr rot="-60000000" spcFirstLastPara="0" vertOverflow="ellipsis" vert="horz" wrap="square" anchor="ctr" anchorCtr="1"/>
           <a:lstStyle/>
           <a:p>
             <a:pPr>
-              <a:defRPr b="0" sz="1000" spc="-1" strike="noStrike">
-                <a:latin typeface="Arial"/>
+              <a:defRPr lang="en-US" sz="1000" b="0" i="0" u="none" strike="noStrike" kern="1200" spc="-1" baseline="0">
+                <a:solidFill>
+                  <a:schemeClr val="tx1"/>
+                </a:solidFill>
+                <a:latin typeface="Arial" panose="020B0604020202020204"/>
+                <a:ea typeface="+mn-ea"/>
+                <a:cs typeface="+mn-cs"/>
               </a:defRPr>
             </a:pPr>
           </a:p>
@@ -172,6 +322,7 @@
         <c:auto val="1"/>
         <c:lblAlgn val="ctr"/>
         <c:lblOffset val="100"/>
+        <c:noMultiLvlLbl val="0"/>
       </c:catAx>
       <c:valAx>
         <c:axId val="91703980"/>
@@ -182,10 +333,12 @@
         <c:axPos val="l"/>
         <c:majorGridlines>
           <c:spPr>
-            <a:ln>
+            <a:ln w="9525" cap="flat" cmpd="sng" algn="ctr">
               <a:solidFill>
-                <a:srgbClr val="b3b3b3"/>
+                <a:srgbClr val="B3B3B3"/>
               </a:solidFill>
+              <a:prstDash val="solid"/>
+              <a:round/>
             </a:ln>
           </c:spPr>
         </c:majorGridlines>
@@ -194,51 +347,72 @@
         <c:minorTickMark val="none"/>
         <c:tickLblPos val="nextTo"/>
         <c:spPr>
-          <a:ln>
+          <a:ln w="9525" cap="flat" cmpd="sng" algn="ctr">
             <a:solidFill>
-              <a:srgbClr val="b3b3b3"/>
+              <a:srgbClr val="B3B3B3"/>
             </a:solidFill>
+            <a:prstDash val="solid"/>
+            <a:round/>
           </a:ln>
         </c:spPr>
         <c:txPr>
-          <a:bodyPr/>
+          <a:bodyPr rot="-60000000" spcFirstLastPara="0" vertOverflow="ellipsis" vert="horz" wrap="square" anchor="ctr" anchorCtr="1"/>
           <a:lstStyle/>
           <a:p>
             <a:pPr>
-              <a:defRPr b="0" sz="1000" spc="-1" strike="noStrike">
-                <a:latin typeface="Arial"/>
+              <a:defRPr lang="en-US" sz="1000" b="0" i="0" u="none" strike="noStrike" kern="1200" spc="-1" baseline="0">
+                <a:solidFill>
+                  <a:schemeClr val="tx1"/>
+                </a:solidFill>
+                <a:latin typeface="Arial" panose="020B0604020202020204"/>
+                <a:ea typeface="+mn-ea"/>
+                <a:cs typeface="+mn-cs"/>
               </a:defRPr>
             </a:pPr>
           </a:p>
         </c:txPr>
         <c:crossAx val="81152553"/>
         <c:crosses val="autoZero"/>
+        <c:crossBetween val="between"/>
       </c:valAx>
       <c:spPr>
         <a:noFill/>
         <a:ln>
           <a:solidFill>
-            <a:srgbClr val="b3b3b3"/>
+            <a:srgbClr val="B3B3B3"/>
           </a:solidFill>
         </a:ln>
       </c:spPr>
     </c:plotArea>
     <c:plotVisOnly val="1"/>
     <c:dispBlanksAs val="gap"/>
+    <c:showDLblsOverMax val="0"/>
   </c:chart>
   <c:spPr>
     <a:solidFill>
-      <a:srgbClr val="ffffff"/>
+      <a:srgbClr val="FFFFFF"/>
     </a:solidFill>
     <a:ln>
       <a:noFill/>
     </a:ln>
   </c:spPr>
+  <c:txPr>
+    <a:bodyPr/>
+    <a:lstStyle/>
+    <a:p>
+      <a:pPr>
+        <a:defRPr lang="en-US"/>
+      </a:pPr>
+    </a:p>
+  </c:txPr>
+  <c:externalData r:id="rId1">
+    <c:autoUpdate val="0"/>
+  </c:externalData>
 </c:chartSpace>
 </file>
 
 <file path=ppt/slideLayouts/slideLayout1.xml><?xml version="1.0" encoding="utf-8"?>
-<p:sldLayout xmlns:a="http://schemas.openxmlformats.org/drawingml/2006/main" xmlns:p="http://schemas.openxmlformats.org/presentationml/2006/main" xmlns:r="http://schemas.openxmlformats.org/officeDocument/2006/relationships" xmlns:p14="http://schemas.microsoft.com/office/powerpoint/2010/main" xmlns:p15="http://schemas.microsoft.com/office/powerpoint/2012/main" xmlns:mc="http://schemas.openxmlformats.org/markup-compatibility/2006" type="blank" preserve="1">
+<p:sldLayout xmlns:a="http://schemas.openxmlformats.org/drawingml/2006/main" xmlns:r="http://schemas.openxmlformats.org/officeDocument/2006/relationships" xmlns:p="http://schemas.openxmlformats.org/presentationml/2006/main" type="blank" preserve="1">
   <p:cSld name="Blank Slide">
     <p:spTree>
       <p:nvGrpSpPr>
@@ -256,11 +430,14 @@
       </p:grpSpPr>
     </p:spTree>
   </p:cSld>
+  <p:clrMapOvr>
+    <a:masterClrMapping/>
+  </p:clrMapOvr>
 </p:sldLayout>
 </file>
 
 <file path=ppt/slideLayouts/slideLayout10.xml><?xml version="1.0" encoding="utf-8"?>
-<p:sldLayout xmlns:a="http://schemas.openxmlformats.org/drawingml/2006/main" xmlns:p="http://schemas.openxmlformats.org/presentationml/2006/main" xmlns:r="http://schemas.openxmlformats.org/officeDocument/2006/relationships" xmlns:p14="http://schemas.microsoft.com/office/powerpoint/2010/main" xmlns:p15="http://schemas.microsoft.com/office/powerpoint/2012/main" xmlns:mc="http://schemas.openxmlformats.org/markup-compatibility/2006" type="objOverTx" preserve="1">
+<p:sldLayout xmlns:a="http://schemas.openxmlformats.org/drawingml/2006/main" xmlns:r="http://schemas.openxmlformats.org/officeDocument/2006/relationships" xmlns:p="http://schemas.openxmlformats.org/presentationml/2006/main" type="objOverTx" preserve="1">
   <p:cSld name="Title, Content over Content">
     <p:spTree>
       <p:nvGrpSpPr>
@@ -296,11 +473,11 @@
           </a:prstGeom>
         </p:spPr>
         <p:txBody>
-          <a:bodyPr lIns="0" rIns="0" tIns="0" bIns="0" anchor="ctr"/>
+          <a:bodyPr lIns="0" tIns="0" rIns="0" bIns="0" anchor="ctr"/>
           <a:p>
             <a:pPr algn="ctr"/>
-            <a:endParaRPr b="0" lang="en-US" sz="4400" spc="-1" strike="noStrike">
-              <a:latin typeface="Arial"/>
+            <a:endParaRPr lang="en-US" sz="4400" b="0" strike="noStrike" spc="-1">
+              <a:latin typeface="Arial" panose="020B0604020202020204"/>
             </a:endParaRPr>
           </a:p>
         </p:txBody>
@@ -325,12 +502,12 @@
           </a:prstGeom>
         </p:spPr>
         <p:txBody>
-          <a:bodyPr lIns="0" rIns="0" tIns="0" bIns="0">
+          <a:bodyPr lIns="0" tIns="0" rIns="0" bIns="0">
             <a:normAutofit/>
           </a:bodyPr>
           <a:p>
-            <a:endParaRPr b="0" lang="en-US" sz="3200" spc="-1" strike="noStrike">
-              <a:latin typeface="Arial"/>
+            <a:endParaRPr lang="en-US" sz="3200" b="0" strike="noStrike" spc="-1">
+              <a:latin typeface="Arial" panose="020B0604020202020204"/>
             </a:endParaRPr>
           </a:p>
         </p:txBody>
@@ -355,23 +532,26 @@
           </a:prstGeom>
         </p:spPr>
         <p:txBody>
-          <a:bodyPr lIns="0" rIns="0" tIns="0" bIns="0">
+          <a:bodyPr lIns="0" tIns="0" rIns="0" bIns="0">
             <a:normAutofit/>
           </a:bodyPr>
           <a:p>
-            <a:endParaRPr b="0" lang="en-US" sz="3200" spc="-1" strike="noStrike">
-              <a:latin typeface="Arial"/>
+            <a:endParaRPr lang="en-US" sz="3200" b="0" strike="noStrike" spc="-1">
+              <a:latin typeface="Arial" panose="020B0604020202020204"/>
             </a:endParaRPr>
           </a:p>
         </p:txBody>
       </p:sp>
     </p:spTree>
   </p:cSld>
+  <p:clrMapOvr>
+    <a:masterClrMapping/>
+  </p:clrMapOvr>
 </p:sldLayout>
 </file>
 
 <file path=ppt/slideLayouts/slideLayout11.xml><?xml version="1.0" encoding="utf-8"?>
-<p:sldLayout xmlns:a="http://schemas.openxmlformats.org/drawingml/2006/main" xmlns:p="http://schemas.openxmlformats.org/presentationml/2006/main" xmlns:r="http://schemas.openxmlformats.org/officeDocument/2006/relationships" xmlns:p14="http://schemas.microsoft.com/office/powerpoint/2010/main" xmlns:p15="http://schemas.microsoft.com/office/powerpoint/2012/main" xmlns:mc="http://schemas.openxmlformats.org/markup-compatibility/2006" type="fourObj" preserve="1">
+<p:sldLayout xmlns:a="http://schemas.openxmlformats.org/drawingml/2006/main" xmlns:r="http://schemas.openxmlformats.org/officeDocument/2006/relationships" xmlns:p="http://schemas.openxmlformats.org/presentationml/2006/main" type="fourObj" preserve="1">
   <p:cSld name="Title, 4 Content">
     <p:spTree>
       <p:nvGrpSpPr>
@@ -407,11 +587,11 @@
           </a:prstGeom>
         </p:spPr>
         <p:txBody>
-          <a:bodyPr lIns="0" rIns="0" tIns="0" bIns="0" anchor="ctr"/>
+          <a:bodyPr lIns="0" tIns="0" rIns="0" bIns="0" anchor="ctr"/>
           <a:p>
             <a:pPr algn="ctr"/>
-            <a:endParaRPr b="0" lang="en-US" sz="4400" spc="-1" strike="noStrike">
-              <a:latin typeface="Arial"/>
+            <a:endParaRPr lang="en-US" sz="4400" b="0" strike="noStrike" spc="-1">
+              <a:latin typeface="Arial" panose="020B0604020202020204"/>
             </a:endParaRPr>
           </a:p>
         </p:txBody>
@@ -436,12 +616,12 @@
           </a:prstGeom>
         </p:spPr>
         <p:txBody>
-          <a:bodyPr lIns="0" rIns="0" tIns="0" bIns="0">
+          <a:bodyPr lIns="0" tIns="0" rIns="0" bIns="0">
             <a:normAutofit/>
           </a:bodyPr>
           <a:p>
-            <a:endParaRPr b="0" lang="en-US" sz="3200" spc="-1" strike="noStrike">
-              <a:latin typeface="Arial"/>
+            <a:endParaRPr lang="en-US" sz="3200" b="0" strike="noStrike" spc="-1">
+              <a:latin typeface="Arial" panose="020B0604020202020204"/>
             </a:endParaRPr>
           </a:p>
         </p:txBody>
@@ -466,12 +646,12 @@
           </a:prstGeom>
         </p:spPr>
         <p:txBody>
-          <a:bodyPr lIns="0" rIns="0" tIns="0" bIns="0">
+          <a:bodyPr lIns="0" tIns="0" rIns="0" bIns="0">
             <a:normAutofit/>
           </a:bodyPr>
           <a:p>
-            <a:endParaRPr b="0" lang="en-US" sz="3200" spc="-1" strike="noStrike">
-              <a:latin typeface="Arial"/>
+            <a:endParaRPr lang="en-US" sz="3200" b="0" strike="noStrike" spc="-1">
+              <a:latin typeface="Arial" panose="020B0604020202020204"/>
             </a:endParaRPr>
           </a:p>
         </p:txBody>
@@ -496,12 +676,12 @@
           </a:prstGeom>
         </p:spPr>
         <p:txBody>
-          <a:bodyPr lIns="0" rIns="0" tIns="0" bIns="0">
+          <a:bodyPr lIns="0" tIns="0" rIns="0" bIns="0">
             <a:normAutofit/>
           </a:bodyPr>
           <a:p>
-            <a:endParaRPr b="0" lang="en-US" sz="3200" spc="-1" strike="noStrike">
-              <a:latin typeface="Arial"/>
+            <a:endParaRPr lang="en-US" sz="3200" b="0" strike="noStrike" spc="-1">
+              <a:latin typeface="Arial" panose="020B0604020202020204"/>
             </a:endParaRPr>
           </a:p>
         </p:txBody>
@@ -526,23 +706,26 @@
           </a:prstGeom>
         </p:spPr>
         <p:txBody>
-          <a:bodyPr lIns="0" rIns="0" tIns="0" bIns="0">
+          <a:bodyPr lIns="0" tIns="0" rIns="0" bIns="0">
             <a:normAutofit/>
           </a:bodyPr>
           <a:p>
-            <a:endParaRPr b="0" lang="en-US" sz="3200" spc="-1" strike="noStrike">
-              <a:latin typeface="Arial"/>
+            <a:endParaRPr lang="en-US" sz="3200" b="0" strike="noStrike" spc="-1">
+              <a:latin typeface="Arial" panose="020B0604020202020204"/>
             </a:endParaRPr>
           </a:p>
         </p:txBody>
       </p:sp>
     </p:spTree>
   </p:cSld>
+  <p:clrMapOvr>
+    <a:masterClrMapping/>
+  </p:clrMapOvr>
 </p:sldLayout>
 </file>
 
 <file path=ppt/slideLayouts/slideLayout12.xml><?xml version="1.0" encoding="utf-8"?>
-<p:sldLayout xmlns:a="http://schemas.openxmlformats.org/drawingml/2006/main" xmlns:p="http://schemas.openxmlformats.org/presentationml/2006/main" xmlns:r="http://schemas.openxmlformats.org/officeDocument/2006/relationships" xmlns:p14="http://schemas.microsoft.com/office/powerpoint/2010/main" xmlns:p15="http://schemas.microsoft.com/office/powerpoint/2012/main" xmlns:mc="http://schemas.openxmlformats.org/markup-compatibility/2006" type="blank" preserve="1">
+<p:sldLayout xmlns:a="http://schemas.openxmlformats.org/drawingml/2006/main" xmlns:r="http://schemas.openxmlformats.org/officeDocument/2006/relationships" xmlns:p="http://schemas.openxmlformats.org/presentationml/2006/main" type="blank" preserve="1">
   <p:cSld name="Title, 6 Content">
     <p:spTree>
       <p:nvGrpSpPr>
@@ -578,11 +761,11 @@
           </a:prstGeom>
         </p:spPr>
         <p:txBody>
-          <a:bodyPr lIns="0" rIns="0" tIns="0" bIns="0" anchor="ctr"/>
+          <a:bodyPr lIns="0" tIns="0" rIns="0" bIns="0" anchor="ctr"/>
           <a:p>
             <a:pPr algn="ctr"/>
-            <a:endParaRPr b="0" lang="en-US" sz="4400" spc="-1" strike="noStrike">
-              <a:latin typeface="Arial"/>
+            <a:endParaRPr lang="en-US" sz="4400" b="0" strike="noStrike" spc="-1">
+              <a:latin typeface="Arial" panose="020B0604020202020204"/>
             </a:endParaRPr>
           </a:p>
         </p:txBody>
@@ -607,12 +790,12 @@
           </a:prstGeom>
         </p:spPr>
         <p:txBody>
-          <a:bodyPr lIns="0" rIns="0" tIns="0" bIns="0">
+          <a:bodyPr lIns="0" tIns="0" rIns="0" bIns="0">
             <a:normAutofit/>
           </a:bodyPr>
           <a:p>
-            <a:endParaRPr b="0" lang="en-US" sz="3200" spc="-1" strike="noStrike">
-              <a:latin typeface="Arial"/>
+            <a:endParaRPr lang="en-US" sz="3200" b="0" strike="noStrike" spc="-1">
+              <a:latin typeface="Arial" panose="020B0604020202020204"/>
             </a:endParaRPr>
           </a:p>
         </p:txBody>
@@ -637,12 +820,12 @@
           </a:prstGeom>
         </p:spPr>
         <p:txBody>
-          <a:bodyPr lIns="0" rIns="0" tIns="0" bIns="0">
+          <a:bodyPr lIns="0" tIns="0" rIns="0" bIns="0">
             <a:normAutofit/>
           </a:bodyPr>
           <a:p>
-            <a:endParaRPr b="0" lang="en-US" sz="3200" spc="-1" strike="noStrike">
-              <a:latin typeface="Arial"/>
+            <a:endParaRPr lang="en-US" sz="3200" b="0" strike="noStrike" spc="-1">
+              <a:latin typeface="Arial" panose="020B0604020202020204"/>
             </a:endParaRPr>
           </a:p>
         </p:txBody>
@@ -667,12 +850,12 @@
           </a:prstGeom>
         </p:spPr>
         <p:txBody>
-          <a:bodyPr lIns="0" rIns="0" tIns="0" bIns="0">
+          <a:bodyPr lIns="0" tIns="0" rIns="0" bIns="0">
             <a:normAutofit/>
           </a:bodyPr>
           <a:p>
-            <a:endParaRPr b="0" lang="en-US" sz="3200" spc="-1" strike="noStrike">
-              <a:latin typeface="Arial"/>
+            <a:endParaRPr lang="en-US" sz="3200" b="0" strike="noStrike" spc="-1">
+              <a:latin typeface="Arial" panose="020B0604020202020204"/>
             </a:endParaRPr>
           </a:p>
         </p:txBody>
@@ -697,12 +880,12 @@
           </a:prstGeom>
         </p:spPr>
         <p:txBody>
-          <a:bodyPr lIns="0" rIns="0" tIns="0" bIns="0">
+          <a:bodyPr lIns="0" tIns="0" rIns="0" bIns="0">
             <a:normAutofit/>
           </a:bodyPr>
           <a:p>
-            <a:endParaRPr b="0" lang="en-US" sz="3200" spc="-1" strike="noStrike">
-              <a:latin typeface="Arial"/>
+            <a:endParaRPr lang="en-US" sz="3200" b="0" strike="noStrike" spc="-1">
+              <a:latin typeface="Arial" panose="020B0604020202020204"/>
             </a:endParaRPr>
           </a:p>
         </p:txBody>
@@ -727,12 +910,12 @@
           </a:prstGeom>
         </p:spPr>
         <p:txBody>
-          <a:bodyPr lIns="0" rIns="0" tIns="0" bIns="0">
+          <a:bodyPr lIns="0" tIns="0" rIns="0" bIns="0">
             <a:normAutofit/>
           </a:bodyPr>
           <a:p>
-            <a:endParaRPr b="0" lang="en-US" sz="3200" spc="-1" strike="noStrike">
-              <a:latin typeface="Arial"/>
+            <a:endParaRPr lang="en-US" sz="3200" b="0" strike="noStrike" spc="-1">
+              <a:latin typeface="Arial" panose="020B0604020202020204"/>
             </a:endParaRPr>
           </a:p>
         </p:txBody>
@@ -757,23 +940,26 @@
           </a:prstGeom>
         </p:spPr>
         <p:txBody>
-          <a:bodyPr lIns="0" rIns="0" tIns="0" bIns="0">
+          <a:bodyPr lIns="0" tIns="0" rIns="0" bIns="0">
             <a:normAutofit/>
           </a:bodyPr>
           <a:p>
-            <a:endParaRPr b="0" lang="en-US" sz="3200" spc="-1" strike="noStrike">
-              <a:latin typeface="Arial"/>
+            <a:endParaRPr lang="en-US" sz="3200" b="0" strike="noStrike" spc="-1">
+              <a:latin typeface="Arial" panose="020B0604020202020204"/>
             </a:endParaRPr>
           </a:p>
         </p:txBody>
       </p:sp>
     </p:spTree>
   </p:cSld>
+  <p:clrMapOvr>
+    <a:masterClrMapping/>
+  </p:clrMapOvr>
 </p:sldLayout>
 </file>
 
 <file path=ppt/slideLayouts/slideLayout13.xml><?xml version="1.0" encoding="utf-8"?>
-<p:sldLayout xmlns:a="http://schemas.openxmlformats.org/drawingml/2006/main" xmlns:p="http://schemas.openxmlformats.org/presentationml/2006/main" xmlns:r="http://schemas.openxmlformats.org/officeDocument/2006/relationships" xmlns:p14="http://schemas.microsoft.com/office/powerpoint/2010/main" xmlns:p15="http://schemas.microsoft.com/office/powerpoint/2012/main" xmlns:mc="http://schemas.openxmlformats.org/markup-compatibility/2006" type="blank" preserve="1">
+<p:sldLayout xmlns:a="http://schemas.openxmlformats.org/drawingml/2006/main" xmlns:r="http://schemas.openxmlformats.org/officeDocument/2006/relationships" xmlns:p="http://schemas.openxmlformats.org/presentationml/2006/main" type="blank" preserve="1">
   <p:cSld name="Blank Slide">
     <p:spTree>
       <p:nvGrpSpPr>
@@ -791,11 +977,14 @@
       </p:grpSpPr>
     </p:spTree>
   </p:cSld>
+  <p:clrMapOvr>
+    <a:masterClrMapping/>
+  </p:clrMapOvr>
 </p:sldLayout>
 </file>
 
 <file path=ppt/slideLayouts/slideLayout14.xml><?xml version="1.0" encoding="utf-8"?>
-<p:sldLayout xmlns:a="http://schemas.openxmlformats.org/drawingml/2006/main" xmlns:p="http://schemas.openxmlformats.org/presentationml/2006/main" xmlns:r="http://schemas.openxmlformats.org/officeDocument/2006/relationships" xmlns:p14="http://schemas.microsoft.com/office/powerpoint/2010/main" xmlns:p15="http://schemas.microsoft.com/office/powerpoint/2012/main" xmlns:mc="http://schemas.openxmlformats.org/markup-compatibility/2006" type="tx" preserve="1">
+<p:sldLayout xmlns:a="http://schemas.openxmlformats.org/drawingml/2006/main" xmlns:r="http://schemas.openxmlformats.org/officeDocument/2006/relationships" xmlns:p="http://schemas.openxmlformats.org/presentationml/2006/main" type="tx" preserve="1">
   <p:cSld name="Title Slide">
     <p:spTree>
       <p:nvGrpSpPr>
@@ -831,11 +1020,11 @@
           </a:prstGeom>
         </p:spPr>
         <p:txBody>
-          <a:bodyPr lIns="0" rIns="0" tIns="0" bIns="0" anchor="ctr"/>
+          <a:bodyPr lIns="0" tIns="0" rIns="0" bIns="0" anchor="ctr"/>
           <a:p>
             <a:pPr algn="ctr"/>
-            <a:endParaRPr b="0" lang="en-US" sz="4400" spc="-1" strike="noStrike">
-              <a:latin typeface="Arial"/>
+            <a:endParaRPr lang="en-US" sz="4400" b="0" strike="noStrike" spc="-1">
+              <a:latin typeface="Arial" panose="020B0604020202020204"/>
             </a:endParaRPr>
           </a:p>
         </p:txBody>
@@ -860,22 +1049,25 @@
           </a:prstGeom>
         </p:spPr>
         <p:txBody>
-          <a:bodyPr lIns="0" rIns="0" tIns="0" bIns="0" anchor="ctr"/>
+          <a:bodyPr lIns="0" tIns="0" rIns="0" bIns="0" anchor="ctr"/>
           <a:p>
             <a:pPr algn="ctr"/>
-            <a:endParaRPr b="0" lang="en-US" sz="3200" spc="-1" strike="noStrike">
-              <a:latin typeface="Arial"/>
+            <a:endParaRPr lang="en-US" sz="3200" b="0" strike="noStrike" spc="-1">
+              <a:latin typeface="Arial" panose="020B0604020202020204"/>
             </a:endParaRPr>
           </a:p>
         </p:txBody>
       </p:sp>
     </p:spTree>
   </p:cSld>
+  <p:clrMapOvr>
+    <a:masterClrMapping/>
+  </p:clrMapOvr>
 </p:sldLayout>
 </file>
 
 <file path=ppt/slideLayouts/slideLayout15.xml><?xml version="1.0" encoding="utf-8"?>
-<p:sldLayout xmlns:a="http://schemas.openxmlformats.org/drawingml/2006/main" xmlns:p="http://schemas.openxmlformats.org/presentationml/2006/main" xmlns:r="http://schemas.openxmlformats.org/officeDocument/2006/relationships" xmlns:p14="http://schemas.microsoft.com/office/powerpoint/2010/main" xmlns:p15="http://schemas.microsoft.com/office/powerpoint/2012/main" xmlns:mc="http://schemas.openxmlformats.org/markup-compatibility/2006" type="obj" preserve="1">
+<p:sldLayout xmlns:a="http://schemas.openxmlformats.org/drawingml/2006/main" xmlns:r="http://schemas.openxmlformats.org/officeDocument/2006/relationships" xmlns:p="http://schemas.openxmlformats.org/presentationml/2006/main" type="obj" preserve="1">
   <p:cSld name="Title, Content">
     <p:spTree>
       <p:nvGrpSpPr>
@@ -911,11 +1103,11 @@
           </a:prstGeom>
         </p:spPr>
         <p:txBody>
-          <a:bodyPr lIns="0" rIns="0" tIns="0" bIns="0" anchor="ctr"/>
+          <a:bodyPr lIns="0" tIns="0" rIns="0" bIns="0" anchor="ctr"/>
           <a:p>
             <a:pPr algn="ctr"/>
-            <a:endParaRPr b="0" lang="en-US" sz="4400" spc="-1" strike="noStrike">
-              <a:latin typeface="Arial"/>
+            <a:endParaRPr lang="en-US" sz="4400" b="0" strike="noStrike" spc="-1">
+              <a:latin typeface="Arial" panose="020B0604020202020204"/>
             </a:endParaRPr>
           </a:p>
         </p:txBody>
@@ -940,23 +1132,26 @@
           </a:prstGeom>
         </p:spPr>
         <p:txBody>
-          <a:bodyPr lIns="0" rIns="0" tIns="0" bIns="0">
+          <a:bodyPr lIns="0" tIns="0" rIns="0" bIns="0">
             <a:normAutofit/>
           </a:bodyPr>
           <a:p>
-            <a:endParaRPr b="0" lang="en-US" sz="3200" spc="-1" strike="noStrike">
-              <a:latin typeface="Arial"/>
+            <a:endParaRPr lang="en-US" sz="3200" b="0" strike="noStrike" spc="-1">
+              <a:latin typeface="Arial" panose="020B0604020202020204"/>
             </a:endParaRPr>
           </a:p>
         </p:txBody>
       </p:sp>
     </p:spTree>
   </p:cSld>
+  <p:clrMapOvr>
+    <a:masterClrMapping/>
+  </p:clrMapOvr>
 </p:sldLayout>
 </file>
 
 <file path=ppt/slideLayouts/slideLayout16.xml><?xml version="1.0" encoding="utf-8"?>
-<p:sldLayout xmlns:a="http://schemas.openxmlformats.org/drawingml/2006/main" xmlns:p="http://schemas.openxmlformats.org/presentationml/2006/main" xmlns:r="http://schemas.openxmlformats.org/officeDocument/2006/relationships" xmlns:p14="http://schemas.microsoft.com/office/powerpoint/2010/main" xmlns:p15="http://schemas.microsoft.com/office/powerpoint/2012/main" xmlns:mc="http://schemas.openxmlformats.org/markup-compatibility/2006" type="twoObj" preserve="1">
+<p:sldLayout xmlns:a="http://schemas.openxmlformats.org/drawingml/2006/main" xmlns:r="http://schemas.openxmlformats.org/officeDocument/2006/relationships" xmlns:p="http://schemas.openxmlformats.org/presentationml/2006/main" type="twoObj" preserve="1">
   <p:cSld name="Title, 2 Content">
     <p:spTree>
       <p:nvGrpSpPr>
@@ -992,11 +1187,11 @@
           </a:prstGeom>
         </p:spPr>
         <p:txBody>
-          <a:bodyPr lIns="0" rIns="0" tIns="0" bIns="0" anchor="ctr"/>
+          <a:bodyPr lIns="0" tIns="0" rIns="0" bIns="0" anchor="ctr"/>
           <a:p>
             <a:pPr algn="ctr"/>
-            <a:endParaRPr b="0" lang="en-US" sz="4400" spc="-1" strike="noStrike">
-              <a:latin typeface="Arial"/>
+            <a:endParaRPr lang="en-US" sz="4400" b="0" strike="noStrike" spc="-1">
+              <a:latin typeface="Arial" panose="020B0604020202020204"/>
             </a:endParaRPr>
           </a:p>
         </p:txBody>
@@ -1021,12 +1216,12 @@
           </a:prstGeom>
         </p:spPr>
         <p:txBody>
-          <a:bodyPr lIns="0" rIns="0" tIns="0" bIns="0">
+          <a:bodyPr lIns="0" tIns="0" rIns="0" bIns="0">
             <a:normAutofit/>
           </a:bodyPr>
           <a:p>
-            <a:endParaRPr b="0" lang="en-US" sz="3200" spc="-1" strike="noStrike">
-              <a:latin typeface="Arial"/>
+            <a:endParaRPr lang="en-US" sz="3200" b="0" strike="noStrike" spc="-1">
+              <a:latin typeface="Arial" panose="020B0604020202020204"/>
             </a:endParaRPr>
           </a:p>
         </p:txBody>
@@ -1051,23 +1246,26 @@
           </a:prstGeom>
         </p:spPr>
         <p:txBody>
-          <a:bodyPr lIns="0" rIns="0" tIns="0" bIns="0">
+          <a:bodyPr lIns="0" tIns="0" rIns="0" bIns="0">
             <a:normAutofit/>
           </a:bodyPr>
           <a:p>
-            <a:endParaRPr b="0" lang="en-US" sz="3200" spc="-1" strike="noStrike">
-              <a:latin typeface="Arial"/>
+            <a:endParaRPr lang="en-US" sz="3200" b="0" strike="noStrike" spc="-1">
+              <a:latin typeface="Arial" panose="020B0604020202020204"/>
             </a:endParaRPr>
           </a:p>
         </p:txBody>
       </p:sp>
     </p:spTree>
   </p:cSld>
+  <p:clrMapOvr>
+    <a:masterClrMapping/>
+  </p:clrMapOvr>
 </p:sldLayout>
 </file>
 
 <file path=ppt/slideLayouts/slideLayout17.xml><?xml version="1.0" encoding="utf-8"?>
-<p:sldLayout xmlns:a="http://schemas.openxmlformats.org/drawingml/2006/main" xmlns:p="http://schemas.openxmlformats.org/presentationml/2006/main" xmlns:r="http://schemas.openxmlformats.org/officeDocument/2006/relationships" xmlns:p14="http://schemas.microsoft.com/office/powerpoint/2010/main" xmlns:p15="http://schemas.microsoft.com/office/powerpoint/2012/main" xmlns:mc="http://schemas.openxmlformats.org/markup-compatibility/2006" type="titleOnly" preserve="1">
+<p:sldLayout xmlns:a="http://schemas.openxmlformats.org/drawingml/2006/main" xmlns:r="http://schemas.openxmlformats.org/officeDocument/2006/relationships" xmlns:p="http://schemas.openxmlformats.org/presentationml/2006/main" type="titleOnly" preserve="1">
   <p:cSld name="Title Only">
     <p:spTree>
       <p:nvGrpSpPr>
@@ -1103,22 +1301,25 @@
           </a:prstGeom>
         </p:spPr>
         <p:txBody>
-          <a:bodyPr lIns="0" rIns="0" tIns="0" bIns="0" anchor="ctr"/>
+          <a:bodyPr lIns="0" tIns="0" rIns="0" bIns="0" anchor="ctr"/>
           <a:p>
             <a:pPr algn="ctr"/>
-            <a:endParaRPr b="0" lang="en-US" sz="4400" spc="-1" strike="noStrike">
-              <a:latin typeface="Arial"/>
+            <a:endParaRPr lang="en-US" sz="4400" b="0" strike="noStrike" spc="-1">
+              <a:latin typeface="Arial" panose="020B0604020202020204"/>
             </a:endParaRPr>
           </a:p>
         </p:txBody>
       </p:sp>
     </p:spTree>
   </p:cSld>
+  <p:clrMapOvr>
+    <a:masterClrMapping/>
+  </p:clrMapOvr>
 </p:sldLayout>
 </file>
 
 <file path=ppt/slideLayouts/slideLayout18.xml><?xml version="1.0" encoding="utf-8"?>
-<p:sldLayout xmlns:a="http://schemas.openxmlformats.org/drawingml/2006/main" xmlns:p="http://schemas.openxmlformats.org/presentationml/2006/main" xmlns:r="http://schemas.openxmlformats.org/officeDocument/2006/relationships" xmlns:p14="http://schemas.microsoft.com/office/powerpoint/2010/main" xmlns:p15="http://schemas.microsoft.com/office/powerpoint/2012/main" xmlns:mc="http://schemas.openxmlformats.org/markup-compatibility/2006" type="objOnly" preserve="1">
+<p:sldLayout xmlns:a="http://schemas.openxmlformats.org/drawingml/2006/main" xmlns:r="http://schemas.openxmlformats.org/officeDocument/2006/relationships" xmlns:p="http://schemas.openxmlformats.org/presentationml/2006/main" type="objOnly" preserve="1">
   <p:cSld name="Centered Text">
     <p:spTree>
       <p:nvGrpSpPr>
@@ -1154,22 +1355,25 @@
           </a:prstGeom>
         </p:spPr>
         <p:txBody>
-          <a:bodyPr lIns="0" rIns="0" tIns="0" bIns="0" anchor="ctr"/>
+          <a:bodyPr lIns="0" tIns="0" rIns="0" bIns="0" anchor="ctr"/>
           <a:p>
             <a:pPr algn="ctr"/>
-            <a:endParaRPr b="0" lang="en-US" sz="3200" spc="-1" strike="noStrike">
-              <a:latin typeface="Arial"/>
+            <a:endParaRPr lang="en-US" sz="3200" b="0" strike="noStrike" spc="-1">
+              <a:latin typeface="Arial" panose="020B0604020202020204"/>
             </a:endParaRPr>
           </a:p>
         </p:txBody>
       </p:sp>
     </p:spTree>
   </p:cSld>
+  <p:clrMapOvr>
+    <a:masterClrMapping/>
+  </p:clrMapOvr>
 </p:sldLayout>
 </file>
 
 <file path=ppt/slideLayouts/slideLayout19.xml><?xml version="1.0" encoding="utf-8"?>
-<p:sldLayout xmlns:a="http://schemas.openxmlformats.org/drawingml/2006/main" xmlns:p="http://schemas.openxmlformats.org/presentationml/2006/main" xmlns:r="http://schemas.openxmlformats.org/officeDocument/2006/relationships" xmlns:p14="http://schemas.microsoft.com/office/powerpoint/2010/main" xmlns:p15="http://schemas.microsoft.com/office/powerpoint/2012/main" xmlns:mc="http://schemas.openxmlformats.org/markup-compatibility/2006" type="twoObjAndObj" preserve="1">
+<p:sldLayout xmlns:a="http://schemas.openxmlformats.org/drawingml/2006/main" xmlns:r="http://schemas.openxmlformats.org/officeDocument/2006/relationships" xmlns:p="http://schemas.openxmlformats.org/presentationml/2006/main" type="twoObjAndObj" preserve="1">
   <p:cSld name="Title, 2 Content and Content">
     <p:spTree>
       <p:nvGrpSpPr>
@@ -1205,11 +1409,11 @@
           </a:prstGeom>
         </p:spPr>
         <p:txBody>
-          <a:bodyPr lIns="0" rIns="0" tIns="0" bIns="0" anchor="ctr"/>
+          <a:bodyPr lIns="0" tIns="0" rIns="0" bIns="0" anchor="ctr"/>
           <a:p>
             <a:pPr algn="ctr"/>
-            <a:endParaRPr b="0" lang="en-US" sz="4400" spc="-1" strike="noStrike">
-              <a:latin typeface="Arial"/>
+            <a:endParaRPr lang="en-US" sz="4400" b="0" strike="noStrike" spc="-1">
+              <a:latin typeface="Arial" panose="020B0604020202020204"/>
             </a:endParaRPr>
           </a:p>
         </p:txBody>
@@ -1234,12 +1438,12 @@
           </a:prstGeom>
         </p:spPr>
         <p:txBody>
-          <a:bodyPr lIns="0" rIns="0" tIns="0" bIns="0">
+          <a:bodyPr lIns="0" tIns="0" rIns="0" bIns="0">
             <a:normAutofit/>
           </a:bodyPr>
           <a:p>
-            <a:endParaRPr b="0" lang="en-US" sz="3200" spc="-1" strike="noStrike">
-              <a:latin typeface="Arial"/>
+            <a:endParaRPr lang="en-US" sz="3200" b="0" strike="noStrike" spc="-1">
+              <a:latin typeface="Arial" panose="020B0604020202020204"/>
             </a:endParaRPr>
           </a:p>
         </p:txBody>
@@ -1264,12 +1468,12 @@
           </a:prstGeom>
         </p:spPr>
         <p:txBody>
-          <a:bodyPr lIns="0" rIns="0" tIns="0" bIns="0">
+          <a:bodyPr lIns="0" tIns="0" rIns="0" bIns="0">
             <a:normAutofit/>
           </a:bodyPr>
           <a:p>
-            <a:endParaRPr b="0" lang="en-US" sz="3200" spc="-1" strike="noStrike">
-              <a:latin typeface="Arial"/>
+            <a:endParaRPr lang="en-US" sz="3200" b="0" strike="noStrike" spc="-1">
+              <a:latin typeface="Arial" panose="020B0604020202020204"/>
             </a:endParaRPr>
           </a:p>
         </p:txBody>
@@ -1294,23 +1498,26 @@
           </a:prstGeom>
         </p:spPr>
         <p:txBody>
-          <a:bodyPr lIns="0" rIns="0" tIns="0" bIns="0">
+          <a:bodyPr lIns="0" tIns="0" rIns="0" bIns="0">
             <a:normAutofit/>
           </a:bodyPr>
           <a:p>
-            <a:endParaRPr b="0" lang="en-US" sz="3200" spc="-1" strike="noStrike">
-              <a:latin typeface="Arial"/>
+            <a:endParaRPr lang="en-US" sz="3200" b="0" strike="noStrike" spc="-1">
+              <a:latin typeface="Arial" panose="020B0604020202020204"/>
             </a:endParaRPr>
           </a:p>
         </p:txBody>
       </p:sp>
     </p:spTree>
   </p:cSld>
+  <p:clrMapOvr>
+    <a:masterClrMapping/>
+  </p:clrMapOvr>
 </p:sldLayout>
 </file>
 
 <file path=ppt/slideLayouts/slideLayout2.xml><?xml version="1.0" encoding="utf-8"?>
-<p:sldLayout xmlns:a="http://schemas.openxmlformats.org/drawingml/2006/main" xmlns:p="http://schemas.openxmlformats.org/presentationml/2006/main" xmlns:r="http://schemas.openxmlformats.org/officeDocument/2006/relationships" xmlns:p14="http://schemas.microsoft.com/office/powerpoint/2010/main" xmlns:p15="http://schemas.microsoft.com/office/powerpoint/2012/main" xmlns:mc="http://schemas.openxmlformats.org/markup-compatibility/2006" type="tx" preserve="1">
+<p:sldLayout xmlns:a="http://schemas.openxmlformats.org/drawingml/2006/main" xmlns:r="http://schemas.openxmlformats.org/officeDocument/2006/relationships" xmlns:p="http://schemas.openxmlformats.org/presentationml/2006/main" type="tx" preserve="1">
   <p:cSld name="Title Slide">
     <p:spTree>
       <p:nvGrpSpPr>
@@ -1346,11 +1553,11 @@
           </a:prstGeom>
         </p:spPr>
         <p:txBody>
-          <a:bodyPr lIns="0" rIns="0" tIns="0" bIns="0" anchor="ctr"/>
+          <a:bodyPr lIns="0" tIns="0" rIns="0" bIns="0" anchor="ctr"/>
           <a:p>
             <a:pPr algn="ctr"/>
-            <a:endParaRPr b="0" lang="en-US" sz="4400" spc="-1" strike="noStrike">
-              <a:latin typeface="Arial"/>
+            <a:endParaRPr lang="en-US" sz="4400" b="0" strike="noStrike" spc="-1">
+              <a:latin typeface="Arial" panose="020B0604020202020204"/>
             </a:endParaRPr>
           </a:p>
         </p:txBody>
@@ -1375,22 +1582,25 @@
           </a:prstGeom>
         </p:spPr>
         <p:txBody>
-          <a:bodyPr lIns="0" rIns="0" tIns="0" bIns="0" anchor="ctr"/>
+          <a:bodyPr lIns="0" tIns="0" rIns="0" bIns="0" anchor="ctr"/>
           <a:p>
             <a:pPr algn="ctr"/>
-            <a:endParaRPr b="0" lang="en-US" sz="3200" spc="-1" strike="noStrike">
-              <a:latin typeface="Arial"/>
+            <a:endParaRPr lang="en-US" sz="3200" b="0" strike="noStrike" spc="-1">
+              <a:latin typeface="Arial" panose="020B0604020202020204"/>
             </a:endParaRPr>
           </a:p>
         </p:txBody>
       </p:sp>
     </p:spTree>
   </p:cSld>
+  <p:clrMapOvr>
+    <a:masterClrMapping/>
+  </p:clrMapOvr>
 </p:sldLayout>
 </file>
 
 <file path=ppt/slideLayouts/slideLayout20.xml><?xml version="1.0" encoding="utf-8"?>
-<p:sldLayout xmlns:a="http://schemas.openxmlformats.org/drawingml/2006/main" xmlns:p="http://schemas.openxmlformats.org/presentationml/2006/main" xmlns:r="http://schemas.openxmlformats.org/officeDocument/2006/relationships" xmlns:p14="http://schemas.microsoft.com/office/powerpoint/2010/main" xmlns:p15="http://schemas.microsoft.com/office/powerpoint/2012/main" xmlns:mc="http://schemas.openxmlformats.org/markup-compatibility/2006" type="objAndTwoObj" preserve="1">
+<p:sldLayout xmlns:a="http://schemas.openxmlformats.org/drawingml/2006/main" xmlns:r="http://schemas.openxmlformats.org/officeDocument/2006/relationships" xmlns:p="http://schemas.openxmlformats.org/presentationml/2006/main" type="objAndTwoObj" preserve="1">
   <p:cSld name="Title Content and 2 Content">
     <p:spTree>
       <p:nvGrpSpPr>
@@ -1426,11 +1636,11 @@
           </a:prstGeom>
         </p:spPr>
         <p:txBody>
-          <a:bodyPr lIns="0" rIns="0" tIns="0" bIns="0" anchor="ctr"/>
+          <a:bodyPr lIns="0" tIns="0" rIns="0" bIns="0" anchor="ctr"/>
           <a:p>
             <a:pPr algn="ctr"/>
-            <a:endParaRPr b="0" lang="en-US" sz="4400" spc="-1" strike="noStrike">
-              <a:latin typeface="Arial"/>
+            <a:endParaRPr lang="en-US" sz="4400" b="0" strike="noStrike" spc="-1">
+              <a:latin typeface="Arial" panose="020B0604020202020204"/>
             </a:endParaRPr>
           </a:p>
         </p:txBody>
@@ -1455,12 +1665,12 @@
           </a:prstGeom>
         </p:spPr>
         <p:txBody>
-          <a:bodyPr lIns="0" rIns="0" tIns="0" bIns="0">
+          <a:bodyPr lIns="0" tIns="0" rIns="0" bIns="0">
             <a:normAutofit/>
           </a:bodyPr>
           <a:p>
-            <a:endParaRPr b="0" lang="en-US" sz="3200" spc="-1" strike="noStrike">
-              <a:latin typeface="Arial"/>
+            <a:endParaRPr lang="en-US" sz="3200" b="0" strike="noStrike" spc="-1">
+              <a:latin typeface="Arial" panose="020B0604020202020204"/>
             </a:endParaRPr>
           </a:p>
         </p:txBody>
@@ -1485,12 +1695,12 @@
           </a:prstGeom>
         </p:spPr>
         <p:txBody>
-          <a:bodyPr lIns="0" rIns="0" tIns="0" bIns="0">
+          <a:bodyPr lIns="0" tIns="0" rIns="0" bIns="0">
             <a:normAutofit/>
           </a:bodyPr>
           <a:p>
-            <a:endParaRPr b="0" lang="en-US" sz="3200" spc="-1" strike="noStrike">
-              <a:latin typeface="Arial"/>
+            <a:endParaRPr lang="en-US" sz="3200" b="0" strike="noStrike" spc="-1">
+              <a:latin typeface="Arial" panose="020B0604020202020204"/>
             </a:endParaRPr>
           </a:p>
         </p:txBody>
@@ -1515,23 +1725,26 @@
           </a:prstGeom>
         </p:spPr>
         <p:txBody>
-          <a:bodyPr lIns="0" rIns="0" tIns="0" bIns="0">
+          <a:bodyPr lIns="0" tIns="0" rIns="0" bIns="0">
             <a:normAutofit/>
           </a:bodyPr>
           <a:p>
-            <a:endParaRPr b="0" lang="en-US" sz="3200" spc="-1" strike="noStrike">
-              <a:latin typeface="Arial"/>
+            <a:endParaRPr lang="en-US" sz="3200" b="0" strike="noStrike" spc="-1">
+              <a:latin typeface="Arial" panose="020B0604020202020204"/>
             </a:endParaRPr>
           </a:p>
         </p:txBody>
       </p:sp>
     </p:spTree>
   </p:cSld>
+  <p:clrMapOvr>
+    <a:masterClrMapping/>
+  </p:clrMapOvr>
 </p:sldLayout>
 </file>
 
 <file path=ppt/slideLayouts/slideLayout21.xml><?xml version="1.0" encoding="utf-8"?>
-<p:sldLayout xmlns:a="http://schemas.openxmlformats.org/drawingml/2006/main" xmlns:p="http://schemas.openxmlformats.org/presentationml/2006/main" xmlns:r="http://schemas.openxmlformats.org/officeDocument/2006/relationships" xmlns:p14="http://schemas.microsoft.com/office/powerpoint/2010/main" xmlns:p15="http://schemas.microsoft.com/office/powerpoint/2012/main" xmlns:mc="http://schemas.openxmlformats.org/markup-compatibility/2006" type="twoObjOverTx" preserve="1">
+<p:sldLayout xmlns:a="http://schemas.openxmlformats.org/drawingml/2006/main" xmlns:r="http://schemas.openxmlformats.org/officeDocument/2006/relationships" xmlns:p="http://schemas.openxmlformats.org/presentationml/2006/main" type="twoObjOverTx" preserve="1">
   <p:cSld name="Title, 2 Content over Content">
     <p:spTree>
       <p:nvGrpSpPr>
@@ -1567,11 +1780,11 @@
           </a:prstGeom>
         </p:spPr>
         <p:txBody>
-          <a:bodyPr lIns="0" rIns="0" tIns="0" bIns="0" anchor="ctr"/>
+          <a:bodyPr lIns="0" tIns="0" rIns="0" bIns="0" anchor="ctr"/>
           <a:p>
             <a:pPr algn="ctr"/>
-            <a:endParaRPr b="0" lang="en-US" sz="4400" spc="-1" strike="noStrike">
-              <a:latin typeface="Arial"/>
+            <a:endParaRPr lang="en-US" sz="4400" b="0" strike="noStrike" spc="-1">
+              <a:latin typeface="Arial" panose="020B0604020202020204"/>
             </a:endParaRPr>
           </a:p>
         </p:txBody>
@@ -1596,12 +1809,12 @@
           </a:prstGeom>
         </p:spPr>
         <p:txBody>
-          <a:bodyPr lIns="0" rIns="0" tIns="0" bIns="0">
+          <a:bodyPr lIns="0" tIns="0" rIns="0" bIns="0">
             <a:normAutofit/>
           </a:bodyPr>
           <a:p>
-            <a:endParaRPr b="0" lang="en-US" sz="3200" spc="-1" strike="noStrike">
-              <a:latin typeface="Arial"/>
+            <a:endParaRPr lang="en-US" sz="3200" b="0" strike="noStrike" spc="-1">
+              <a:latin typeface="Arial" panose="020B0604020202020204"/>
             </a:endParaRPr>
           </a:p>
         </p:txBody>
@@ -1626,12 +1839,12 @@
           </a:prstGeom>
         </p:spPr>
         <p:txBody>
-          <a:bodyPr lIns="0" rIns="0" tIns="0" bIns="0">
+          <a:bodyPr lIns="0" tIns="0" rIns="0" bIns="0">
             <a:normAutofit/>
           </a:bodyPr>
           <a:p>
-            <a:endParaRPr b="0" lang="en-US" sz="3200" spc="-1" strike="noStrike">
-              <a:latin typeface="Arial"/>
+            <a:endParaRPr lang="en-US" sz="3200" b="0" strike="noStrike" spc="-1">
+              <a:latin typeface="Arial" panose="020B0604020202020204"/>
             </a:endParaRPr>
           </a:p>
         </p:txBody>
@@ -1656,23 +1869,26 @@
           </a:prstGeom>
         </p:spPr>
         <p:txBody>
-          <a:bodyPr lIns="0" rIns="0" tIns="0" bIns="0">
+          <a:bodyPr lIns="0" tIns="0" rIns="0" bIns="0">
             <a:normAutofit/>
           </a:bodyPr>
           <a:p>
-            <a:endParaRPr b="0" lang="en-US" sz="3200" spc="-1" strike="noStrike">
-              <a:latin typeface="Arial"/>
+            <a:endParaRPr lang="en-US" sz="3200" b="0" strike="noStrike" spc="-1">
+              <a:latin typeface="Arial" panose="020B0604020202020204"/>
             </a:endParaRPr>
           </a:p>
         </p:txBody>
       </p:sp>
     </p:spTree>
   </p:cSld>
+  <p:clrMapOvr>
+    <a:masterClrMapping/>
+  </p:clrMapOvr>
 </p:sldLayout>
 </file>
 
 <file path=ppt/slideLayouts/slideLayout22.xml><?xml version="1.0" encoding="utf-8"?>
-<p:sldLayout xmlns:a="http://schemas.openxmlformats.org/drawingml/2006/main" xmlns:p="http://schemas.openxmlformats.org/presentationml/2006/main" xmlns:r="http://schemas.openxmlformats.org/officeDocument/2006/relationships" xmlns:p14="http://schemas.microsoft.com/office/powerpoint/2010/main" xmlns:p15="http://schemas.microsoft.com/office/powerpoint/2012/main" xmlns:mc="http://schemas.openxmlformats.org/markup-compatibility/2006" type="objOverTx" preserve="1">
+<p:sldLayout xmlns:a="http://schemas.openxmlformats.org/drawingml/2006/main" xmlns:r="http://schemas.openxmlformats.org/officeDocument/2006/relationships" xmlns:p="http://schemas.openxmlformats.org/presentationml/2006/main" type="objOverTx" preserve="1">
   <p:cSld name="Title, Content over Content">
     <p:spTree>
       <p:nvGrpSpPr>
@@ -1708,11 +1924,11 @@
           </a:prstGeom>
         </p:spPr>
         <p:txBody>
-          <a:bodyPr lIns="0" rIns="0" tIns="0" bIns="0" anchor="ctr"/>
+          <a:bodyPr lIns="0" tIns="0" rIns="0" bIns="0" anchor="ctr"/>
           <a:p>
             <a:pPr algn="ctr"/>
-            <a:endParaRPr b="0" lang="en-US" sz="4400" spc="-1" strike="noStrike">
-              <a:latin typeface="Arial"/>
+            <a:endParaRPr lang="en-US" sz="4400" b="0" strike="noStrike" spc="-1">
+              <a:latin typeface="Arial" panose="020B0604020202020204"/>
             </a:endParaRPr>
           </a:p>
         </p:txBody>
@@ -1737,12 +1953,12 @@
           </a:prstGeom>
         </p:spPr>
         <p:txBody>
-          <a:bodyPr lIns="0" rIns="0" tIns="0" bIns="0">
+          <a:bodyPr lIns="0" tIns="0" rIns="0" bIns="0">
             <a:normAutofit/>
           </a:bodyPr>
           <a:p>
-            <a:endParaRPr b="0" lang="en-US" sz="3200" spc="-1" strike="noStrike">
-              <a:latin typeface="Arial"/>
+            <a:endParaRPr lang="en-US" sz="3200" b="0" strike="noStrike" spc="-1">
+              <a:latin typeface="Arial" panose="020B0604020202020204"/>
             </a:endParaRPr>
           </a:p>
         </p:txBody>
@@ -1767,23 +1983,26 @@
           </a:prstGeom>
         </p:spPr>
         <p:txBody>
-          <a:bodyPr lIns="0" rIns="0" tIns="0" bIns="0">
+          <a:bodyPr lIns="0" tIns="0" rIns="0" bIns="0">
             <a:normAutofit/>
           </a:bodyPr>
           <a:p>
-            <a:endParaRPr b="0" lang="en-US" sz="3200" spc="-1" strike="noStrike">
-              <a:latin typeface="Arial"/>
+            <a:endParaRPr lang="en-US" sz="3200" b="0" strike="noStrike" spc="-1">
+              <a:latin typeface="Arial" panose="020B0604020202020204"/>
             </a:endParaRPr>
           </a:p>
         </p:txBody>
       </p:sp>
     </p:spTree>
   </p:cSld>
+  <p:clrMapOvr>
+    <a:masterClrMapping/>
+  </p:clrMapOvr>
 </p:sldLayout>
 </file>
 
 <file path=ppt/slideLayouts/slideLayout23.xml><?xml version="1.0" encoding="utf-8"?>
-<p:sldLayout xmlns:a="http://schemas.openxmlformats.org/drawingml/2006/main" xmlns:p="http://schemas.openxmlformats.org/presentationml/2006/main" xmlns:r="http://schemas.openxmlformats.org/officeDocument/2006/relationships" xmlns:p14="http://schemas.microsoft.com/office/powerpoint/2010/main" xmlns:p15="http://schemas.microsoft.com/office/powerpoint/2012/main" xmlns:mc="http://schemas.openxmlformats.org/markup-compatibility/2006" type="fourObj" preserve="1">
+<p:sldLayout xmlns:a="http://schemas.openxmlformats.org/drawingml/2006/main" xmlns:r="http://schemas.openxmlformats.org/officeDocument/2006/relationships" xmlns:p="http://schemas.openxmlformats.org/presentationml/2006/main" type="fourObj" preserve="1">
   <p:cSld name="Title, 4 Content">
     <p:spTree>
       <p:nvGrpSpPr>
@@ -1819,11 +2038,11 @@
           </a:prstGeom>
         </p:spPr>
         <p:txBody>
-          <a:bodyPr lIns="0" rIns="0" tIns="0" bIns="0" anchor="ctr"/>
+          <a:bodyPr lIns="0" tIns="0" rIns="0" bIns="0" anchor="ctr"/>
           <a:p>
             <a:pPr algn="ctr"/>
-            <a:endParaRPr b="0" lang="en-US" sz="4400" spc="-1" strike="noStrike">
-              <a:latin typeface="Arial"/>
+            <a:endParaRPr lang="en-US" sz="4400" b="0" strike="noStrike" spc="-1">
+              <a:latin typeface="Arial" panose="020B0604020202020204"/>
             </a:endParaRPr>
           </a:p>
         </p:txBody>
@@ -1848,12 +2067,12 @@
           </a:prstGeom>
         </p:spPr>
         <p:txBody>
-          <a:bodyPr lIns="0" rIns="0" tIns="0" bIns="0">
+          <a:bodyPr lIns="0" tIns="0" rIns="0" bIns="0">
             <a:normAutofit/>
           </a:bodyPr>
           <a:p>
-            <a:endParaRPr b="0" lang="en-US" sz="3200" spc="-1" strike="noStrike">
-              <a:latin typeface="Arial"/>
+            <a:endParaRPr lang="en-US" sz="3200" b="0" strike="noStrike" spc="-1">
+              <a:latin typeface="Arial" panose="020B0604020202020204"/>
             </a:endParaRPr>
           </a:p>
         </p:txBody>
@@ -1878,12 +2097,12 @@
           </a:prstGeom>
         </p:spPr>
         <p:txBody>
-          <a:bodyPr lIns="0" rIns="0" tIns="0" bIns="0">
+          <a:bodyPr lIns="0" tIns="0" rIns="0" bIns="0">
             <a:normAutofit/>
           </a:bodyPr>
           <a:p>
-            <a:endParaRPr b="0" lang="en-US" sz="3200" spc="-1" strike="noStrike">
-              <a:latin typeface="Arial"/>
+            <a:endParaRPr lang="en-US" sz="3200" b="0" strike="noStrike" spc="-1">
+              <a:latin typeface="Arial" panose="020B0604020202020204"/>
             </a:endParaRPr>
           </a:p>
         </p:txBody>
@@ -1908,12 +2127,12 @@
           </a:prstGeom>
         </p:spPr>
         <p:txBody>
-          <a:bodyPr lIns="0" rIns="0" tIns="0" bIns="0">
+          <a:bodyPr lIns="0" tIns="0" rIns="0" bIns="0">
             <a:normAutofit/>
           </a:bodyPr>
           <a:p>
-            <a:endParaRPr b="0" lang="en-US" sz="3200" spc="-1" strike="noStrike">
-              <a:latin typeface="Arial"/>
+            <a:endParaRPr lang="en-US" sz="3200" b="0" strike="noStrike" spc="-1">
+              <a:latin typeface="Arial" panose="020B0604020202020204"/>
             </a:endParaRPr>
           </a:p>
         </p:txBody>
@@ -1938,23 +2157,26 @@
           </a:prstGeom>
         </p:spPr>
         <p:txBody>
-          <a:bodyPr lIns="0" rIns="0" tIns="0" bIns="0">
+          <a:bodyPr lIns="0" tIns="0" rIns="0" bIns="0">
             <a:normAutofit/>
           </a:bodyPr>
           <a:p>
-            <a:endParaRPr b="0" lang="en-US" sz="3200" spc="-1" strike="noStrike">
-              <a:latin typeface="Arial"/>
+            <a:endParaRPr lang="en-US" sz="3200" b="0" strike="noStrike" spc="-1">
+              <a:latin typeface="Arial" panose="020B0604020202020204"/>
             </a:endParaRPr>
           </a:p>
         </p:txBody>
       </p:sp>
     </p:spTree>
   </p:cSld>
+  <p:clrMapOvr>
+    <a:masterClrMapping/>
+  </p:clrMapOvr>
 </p:sldLayout>
 </file>
 
 <file path=ppt/slideLayouts/slideLayout24.xml><?xml version="1.0" encoding="utf-8"?>
-<p:sldLayout xmlns:a="http://schemas.openxmlformats.org/drawingml/2006/main" xmlns:p="http://schemas.openxmlformats.org/presentationml/2006/main" xmlns:r="http://schemas.openxmlformats.org/officeDocument/2006/relationships" xmlns:p14="http://schemas.microsoft.com/office/powerpoint/2010/main" xmlns:p15="http://schemas.microsoft.com/office/powerpoint/2012/main" xmlns:mc="http://schemas.openxmlformats.org/markup-compatibility/2006" type="blank" preserve="1">
+<p:sldLayout xmlns:a="http://schemas.openxmlformats.org/drawingml/2006/main" xmlns:r="http://schemas.openxmlformats.org/officeDocument/2006/relationships" xmlns:p="http://schemas.openxmlformats.org/presentationml/2006/main" type="blank" preserve="1">
   <p:cSld name="Title, 6 Content">
     <p:spTree>
       <p:nvGrpSpPr>
@@ -1990,11 +2212,11 @@
           </a:prstGeom>
         </p:spPr>
         <p:txBody>
-          <a:bodyPr lIns="0" rIns="0" tIns="0" bIns="0" anchor="ctr"/>
+          <a:bodyPr lIns="0" tIns="0" rIns="0" bIns="0" anchor="ctr"/>
           <a:p>
             <a:pPr algn="ctr"/>
-            <a:endParaRPr b="0" lang="en-US" sz="4400" spc="-1" strike="noStrike">
-              <a:latin typeface="Arial"/>
+            <a:endParaRPr lang="en-US" sz="4400" b="0" strike="noStrike" spc="-1">
+              <a:latin typeface="Arial" panose="020B0604020202020204"/>
             </a:endParaRPr>
           </a:p>
         </p:txBody>
@@ -2019,12 +2241,12 @@
           </a:prstGeom>
         </p:spPr>
         <p:txBody>
-          <a:bodyPr lIns="0" rIns="0" tIns="0" bIns="0">
+          <a:bodyPr lIns="0" tIns="0" rIns="0" bIns="0">
             <a:normAutofit/>
           </a:bodyPr>
           <a:p>
-            <a:endParaRPr b="0" lang="en-US" sz="3200" spc="-1" strike="noStrike">
-              <a:latin typeface="Arial"/>
+            <a:endParaRPr lang="en-US" sz="3200" b="0" strike="noStrike" spc="-1">
+              <a:latin typeface="Arial" panose="020B0604020202020204"/>
             </a:endParaRPr>
           </a:p>
         </p:txBody>
@@ -2049,12 +2271,12 @@
           </a:prstGeom>
         </p:spPr>
         <p:txBody>
-          <a:bodyPr lIns="0" rIns="0" tIns="0" bIns="0">
+          <a:bodyPr lIns="0" tIns="0" rIns="0" bIns="0">
             <a:normAutofit/>
           </a:bodyPr>
           <a:p>
-            <a:endParaRPr b="0" lang="en-US" sz="3200" spc="-1" strike="noStrike">
-              <a:latin typeface="Arial"/>
+            <a:endParaRPr lang="en-US" sz="3200" b="0" strike="noStrike" spc="-1">
+              <a:latin typeface="Arial" panose="020B0604020202020204"/>
             </a:endParaRPr>
           </a:p>
         </p:txBody>
@@ -2079,12 +2301,12 @@
           </a:prstGeom>
         </p:spPr>
         <p:txBody>
-          <a:bodyPr lIns="0" rIns="0" tIns="0" bIns="0">
+          <a:bodyPr lIns="0" tIns="0" rIns="0" bIns="0">
             <a:normAutofit/>
           </a:bodyPr>
           <a:p>
-            <a:endParaRPr b="0" lang="en-US" sz="3200" spc="-1" strike="noStrike">
-              <a:latin typeface="Arial"/>
+            <a:endParaRPr lang="en-US" sz="3200" b="0" strike="noStrike" spc="-1">
+              <a:latin typeface="Arial" panose="020B0604020202020204"/>
             </a:endParaRPr>
           </a:p>
         </p:txBody>
@@ -2109,12 +2331,12 @@
           </a:prstGeom>
         </p:spPr>
         <p:txBody>
-          <a:bodyPr lIns="0" rIns="0" tIns="0" bIns="0">
+          <a:bodyPr lIns="0" tIns="0" rIns="0" bIns="0">
             <a:normAutofit/>
           </a:bodyPr>
           <a:p>
-            <a:endParaRPr b="0" lang="en-US" sz="3200" spc="-1" strike="noStrike">
-              <a:latin typeface="Arial"/>
+            <a:endParaRPr lang="en-US" sz="3200" b="0" strike="noStrike" spc="-1">
+              <a:latin typeface="Arial" panose="020B0604020202020204"/>
             </a:endParaRPr>
           </a:p>
         </p:txBody>
@@ -2139,12 +2361,12 @@
           </a:prstGeom>
         </p:spPr>
         <p:txBody>
-          <a:bodyPr lIns="0" rIns="0" tIns="0" bIns="0">
+          <a:bodyPr lIns="0" tIns="0" rIns="0" bIns="0">
             <a:normAutofit/>
           </a:bodyPr>
           <a:p>
-            <a:endParaRPr b="0" lang="en-US" sz="3200" spc="-1" strike="noStrike">
-              <a:latin typeface="Arial"/>
+            <a:endParaRPr lang="en-US" sz="3200" b="0" strike="noStrike" spc="-1">
+              <a:latin typeface="Arial" panose="020B0604020202020204"/>
             </a:endParaRPr>
           </a:p>
         </p:txBody>
@@ -2169,23 +2391,26 @@
           </a:prstGeom>
         </p:spPr>
         <p:txBody>
-          <a:bodyPr lIns="0" rIns="0" tIns="0" bIns="0">
+          <a:bodyPr lIns="0" tIns="0" rIns="0" bIns="0">
             <a:normAutofit/>
           </a:bodyPr>
           <a:p>
-            <a:endParaRPr b="0" lang="en-US" sz="3200" spc="-1" strike="noStrike">
-              <a:latin typeface="Arial"/>
+            <a:endParaRPr lang="en-US" sz="3200" b="0" strike="noStrike" spc="-1">
+              <a:latin typeface="Arial" panose="020B0604020202020204"/>
             </a:endParaRPr>
           </a:p>
         </p:txBody>
       </p:sp>
     </p:spTree>
   </p:cSld>
+  <p:clrMapOvr>
+    <a:masterClrMapping/>
+  </p:clrMapOvr>
 </p:sldLayout>
 </file>
 
 <file path=ppt/slideLayouts/slideLayout3.xml><?xml version="1.0" encoding="utf-8"?>
-<p:sldLayout xmlns:a="http://schemas.openxmlformats.org/drawingml/2006/main" xmlns:p="http://schemas.openxmlformats.org/presentationml/2006/main" xmlns:r="http://schemas.openxmlformats.org/officeDocument/2006/relationships" xmlns:p14="http://schemas.microsoft.com/office/powerpoint/2010/main" xmlns:p15="http://schemas.microsoft.com/office/powerpoint/2012/main" xmlns:mc="http://schemas.openxmlformats.org/markup-compatibility/2006" type="obj" preserve="1">
+<p:sldLayout xmlns:a="http://schemas.openxmlformats.org/drawingml/2006/main" xmlns:r="http://schemas.openxmlformats.org/officeDocument/2006/relationships" xmlns:p="http://schemas.openxmlformats.org/presentationml/2006/main" type="obj" preserve="1">
   <p:cSld name="Title, Content">
     <p:spTree>
       <p:nvGrpSpPr>
@@ -2221,11 +2446,11 @@
           </a:prstGeom>
         </p:spPr>
         <p:txBody>
-          <a:bodyPr lIns="0" rIns="0" tIns="0" bIns="0" anchor="ctr"/>
+          <a:bodyPr lIns="0" tIns="0" rIns="0" bIns="0" anchor="ctr"/>
           <a:p>
             <a:pPr algn="ctr"/>
-            <a:endParaRPr b="0" lang="en-US" sz="4400" spc="-1" strike="noStrike">
-              <a:latin typeface="Arial"/>
+            <a:endParaRPr lang="en-US" sz="4400" b="0" strike="noStrike" spc="-1">
+              <a:latin typeface="Arial" panose="020B0604020202020204"/>
             </a:endParaRPr>
           </a:p>
         </p:txBody>
@@ -2250,23 +2475,26 @@
           </a:prstGeom>
         </p:spPr>
         <p:txBody>
-          <a:bodyPr lIns="0" rIns="0" tIns="0" bIns="0">
+          <a:bodyPr lIns="0" tIns="0" rIns="0" bIns="0">
             <a:normAutofit/>
           </a:bodyPr>
           <a:p>
-            <a:endParaRPr b="0" lang="en-US" sz="3200" spc="-1" strike="noStrike">
-              <a:latin typeface="Arial"/>
+            <a:endParaRPr lang="en-US" sz="3200" b="0" strike="noStrike" spc="-1">
+              <a:latin typeface="Arial" panose="020B0604020202020204"/>
             </a:endParaRPr>
           </a:p>
         </p:txBody>
       </p:sp>
     </p:spTree>
   </p:cSld>
+  <p:clrMapOvr>
+    <a:masterClrMapping/>
+  </p:clrMapOvr>
 </p:sldLayout>
 </file>
 
 <file path=ppt/slideLayouts/slideLayout4.xml><?xml version="1.0" encoding="utf-8"?>
-<p:sldLayout xmlns:a="http://schemas.openxmlformats.org/drawingml/2006/main" xmlns:p="http://schemas.openxmlformats.org/presentationml/2006/main" xmlns:r="http://schemas.openxmlformats.org/officeDocument/2006/relationships" xmlns:p14="http://schemas.microsoft.com/office/powerpoint/2010/main" xmlns:p15="http://schemas.microsoft.com/office/powerpoint/2012/main" xmlns:mc="http://schemas.openxmlformats.org/markup-compatibility/2006" type="twoObj" preserve="1">
+<p:sldLayout xmlns:a="http://schemas.openxmlformats.org/drawingml/2006/main" xmlns:r="http://schemas.openxmlformats.org/officeDocument/2006/relationships" xmlns:p="http://schemas.openxmlformats.org/presentationml/2006/main" type="twoObj" preserve="1">
   <p:cSld name="Title, 2 Content">
     <p:spTree>
       <p:nvGrpSpPr>
@@ -2302,11 +2530,11 @@
           </a:prstGeom>
         </p:spPr>
         <p:txBody>
-          <a:bodyPr lIns="0" rIns="0" tIns="0" bIns="0" anchor="ctr"/>
+          <a:bodyPr lIns="0" tIns="0" rIns="0" bIns="0" anchor="ctr"/>
           <a:p>
             <a:pPr algn="ctr"/>
-            <a:endParaRPr b="0" lang="en-US" sz="4400" spc="-1" strike="noStrike">
-              <a:latin typeface="Arial"/>
+            <a:endParaRPr lang="en-US" sz="4400" b="0" strike="noStrike" spc="-1">
+              <a:latin typeface="Arial" panose="020B0604020202020204"/>
             </a:endParaRPr>
           </a:p>
         </p:txBody>
@@ -2331,12 +2559,12 @@
           </a:prstGeom>
         </p:spPr>
         <p:txBody>
-          <a:bodyPr lIns="0" rIns="0" tIns="0" bIns="0">
+          <a:bodyPr lIns="0" tIns="0" rIns="0" bIns="0">
             <a:normAutofit/>
           </a:bodyPr>
           <a:p>
-            <a:endParaRPr b="0" lang="en-US" sz="3200" spc="-1" strike="noStrike">
-              <a:latin typeface="Arial"/>
+            <a:endParaRPr lang="en-US" sz="3200" b="0" strike="noStrike" spc="-1">
+              <a:latin typeface="Arial" panose="020B0604020202020204"/>
             </a:endParaRPr>
           </a:p>
         </p:txBody>
@@ -2361,23 +2589,26 @@
           </a:prstGeom>
         </p:spPr>
         <p:txBody>
-          <a:bodyPr lIns="0" rIns="0" tIns="0" bIns="0">
+          <a:bodyPr lIns="0" tIns="0" rIns="0" bIns="0">
             <a:normAutofit/>
           </a:bodyPr>
           <a:p>
-            <a:endParaRPr b="0" lang="en-US" sz="3200" spc="-1" strike="noStrike">
-              <a:latin typeface="Arial"/>
+            <a:endParaRPr lang="en-US" sz="3200" b="0" strike="noStrike" spc="-1">
+              <a:latin typeface="Arial" panose="020B0604020202020204"/>
             </a:endParaRPr>
           </a:p>
         </p:txBody>
       </p:sp>
     </p:spTree>
   </p:cSld>
+  <p:clrMapOvr>
+    <a:masterClrMapping/>
+  </p:clrMapOvr>
 </p:sldLayout>
 </file>
 
 <file path=ppt/slideLayouts/slideLayout5.xml><?xml version="1.0" encoding="utf-8"?>
-<p:sldLayout xmlns:a="http://schemas.openxmlformats.org/drawingml/2006/main" xmlns:p="http://schemas.openxmlformats.org/presentationml/2006/main" xmlns:r="http://schemas.openxmlformats.org/officeDocument/2006/relationships" xmlns:p14="http://schemas.microsoft.com/office/powerpoint/2010/main" xmlns:p15="http://schemas.microsoft.com/office/powerpoint/2012/main" xmlns:mc="http://schemas.openxmlformats.org/markup-compatibility/2006" type="titleOnly" preserve="1">
+<p:sldLayout xmlns:a="http://schemas.openxmlformats.org/drawingml/2006/main" xmlns:r="http://schemas.openxmlformats.org/officeDocument/2006/relationships" xmlns:p="http://schemas.openxmlformats.org/presentationml/2006/main" type="titleOnly" preserve="1">
   <p:cSld name="Title Only">
     <p:spTree>
       <p:nvGrpSpPr>
@@ -2413,22 +2644,25 @@
           </a:prstGeom>
         </p:spPr>
         <p:txBody>
-          <a:bodyPr lIns="0" rIns="0" tIns="0" bIns="0" anchor="ctr"/>
+          <a:bodyPr lIns="0" tIns="0" rIns="0" bIns="0" anchor="ctr"/>
           <a:p>
             <a:pPr algn="ctr"/>
-            <a:endParaRPr b="0" lang="en-US" sz="4400" spc="-1" strike="noStrike">
-              <a:latin typeface="Arial"/>
+            <a:endParaRPr lang="en-US" sz="4400" b="0" strike="noStrike" spc="-1">
+              <a:latin typeface="Arial" panose="020B0604020202020204"/>
             </a:endParaRPr>
           </a:p>
         </p:txBody>
       </p:sp>
     </p:spTree>
   </p:cSld>
+  <p:clrMapOvr>
+    <a:masterClrMapping/>
+  </p:clrMapOvr>
 </p:sldLayout>
 </file>
 
 <file path=ppt/slideLayouts/slideLayout6.xml><?xml version="1.0" encoding="utf-8"?>
-<p:sldLayout xmlns:a="http://schemas.openxmlformats.org/drawingml/2006/main" xmlns:p="http://schemas.openxmlformats.org/presentationml/2006/main" xmlns:r="http://schemas.openxmlformats.org/officeDocument/2006/relationships" xmlns:p14="http://schemas.microsoft.com/office/powerpoint/2010/main" xmlns:p15="http://schemas.microsoft.com/office/powerpoint/2012/main" xmlns:mc="http://schemas.openxmlformats.org/markup-compatibility/2006" type="objOnly" preserve="1">
+<p:sldLayout xmlns:a="http://schemas.openxmlformats.org/drawingml/2006/main" xmlns:r="http://schemas.openxmlformats.org/officeDocument/2006/relationships" xmlns:p="http://schemas.openxmlformats.org/presentationml/2006/main" type="objOnly" preserve="1">
   <p:cSld name="Centered Text">
     <p:spTree>
       <p:nvGrpSpPr>
@@ -2464,22 +2698,25 @@
           </a:prstGeom>
         </p:spPr>
         <p:txBody>
-          <a:bodyPr lIns="0" rIns="0" tIns="0" bIns="0" anchor="ctr"/>
+          <a:bodyPr lIns="0" tIns="0" rIns="0" bIns="0" anchor="ctr"/>
           <a:p>
             <a:pPr algn="ctr"/>
-            <a:endParaRPr b="0" lang="en-US" sz="3200" spc="-1" strike="noStrike">
-              <a:latin typeface="Arial"/>
+            <a:endParaRPr lang="en-US" sz="3200" b="0" strike="noStrike" spc="-1">
+              <a:latin typeface="Arial" panose="020B0604020202020204"/>
             </a:endParaRPr>
           </a:p>
         </p:txBody>
       </p:sp>
     </p:spTree>
   </p:cSld>
+  <p:clrMapOvr>
+    <a:masterClrMapping/>
+  </p:clrMapOvr>
 </p:sldLayout>
 </file>
 
 <file path=ppt/slideLayouts/slideLayout7.xml><?xml version="1.0" encoding="utf-8"?>
-<p:sldLayout xmlns:a="http://schemas.openxmlformats.org/drawingml/2006/main" xmlns:p="http://schemas.openxmlformats.org/presentationml/2006/main" xmlns:r="http://schemas.openxmlformats.org/officeDocument/2006/relationships" xmlns:p14="http://schemas.microsoft.com/office/powerpoint/2010/main" xmlns:p15="http://schemas.microsoft.com/office/powerpoint/2012/main" xmlns:mc="http://schemas.openxmlformats.org/markup-compatibility/2006" type="twoObjAndObj" preserve="1">
+<p:sldLayout xmlns:a="http://schemas.openxmlformats.org/drawingml/2006/main" xmlns:r="http://schemas.openxmlformats.org/officeDocument/2006/relationships" xmlns:p="http://schemas.openxmlformats.org/presentationml/2006/main" type="twoObjAndObj" preserve="1">
   <p:cSld name="Title, 2 Content and Content">
     <p:spTree>
       <p:nvGrpSpPr>
@@ -2515,11 +2752,11 @@
           </a:prstGeom>
         </p:spPr>
         <p:txBody>
-          <a:bodyPr lIns="0" rIns="0" tIns="0" bIns="0" anchor="ctr"/>
+          <a:bodyPr lIns="0" tIns="0" rIns="0" bIns="0" anchor="ctr"/>
           <a:p>
             <a:pPr algn="ctr"/>
-            <a:endParaRPr b="0" lang="en-US" sz="4400" spc="-1" strike="noStrike">
-              <a:latin typeface="Arial"/>
+            <a:endParaRPr lang="en-US" sz="4400" b="0" strike="noStrike" spc="-1">
+              <a:latin typeface="Arial" panose="020B0604020202020204"/>
             </a:endParaRPr>
           </a:p>
         </p:txBody>
@@ -2544,12 +2781,12 @@
           </a:prstGeom>
         </p:spPr>
         <p:txBody>
-          <a:bodyPr lIns="0" rIns="0" tIns="0" bIns="0">
+          <a:bodyPr lIns="0" tIns="0" rIns="0" bIns="0">
             <a:normAutofit/>
           </a:bodyPr>
           <a:p>
-            <a:endParaRPr b="0" lang="en-US" sz="3200" spc="-1" strike="noStrike">
-              <a:latin typeface="Arial"/>
+            <a:endParaRPr lang="en-US" sz="3200" b="0" strike="noStrike" spc="-1">
+              <a:latin typeface="Arial" panose="020B0604020202020204"/>
             </a:endParaRPr>
           </a:p>
         </p:txBody>
@@ -2574,12 +2811,12 @@
           </a:prstGeom>
         </p:spPr>
         <p:txBody>
-          <a:bodyPr lIns="0" rIns="0" tIns="0" bIns="0">
+          <a:bodyPr lIns="0" tIns="0" rIns="0" bIns="0">
             <a:normAutofit/>
           </a:bodyPr>
           <a:p>
-            <a:endParaRPr b="0" lang="en-US" sz="3200" spc="-1" strike="noStrike">
-              <a:latin typeface="Arial"/>
+            <a:endParaRPr lang="en-US" sz="3200" b="0" strike="noStrike" spc="-1">
+              <a:latin typeface="Arial" panose="020B0604020202020204"/>
             </a:endParaRPr>
           </a:p>
         </p:txBody>
@@ -2604,23 +2841,26 @@
           </a:prstGeom>
         </p:spPr>
         <p:txBody>
-          <a:bodyPr lIns="0" rIns="0" tIns="0" bIns="0">
+          <a:bodyPr lIns="0" tIns="0" rIns="0" bIns="0">
             <a:normAutofit/>
           </a:bodyPr>
           <a:p>
-            <a:endParaRPr b="0" lang="en-US" sz="3200" spc="-1" strike="noStrike">
-              <a:latin typeface="Arial"/>
+            <a:endParaRPr lang="en-US" sz="3200" b="0" strike="noStrike" spc="-1">
+              <a:latin typeface="Arial" panose="020B0604020202020204"/>
             </a:endParaRPr>
           </a:p>
         </p:txBody>
       </p:sp>
     </p:spTree>
   </p:cSld>
+  <p:clrMapOvr>
+    <a:masterClrMapping/>
+  </p:clrMapOvr>
 </p:sldLayout>
 </file>
 
 <file path=ppt/slideLayouts/slideLayout8.xml><?xml version="1.0" encoding="utf-8"?>
-<p:sldLayout xmlns:a="http://schemas.openxmlformats.org/drawingml/2006/main" xmlns:p="http://schemas.openxmlformats.org/presentationml/2006/main" xmlns:r="http://schemas.openxmlformats.org/officeDocument/2006/relationships" xmlns:p14="http://schemas.microsoft.com/office/powerpoint/2010/main" xmlns:p15="http://schemas.microsoft.com/office/powerpoint/2012/main" xmlns:mc="http://schemas.openxmlformats.org/markup-compatibility/2006" type="objAndTwoObj" preserve="1">
+<p:sldLayout xmlns:a="http://schemas.openxmlformats.org/drawingml/2006/main" xmlns:r="http://schemas.openxmlformats.org/officeDocument/2006/relationships" xmlns:p="http://schemas.openxmlformats.org/presentationml/2006/main" type="objAndTwoObj" preserve="1">
   <p:cSld name="Title Content and 2 Content">
     <p:spTree>
       <p:nvGrpSpPr>
@@ -2656,11 +2896,11 @@
           </a:prstGeom>
         </p:spPr>
         <p:txBody>
-          <a:bodyPr lIns="0" rIns="0" tIns="0" bIns="0" anchor="ctr"/>
+          <a:bodyPr lIns="0" tIns="0" rIns="0" bIns="0" anchor="ctr"/>
           <a:p>
             <a:pPr algn="ctr"/>
-            <a:endParaRPr b="0" lang="en-US" sz="4400" spc="-1" strike="noStrike">
-              <a:latin typeface="Arial"/>
+            <a:endParaRPr lang="en-US" sz="4400" b="0" strike="noStrike" spc="-1">
+              <a:latin typeface="Arial" panose="020B0604020202020204"/>
             </a:endParaRPr>
           </a:p>
         </p:txBody>
@@ -2685,12 +2925,12 @@
           </a:prstGeom>
         </p:spPr>
         <p:txBody>
-          <a:bodyPr lIns="0" rIns="0" tIns="0" bIns="0">
+          <a:bodyPr lIns="0" tIns="0" rIns="0" bIns="0">
             <a:normAutofit/>
           </a:bodyPr>
           <a:p>
-            <a:endParaRPr b="0" lang="en-US" sz="3200" spc="-1" strike="noStrike">
-              <a:latin typeface="Arial"/>
+            <a:endParaRPr lang="en-US" sz="3200" b="0" strike="noStrike" spc="-1">
+              <a:latin typeface="Arial" panose="020B0604020202020204"/>
             </a:endParaRPr>
           </a:p>
         </p:txBody>
@@ -2715,12 +2955,12 @@
           </a:prstGeom>
         </p:spPr>
         <p:txBody>
-          <a:bodyPr lIns="0" rIns="0" tIns="0" bIns="0">
+          <a:bodyPr lIns="0" tIns="0" rIns="0" bIns="0">
             <a:normAutofit/>
           </a:bodyPr>
           <a:p>
-            <a:endParaRPr b="0" lang="en-US" sz="3200" spc="-1" strike="noStrike">
-              <a:latin typeface="Arial"/>
+            <a:endParaRPr lang="en-US" sz="3200" b="0" strike="noStrike" spc="-1">
+              <a:latin typeface="Arial" panose="020B0604020202020204"/>
             </a:endParaRPr>
           </a:p>
         </p:txBody>
@@ -2745,23 +2985,26 @@
           </a:prstGeom>
         </p:spPr>
         <p:txBody>
-          <a:bodyPr lIns="0" rIns="0" tIns="0" bIns="0">
+          <a:bodyPr lIns="0" tIns="0" rIns="0" bIns="0">
             <a:normAutofit/>
           </a:bodyPr>
           <a:p>
-            <a:endParaRPr b="0" lang="en-US" sz="3200" spc="-1" strike="noStrike">
-              <a:latin typeface="Arial"/>
+            <a:endParaRPr lang="en-US" sz="3200" b="0" strike="noStrike" spc="-1">
+              <a:latin typeface="Arial" panose="020B0604020202020204"/>
             </a:endParaRPr>
           </a:p>
         </p:txBody>
       </p:sp>
     </p:spTree>
   </p:cSld>
+  <p:clrMapOvr>
+    <a:masterClrMapping/>
+  </p:clrMapOvr>
 </p:sldLayout>
 </file>
 
 <file path=ppt/slideLayouts/slideLayout9.xml><?xml version="1.0" encoding="utf-8"?>
-<p:sldLayout xmlns:a="http://schemas.openxmlformats.org/drawingml/2006/main" xmlns:p="http://schemas.openxmlformats.org/presentationml/2006/main" xmlns:r="http://schemas.openxmlformats.org/officeDocument/2006/relationships" xmlns:p14="http://schemas.microsoft.com/office/powerpoint/2010/main" xmlns:p15="http://schemas.microsoft.com/office/powerpoint/2012/main" xmlns:mc="http://schemas.openxmlformats.org/markup-compatibility/2006" type="twoObjOverTx" preserve="1">
+<p:sldLayout xmlns:a="http://schemas.openxmlformats.org/drawingml/2006/main" xmlns:r="http://schemas.openxmlformats.org/officeDocument/2006/relationships" xmlns:p="http://schemas.openxmlformats.org/presentationml/2006/main" type="twoObjOverTx" preserve="1">
   <p:cSld name="Title, 2 Content over Content">
     <p:spTree>
       <p:nvGrpSpPr>
@@ -2797,11 +3040,11 @@
           </a:prstGeom>
         </p:spPr>
         <p:txBody>
-          <a:bodyPr lIns="0" rIns="0" tIns="0" bIns="0" anchor="ctr"/>
+          <a:bodyPr lIns="0" tIns="0" rIns="0" bIns="0" anchor="ctr"/>
           <a:p>
             <a:pPr algn="ctr"/>
-            <a:endParaRPr b="0" lang="en-US" sz="4400" spc="-1" strike="noStrike">
-              <a:latin typeface="Arial"/>
+            <a:endParaRPr lang="en-US" sz="4400" b="0" strike="noStrike" spc="-1">
+              <a:latin typeface="Arial" panose="020B0604020202020204"/>
             </a:endParaRPr>
           </a:p>
         </p:txBody>
@@ -2826,12 +3069,12 @@
           </a:prstGeom>
         </p:spPr>
         <p:txBody>
-          <a:bodyPr lIns="0" rIns="0" tIns="0" bIns="0">
+          <a:bodyPr lIns="0" tIns="0" rIns="0" bIns="0">
             <a:normAutofit/>
           </a:bodyPr>
           <a:p>
-            <a:endParaRPr b="0" lang="en-US" sz="3200" spc="-1" strike="noStrike">
-              <a:latin typeface="Arial"/>
+            <a:endParaRPr lang="en-US" sz="3200" b="0" strike="noStrike" spc="-1">
+              <a:latin typeface="Arial" panose="020B0604020202020204"/>
             </a:endParaRPr>
           </a:p>
         </p:txBody>
@@ -2856,12 +3099,12 @@
           </a:prstGeom>
         </p:spPr>
         <p:txBody>
-          <a:bodyPr lIns="0" rIns="0" tIns="0" bIns="0">
+          <a:bodyPr lIns="0" tIns="0" rIns="0" bIns="0">
             <a:normAutofit/>
           </a:bodyPr>
           <a:p>
-            <a:endParaRPr b="0" lang="en-US" sz="3200" spc="-1" strike="noStrike">
-              <a:latin typeface="Arial"/>
+            <a:endParaRPr lang="en-US" sz="3200" b="0" strike="noStrike" spc="-1">
+              <a:latin typeface="Arial" panose="020B0604020202020204"/>
             </a:endParaRPr>
           </a:p>
         </p:txBody>
@@ -2886,29 +3129,33 @@
           </a:prstGeom>
         </p:spPr>
         <p:txBody>
-          <a:bodyPr lIns="0" rIns="0" tIns="0" bIns="0">
+          <a:bodyPr lIns="0" tIns="0" rIns="0" bIns="0">
             <a:normAutofit/>
           </a:bodyPr>
           <a:p>
-            <a:endParaRPr b="0" lang="en-US" sz="3200" spc="-1" strike="noStrike">
-              <a:latin typeface="Arial"/>
+            <a:endParaRPr lang="en-US" sz="3200" b="0" strike="noStrike" spc="-1">
+              <a:latin typeface="Arial" panose="020B0604020202020204"/>
             </a:endParaRPr>
           </a:p>
         </p:txBody>
       </p:sp>
     </p:spTree>
   </p:cSld>
+  <p:clrMapOvr>
+    <a:masterClrMapping/>
+  </p:clrMapOvr>
 </p:sldLayout>
 </file>
 
 <file path=ppt/slideMasters/slideMaster1.xml><?xml version="1.0" encoding="utf-8"?>
-<p:sldMaster xmlns:a="http://schemas.openxmlformats.org/drawingml/2006/main" xmlns:p="http://schemas.openxmlformats.org/presentationml/2006/main" xmlns:r="http://schemas.openxmlformats.org/officeDocument/2006/relationships" xmlns:p14="http://schemas.microsoft.com/office/powerpoint/2010/main" xmlns:p15="http://schemas.microsoft.com/office/powerpoint/2012/main" xmlns:mc="http://schemas.openxmlformats.org/markup-compatibility/2006">
+<p:sldMaster xmlns:a="http://schemas.openxmlformats.org/drawingml/2006/main" xmlns:r="http://schemas.openxmlformats.org/officeDocument/2006/relationships" xmlns:p="http://schemas.openxmlformats.org/presentationml/2006/main">
   <p:cSld>
     <p:bg>
       <p:bgPr>
         <a:solidFill>
-          <a:srgbClr val="ffffff"/>
+          <a:srgbClr val="FFFFFF"/>
         </a:solidFill>
+        <a:effectLst/>
       </p:bgPr>
     </p:bg>
     <p:spTree>
@@ -2945,114 +3192,24 @@
           </a:prstGeom>
         </p:spPr>
         <p:txBody>
-          <a:bodyPr lIns="0" rIns="0" tIns="0" bIns="0" anchor="ctr"/>
+          <a:bodyPr lIns="0" tIns="0" rIns="0" bIns="0" anchor="ctr"/>
           <a:p>
             <a:pPr algn="ctr"/>
             <a:r>
-              <a:rPr b="0" lang="en-US" sz="4400" spc="-1" strike="noStrike">
-                <a:latin typeface="Arial"/>
+              <a:rPr lang="en-US" sz="4400" b="0" strike="noStrike" spc="-1">
+                <a:latin typeface="Arial" panose="020B0604020202020204"/>
               </a:rPr>
-              <a:t>Cl</a:t>
+              <a:t>Click to edit the title text format</a:t>
             </a:r>
-            <a:r>
-              <a:rPr b="0" lang="en-US" sz="4400" spc="-1" strike="noStrike">
-                <a:latin typeface="Arial"/>
-              </a:rPr>
-              <a:t>ic</a:t>
-            </a:r>
-            <a:r>
-              <a:rPr b="0" lang="en-US" sz="4400" spc="-1" strike="noStrike">
-                <a:latin typeface="Arial"/>
-              </a:rPr>
-              <a:t>k </a:t>
-            </a:r>
-            <a:r>
-              <a:rPr b="0" lang="en-US" sz="4400" spc="-1" strike="noStrike">
-                <a:latin typeface="Arial"/>
-              </a:rPr>
-              <a:t>to </a:t>
-            </a:r>
-            <a:r>
-              <a:rPr b="0" lang="en-US" sz="4400" spc="-1" strike="noStrike">
-                <a:latin typeface="Arial"/>
-              </a:rPr>
-              <a:t>ed</a:t>
-            </a:r>
-            <a:r>
-              <a:rPr b="0" lang="en-US" sz="4400" spc="-1" strike="noStrike">
-                <a:latin typeface="Arial"/>
-              </a:rPr>
-              <a:t>it </a:t>
-            </a:r>
-            <a:r>
-              <a:rPr b="0" lang="en-US" sz="4400" spc="-1" strike="noStrike">
-                <a:latin typeface="Arial"/>
-              </a:rPr>
-              <a:t>th</a:t>
-            </a:r>
-            <a:r>
-              <a:rPr b="0" lang="en-US" sz="4400" spc="-1" strike="noStrike">
-                <a:latin typeface="Arial"/>
-              </a:rPr>
-              <a:t>e </a:t>
-            </a:r>
-            <a:r>
-              <a:rPr b="0" lang="en-US" sz="4400" spc="-1" strike="noStrike">
-                <a:latin typeface="Arial"/>
-              </a:rPr>
-              <a:t>titl</a:t>
-            </a:r>
-            <a:r>
-              <a:rPr b="0" lang="en-US" sz="4400" spc="-1" strike="noStrike">
-                <a:latin typeface="Arial"/>
-              </a:rPr>
-              <a:t>e </a:t>
-            </a:r>
-            <a:r>
-              <a:rPr b="0" lang="en-US" sz="4400" spc="-1" strike="noStrike">
-                <a:latin typeface="Arial"/>
-              </a:rPr>
-              <a:t>te</a:t>
-            </a:r>
-            <a:r>
-              <a:rPr b="0" lang="en-US" sz="4400" spc="-1" strike="noStrike">
-                <a:latin typeface="Arial"/>
-              </a:rPr>
-              <a:t>xt </a:t>
-            </a:r>
-            <a:r>
-              <a:rPr b="0" lang="en-US" sz="4400" spc="-1" strike="noStrike">
-                <a:latin typeface="Arial"/>
-              </a:rPr>
-              <a:t>fo</a:t>
-            </a:r>
-            <a:r>
-              <a:rPr b="0" lang="en-US" sz="4400" spc="-1" strike="noStrike">
-                <a:latin typeface="Arial"/>
-              </a:rPr>
-              <a:t>r</a:t>
-            </a:r>
-            <a:r>
-              <a:rPr b="0" lang="en-US" sz="4400" spc="-1" strike="noStrike">
-                <a:latin typeface="Arial"/>
-              </a:rPr>
-              <a:t>m</a:t>
-            </a:r>
-            <a:r>
-              <a:rPr b="0" lang="en-US" sz="4400" spc="-1" strike="noStrike">
-                <a:latin typeface="Arial"/>
-              </a:rPr>
-              <a:t>at</a:t>
-            </a:r>
-            <a:endParaRPr b="0" lang="en-US" sz="4400" spc="-1" strike="noStrike">
-              <a:latin typeface="Arial"/>
-            </a:endParaRPr>
-          </a:p>
-        </p:txBody>
-      </p:sp>
-      <p:sp>
-        <p:nvSpPr>
-          <p:cNvPr id="1" name="PlaceHolder 2"/>
+            <a:endParaRPr lang="en-US" sz="4400" b="0" strike="noStrike" spc="-1">
+              <a:latin typeface="Arial" panose="020B0604020202020204"/>
+            </a:endParaRPr>
+          </a:p>
+        </p:txBody>
+      </p:sp>
+      <p:sp>
+        <p:nvSpPr>
+          <p:cNvPr id="2" name="PlaceHolder 2"/>
           <p:cNvSpPr>
             <a:spLocks noGrp="1"/>
           </p:cNvSpPr>
@@ -3070,35 +3227,35 @@
           </a:prstGeom>
         </p:spPr>
         <p:txBody>
-          <a:bodyPr lIns="0" rIns="0" tIns="0" bIns="0">
+          <a:bodyPr lIns="0" tIns="0" rIns="0" bIns="0">
             <a:normAutofit/>
           </a:bodyPr>
           <a:p>
-            <a:pPr marL="432000" indent="-324000">
+            <a:pPr marL="431800" indent="-323850">
               <a:spcBef>
-                <a:spcPts val="1417"/>
+                <a:spcPts val="1415"/>
               </a:spcBef>
               <a:buClr>
                 <a:srgbClr val="000000"/>
               </a:buClr>
               <a:buSzPct val="45000"/>
-              <a:buFont typeface="Wingdings" charset="2"/>
+              <a:buFont typeface="Wingdings" panose="05000000000000000000" pitchFamily="2" charset="2"/>
               <a:buChar char=""/>
             </a:pPr>
             <a:r>
-              <a:rPr b="0" lang="en-US" sz="3200" spc="-1" strike="noStrike">
-                <a:latin typeface="Arial"/>
+              <a:rPr lang="en-US" sz="3200" b="0" strike="noStrike" spc="-1">
+                <a:latin typeface="Arial" panose="020B0604020202020204"/>
               </a:rPr>
               <a:t>Click to edit the outline text format</a:t>
             </a:r>
-            <a:endParaRPr b="0" lang="en-US" sz="3200" spc="-1" strike="noStrike">
-              <a:latin typeface="Arial"/>
-            </a:endParaRPr>
-          </a:p>
-          <a:p>
-            <a:pPr lvl="1" marL="864000" indent="-324000">
+            <a:endParaRPr lang="en-US" sz="3200" b="0" strike="noStrike" spc="-1">
+              <a:latin typeface="Arial" panose="020B0604020202020204"/>
+            </a:endParaRPr>
+          </a:p>
+          <a:p>
+            <a:pPr marL="864235" lvl="1" indent="-323850">
               <a:spcBef>
-                <a:spcPts val="1134"/>
+                <a:spcPts val="1135"/>
               </a:spcBef>
               <a:buClr>
                 <a:srgbClr val="000000"/>
@@ -3108,17 +3265,17 @@
               <a:buChar char=""/>
             </a:pPr>
             <a:r>
-              <a:rPr b="0" lang="en-US" sz="2800" spc="-1" strike="noStrike">
-                <a:latin typeface="Arial"/>
+              <a:rPr lang="en-US" sz="2800" b="0" strike="noStrike" spc="-1">
+                <a:latin typeface="Arial" panose="020B0604020202020204"/>
               </a:rPr>
               <a:t>Second Outline Level</a:t>
             </a:r>
-            <a:endParaRPr b="0" lang="en-US" sz="2800" spc="-1" strike="noStrike">
-              <a:latin typeface="Arial"/>
-            </a:endParaRPr>
-          </a:p>
-          <a:p>
-            <a:pPr lvl="2" marL="1296000" indent="-288000">
+            <a:endParaRPr lang="en-US" sz="2800" b="0" strike="noStrike" spc="-1">
+              <a:latin typeface="Arial" panose="020B0604020202020204"/>
+            </a:endParaRPr>
+          </a:p>
+          <a:p>
+            <a:pPr marL="1296035" lvl="2" indent="-288290">
               <a:spcBef>
                 <a:spcPts val="850"/>
               </a:spcBef>
@@ -3126,23 +3283,23 @@
                 <a:srgbClr val="000000"/>
               </a:buClr>
               <a:buSzPct val="45000"/>
-              <a:buFont typeface="Wingdings" charset="2"/>
+              <a:buFont typeface="Wingdings" panose="05000000000000000000" pitchFamily="2" charset="2"/>
               <a:buChar char=""/>
             </a:pPr>
             <a:r>
-              <a:rPr b="0" lang="en-US" sz="2400" spc="-1" strike="noStrike">
-                <a:latin typeface="Arial"/>
+              <a:rPr lang="en-US" sz="2400" b="0" strike="noStrike" spc="-1">
+                <a:latin typeface="Arial" panose="020B0604020202020204"/>
               </a:rPr>
               <a:t>Third Outline Level</a:t>
             </a:r>
-            <a:endParaRPr b="0" lang="en-US" sz="2400" spc="-1" strike="noStrike">
-              <a:latin typeface="Arial"/>
-            </a:endParaRPr>
-          </a:p>
-          <a:p>
-            <a:pPr lvl="3" marL="1728000" indent="-216000">
+            <a:endParaRPr lang="en-US" sz="2400" b="0" strike="noStrike" spc="-1">
+              <a:latin typeface="Arial" panose="020B0604020202020204"/>
+            </a:endParaRPr>
+          </a:p>
+          <a:p>
+            <a:pPr marL="1727835" lvl="3" indent="-215900">
               <a:spcBef>
-                <a:spcPts val="567"/>
+                <a:spcPts val="565"/>
               </a:spcBef>
               <a:buClr>
                 <a:srgbClr val="000000"/>
@@ -3152,111 +3309,117 @@
               <a:buChar char=""/>
             </a:pPr>
             <a:r>
-              <a:rPr b="0" lang="en-US" sz="2000" spc="-1" strike="noStrike">
-                <a:latin typeface="Arial"/>
+              <a:rPr lang="en-US" sz="2000" b="0" strike="noStrike" spc="-1">
+                <a:latin typeface="Arial" panose="020B0604020202020204"/>
               </a:rPr>
               <a:t>Fourth Outline Level</a:t>
             </a:r>
-            <a:endParaRPr b="0" lang="en-US" sz="2000" spc="-1" strike="noStrike">
-              <a:latin typeface="Arial"/>
-            </a:endParaRPr>
-          </a:p>
-          <a:p>
-            <a:pPr lvl="4" marL="2160000" indent="-216000">
+            <a:endParaRPr lang="en-US" sz="2000" b="0" strike="noStrike" spc="-1">
+              <a:latin typeface="Arial" panose="020B0604020202020204"/>
+            </a:endParaRPr>
+          </a:p>
+          <a:p>
+            <a:pPr marL="2160270" lvl="4" indent="-215900">
               <a:spcBef>
-                <a:spcPts val="283"/>
+                <a:spcPts val="285"/>
               </a:spcBef>
               <a:buClr>
                 <a:srgbClr val="000000"/>
               </a:buClr>
               <a:buSzPct val="45000"/>
-              <a:buFont typeface="Wingdings" charset="2"/>
+              <a:buFont typeface="Wingdings" panose="05000000000000000000" pitchFamily="2" charset="2"/>
               <a:buChar char=""/>
             </a:pPr>
             <a:r>
-              <a:rPr b="0" lang="en-US" sz="2000" spc="-1" strike="noStrike">
-                <a:latin typeface="Arial"/>
+              <a:rPr lang="en-US" sz="2000" b="0" strike="noStrike" spc="-1">
+                <a:latin typeface="Arial" panose="020B0604020202020204"/>
               </a:rPr>
               <a:t>Fifth Outline Level</a:t>
             </a:r>
-            <a:endParaRPr b="0" lang="en-US" sz="2000" spc="-1" strike="noStrike">
-              <a:latin typeface="Arial"/>
-            </a:endParaRPr>
-          </a:p>
-          <a:p>
-            <a:pPr lvl="5" marL="2592000" indent="-216000">
+            <a:endParaRPr lang="en-US" sz="2000" b="0" strike="noStrike" spc="-1">
+              <a:latin typeface="Arial" panose="020B0604020202020204"/>
+            </a:endParaRPr>
+          </a:p>
+          <a:p>
+            <a:pPr marL="2592070" lvl="5" indent="-215900">
               <a:spcBef>
-                <a:spcPts val="283"/>
+                <a:spcPts val="285"/>
               </a:spcBef>
               <a:buClr>
                 <a:srgbClr val="000000"/>
               </a:buClr>
               <a:buSzPct val="45000"/>
-              <a:buFont typeface="Wingdings" charset="2"/>
+              <a:buFont typeface="Wingdings" panose="05000000000000000000" pitchFamily="2" charset="2"/>
               <a:buChar char=""/>
             </a:pPr>
             <a:r>
-              <a:rPr b="0" lang="en-US" sz="2000" spc="-1" strike="noStrike">
-                <a:latin typeface="Arial"/>
+              <a:rPr lang="en-US" sz="2000" b="0" strike="noStrike" spc="-1">
+                <a:latin typeface="Arial" panose="020B0604020202020204"/>
               </a:rPr>
               <a:t>Sixth Outline Level</a:t>
             </a:r>
-            <a:endParaRPr b="0" lang="en-US" sz="2000" spc="-1" strike="noStrike">
-              <a:latin typeface="Arial"/>
-            </a:endParaRPr>
-          </a:p>
-          <a:p>
-            <a:pPr lvl="6" marL="3024000" indent="-216000">
+            <a:endParaRPr lang="en-US" sz="2000" b="0" strike="noStrike" spc="-1">
+              <a:latin typeface="Arial" panose="020B0604020202020204"/>
+            </a:endParaRPr>
+          </a:p>
+          <a:p>
+            <a:pPr marL="3023870" lvl="6" indent="-215900">
               <a:spcBef>
-                <a:spcPts val="283"/>
+                <a:spcPts val="285"/>
               </a:spcBef>
               <a:buClr>
                 <a:srgbClr val="000000"/>
               </a:buClr>
               <a:buSzPct val="45000"/>
-              <a:buFont typeface="Wingdings" charset="2"/>
+              <a:buFont typeface="Wingdings" panose="05000000000000000000" pitchFamily="2" charset="2"/>
               <a:buChar char=""/>
             </a:pPr>
             <a:r>
-              <a:rPr b="0" lang="en-US" sz="2000" spc="-1" strike="noStrike">
-                <a:latin typeface="Arial"/>
+              <a:rPr lang="en-US" sz="2000" b="0" strike="noStrike" spc="-1">
+                <a:latin typeface="Arial" panose="020B0604020202020204"/>
               </a:rPr>
               <a:t>Seventh Outline Level</a:t>
             </a:r>
-            <a:endParaRPr b="0" lang="en-US" sz="2000" spc="-1" strike="noStrike">
-              <a:latin typeface="Arial"/>
+            <a:endParaRPr lang="en-US" sz="2000" b="0" strike="noStrike" spc="-1">
+              <a:latin typeface="Arial" panose="020B0604020202020204"/>
             </a:endParaRPr>
           </a:p>
         </p:txBody>
       </p:sp>
     </p:spTree>
   </p:cSld>
-  <p:clrMap bg1="lt1" bg2="lt2" tx1="dk1" tx2="dk2" accent1="accent1" accent2="accent2" accent3="accent3" accent4="accent4" accent5="accent5" accent6="accent6" hlink="hlink" folHlink="folHlink"/>
+  <p:clrMap bg1="lt1" tx1="dk1" bg2="lt2" tx2="dk2" accent1="accent1" accent2="accent2" accent3="accent3" accent4="accent4" accent5="accent5" accent6="accent6" hlink="hlink" folHlink="folHlink"/>
   <p:sldLayoutIdLst>
-    <p:sldLayoutId id="2147483649" r:id="rId2"/>
-    <p:sldLayoutId id="2147483650" r:id="rId3"/>
-    <p:sldLayoutId id="2147483651" r:id="rId4"/>
-    <p:sldLayoutId id="2147483652" r:id="rId5"/>
-    <p:sldLayoutId id="2147483653" r:id="rId6"/>
-    <p:sldLayoutId id="2147483654" r:id="rId7"/>
-    <p:sldLayoutId id="2147483655" r:id="rId8"/>
-    <p:sldLayoutId id="2147483656" r:id="rId9"/>
-    <p:sldLayoutId id="2147483657" r:id="rId10"/>
-    <p:sldLayoutId id="2147483658" r:id="rId11"/>
-    <p:sldLayoutId id="2147483659" r:id="rId12"/>
-    <p:sldLayoutId id="2147483660" r:id="rId13"/>
+    <p:sldLayoutId id="2147483649" r:id="rId1"/>
+    <p:sldLayoutId id="2147483650" r:id="rId2"/>
+    <p:sldLayoutId id="2147483651" r:id="rId3"/>
+    <p:sldLayoutId id="2147483652" r:id="rId4"/>
+    <p:sldLayoutId id="2147483653" r:id="rId5"/>
+    <p:sldLayoutId id="2147483654" r:id="rId6"/>
+    <p:sldLayoutId id="2147483655" r:id="rId7"/>
+    <p:sldLayoutId id="2147483656" r:id="rId8"/>
+    <p:sldLayoutId id="2147483657" r:id="rId9"/>
+    <p:sldLayoutId id="2147483658" r:id="rId10"/>
+    <p:sldLayoutId id="2147483659" r:id="rId11"/>
+    <p:sldLayoutId id="2147483660" r:id="rId12"/>
   </p:sldLayoutIdLst>
+  <p:txStyles>
+    <p:titleStyle/>
+    <p:bodyStyle/>
+    <p:otherStyle/>
+  </p:txStyles>
 </p:sldMaster>
 </file>
 
 <file path=ppt/slideMasters/slideMaster2.xml><?xml version="1.0" encoding="utf-8"?>
-<p:sldMaster xmlns:a="http://schemas.openxmlformats.org/drawingml/2006/main" xmlns:p="http://schemas.openxmlformats.org/presentationml/2006/main" xmlns:r="http://schemas.openxmlformats.org/officeDocument/2006/relationships" xmlns:p14="http://schemas.microsoft.com/office/powerpoint/2010/main" xmlns:p15="http://schemas.microsoft.com/office/powerpoint/2012/main" xmlns:mc="http://schemas.openxmlformats.org/markup-compatibility/2006">
+<p:sldMaster xmlns:a="http://schemas.openxmlformats.org/drawingml/2006/main" xmlns:r="http://schemas.openxmlformats.org/officeDocument/2006/relationships" xmlns:p="http://schemas.openxmlformats.org/presentationml/2006/main">
   <p:cSld>
     <p:bg>
       <p:bgPr>
         <a:solidFill>
-          <a:srgbClr val="ffffff"/>
+          <a:srgbClr val="FFFFFF"/>
         </a:solidFill>
+        <a:effectLst/>
       </p:bgPr>
     </p:bg>
     <p:spTree>
@@ -3293,221 +3456,17 @@
           </a:prstGeom>
         </p:spPr>
         <p:txBody>
-          <a:bodyPr lIns="0" rIns="0" tIns="0" bIns="0" anchor="ctr"/>
+          <a:bodyPr lIns="0" tIns="0" rIns="0" bIns="0" anchor="ctr"/>
           <a:p>
             <a:pPr algn="ctr"/>
             <a:r>
-              <a:rPr b="0" lang="en-US" sz="4400" spc="-1" strike="noStrike">
-                <a:latin typeface="Arial"/>
+              <a:rPr lang="en-US" sz="4400" b="0" strike="noStrike" spc="-1">
+                <a:latin typeface="Arial" panose="020B0604020202020204"/>
               </a:rPr>
-              <a:t>C</a:t>
+              <a:t>Click to edit the title text format</a:t>
             </a:r>
-            <a:r>
-              <a:rPr b="0" lang="en-US" sz="4400" spc="-1" strike="noStrike">
-                <a:latin typeface="Arial"/>
-              </a:rPr>
-              <a:t>l</a:t>
-            </a:r>
-            <a:r>
-              <a:rPr b="0" lang="en-US" sz="4400" spc="-1" strike="noStrike">
-                <a:latin typeface="Arial"/>
-              </a:rPr>
-              <a:t>i</a:t>
-            </a:r>
-            <a:r>
-              <a:rPr b="0" lang="en-US" sz="4400" spc="-1" strike="noStrike">
-                <a:latin typeface="Arial"/>
-              </a:rPr>
-              <a:t>c</a:t>
-            </a:r>
-            <a:r>
-              <a:rPr b="0" lang="en-US" sz="4400" spc="-1" strike="noStrike">
-                <a:latin typeface="Arial"/>
-              </a:rPr>
-              <a:t>k</a:t>
-            </a:r>
-            <a:r>
-              <a:rPr b="0" lang="en-US" sz="4400" spc="-1" strike="noStrike">
-                <a:latin typeface="Arial"/>
-              </a:rPr>
-              <a:t> </a:t>
-            </a:r>
-            <a:r>
-              <a:rPr b="0" lang="en-US" sz="4400" spc="-1" strike="noStrike">
-                <a:latin typeface="Arial"/>
-              </a:rPr>
-              <a:t>t</a:t>
-            </a:r>
-            <a:r>
-              <a:rPr b="0" lang="en-US" sz="4400" spc="-1" strike="noStrike">
-                <a:latin typeface="Arial"/>
-              </a:rPr>
-              <a:t>o</a:t>
-            </a:r>
-            <a:r>
-              <a:rPr b="0" lang="en-US" sz="4400" spc="-1" strike="noStrike">
-                <a:latin typeface="Arial"/>
-              </a:rPr>
-              <a:t> </a:t>
-            </a:r>
-            <a:r>
-              <a:rPr b="0" lang="en-US" sz="4400" spc="-1" strike="noStrike">
-                <a:latin typeface="Arial"/>
-              </a:rPr>
-              <a:t>e</a:t>
-            </a:r>
-            <a:r>
-              <a:rPr b="0" lang="en-US" sz="4400" spc="-1" strike="noStrike">
-                <a:latin typeface="Arial"/>
-              </a:rPr>
-              <a:t>d</a:t>
-            </a:r>
-            <a:r>
-              <a:rPr b="0" lang="en-US" sz="4400" spc="-1" strike="noStrike">
-                <a:latin typeface="Arial"/>
-              </a:rPr>
-              <a:t>i</a:t>
-            </a:r>
-            <a:r>
-              <a:rPr b="0" lang="en-US" sz="4400" spc="-1" strike="noStrike">
-                <a:latin typeface="Arial"/>
-              </a:rPr>
-              <a:t>t</a:t>
-            </a:r>
-            <a:r>
-              <a:rPr b="0" lang="en-US" sz="4400" spc="-1" strike="noStrike">
-                <a:latin typeface="Arial"/>
-              </a:rPr>
-              <a:t> </a:t>
-            </a:r>
-            <a:r>
-              <a:rPr b="0" lang="en-US" sz="4400" spc="-1" strike="noStrike">
-                <a:latin typeface="Arial"/>
-              </a:rPr>
-              <a:t>t</a:t>
-            </a:r>
-            <a:r>
-              <a:rPr b="0" lang="en-US" sz="4400" spc="-1" strike="noStrike">
-                <a:latin typeface="Arial"/>
-              </a:rPr>
-              <a:t>h</a:t>
-            </a:r>
-            <a:r>
-              <a:rPr b="0" lang="en-US" sz="4400" spc="-1" strike="noStrike">
-                <a:latin typeface="Arial"/>
-              </a:rPr>
-              <a:t>e</a:t>
-            </a:r>
-            <a:r>
-              <a:rPr b="0" lang="en-US" sz="4400" spc="-1" strike="noStrike">
-                <a:latin typeface="Arial"/>
-              </a:rPr>
-              <a:t> </a:t>
-            </a:r>
-            <a:r>
-              <a:rPr b="0" lang="en-US" sz="4400" spc="-1" strike="noStrike">
-                <a:latin typeface="Arial"/>
-              </a:rPr>
-              <a:t>t</a:t>
-            </a:r>
-            <a:r>
-              <a:rPr b="0" lang="en-US" sz="4400" spc="-1" strike="noStrike">
-                <a:latin typeface="Arial"/>
-              </a:rPr>
-              <a:t>i</a:t>
-            </a:r>
-            <a:r>
-              <a:rPr b="0" lang="en-US" sz="4400" spc="-1" strike="noStrike">
-                <a:latin typeface="Arial"/>
-              </a:rPr>
-              <a:t>t</a:t>
-            </a:r>
-            <a:r>
-              <a:rPr b="0" lang="en-US" sz="4400" spc="-1" strike="noStrike">
-                <a:latin typeface="Arial"/>
-              </a:rPr>
-              <a:t>l</a:t>
-            </a:r>
-            <a:r>
-              <a:rPr b="0" lang="en-US" sz="4400" spc="-1" strike="noStrike">
-                <a:latin typeface="Arial"/>
-              </a:rPr>
-              <a:t>e</a:t>
-            </a:r>
-            <a:r>
-              <a:rPr b="0" lang="en-US" sz="4400" spc="-1" strike="noStrike">
-                <a:latin typeface="Arial"/>
-              </a:rPr>
-              <a:t> </a:t>
-            </a:r>
-            <a:r>
-              <a:rPr b="0" lang="en-US" sz="4400" spc="-1" strike="noStrike">
-                <a:latin typeface="Arial"/>
-              </a:rPr>
-              <a:t>t</a:t>
-            </a:r>
-            <a:r>
-              <a:rPr b="0" lang="en-US" sz="4400" spc="-1" strike="noStrike">
-                <a:latin typeface="Arial"/>
-              </a:rPr>
-              <a:t>e</a:t>
-            </a:r>
-            <a:r>
-              <a:rPr b="0" lang="en-US" sz="4400" spc="-1" strike="noStrike">
-                <a:latin typeface="Arial"/>
-              </a:rPr>
-              <a:t>x</a:t>
-            </a:r>
-            <a:r>
-              <a:rPr b="0" lang="en-US" sz="4400" spc="-1" strike="noStrike">
-                <a:latin typeface="Arial"/>
-              </a:rPr>
-              <a:t>t</a:t>
-            </a:r>
-            <a:r>
-              <a:rPr b="0" lang="en-US" sz="4400" spc="-1" strike="noStrike">
-                <a:latin typeface="Arial"/>
-              </a:rPr>
-              <a:t> </a:t>
-            </a:r>
-            <a:r>
-              <a:rPr b="0" lang="en-US" sz="4400" spc="-1" strike="noStrike">
-                <a:latin typeface="Arial"/>
-              </a:rPr>
-              <a:t>f</a:t>
-            </a:r>
-            <a:r>
-              <a:rPr b="0" lang="en-US" sz="4400" spc="-1" strike="noStrike">
-                <a:latin typeface="Arial"/>
-              </a:rPr>
-              <a:t>o</a:t>
-            </a:r>
-            <a:r>
-              <a:rPr b="0" lang="en-US" sz="4400" spc="-1" strike="noStrike">
-                <a:latin typeface="Arial"/>
-              </a:rPr>
-              <a:t>r</a:t>
-            </a:r>
-            <a:r>
-              <a:rPr b="0" lang="en-US" sz="4400" spc="-1" strike="noStrike">
-                <a:latin typeface="Arial"/>
-              </a:rPr>
-              <a:t>m</a:t>
-            </a:r>
-            <a:r>
-              <a:rPr b="0" lang="en-US" sz="4400" spc="-1" strike="noStrike">
-                <a:latin typeface="Arial"/>
-              </a:rPr>
-              <a:t>a</a:t>
-            </a:r>
-            <a:r>
-              <a:rPr b="0" lang="en-US" sz="4400" spc="-1" strike="noStrike">
-                <a:latin typeface="Arial"/>
-              </a:rPr>
-              <a:t>t</a:t>
-            </a:r>
-            <a:endParaRPr b="0" lang="en-US" sz="4400" spc="-1" strike="noStrike">
-              <a:latin typeface="Arial"/>
+            <a:endParaRPr lang="en-US" sz="4400" b="0" strike="noStrike" spc="-1">
+              <a:latin typeface="Arial" panose="020B0604020202020204"/>
             </a:endParaRPr>
           </a:p>
         </p:txBody>
@@ -3532,35 +3491,35 @@
           </a:prstGeom>
         </p:spPr>
         <p:txBody>
-          <a:bodyPr lIns="0" rIns="0" tIns="0" bIns="0">
+          <a:bodyPr lIns="0" tIns="0" rIns="0" bIns="0">
             <a:normAutofit/>
           </a:bodyPr>
           <a:p>
-            <a:pPr marL="432000" indent="-324000">
+            <a:pPr marL="431800" indent="-323850">
               <a:spcBef>
-                <a:spcPts val="1417"/>
+                <a:spcPts val="1415"/>
               </a:spcBef>
               <a:buClr>
                 <a:srgbClr val="000000"/>
               </a:buClr>
               <a:buSzPct val="45000"/>
-              <a:buFont typeface="Wingdings" charset="2"/>
+              <a:buFont typeface="Wingdings" panose="05000000000000000000" pitchFamily="2" charset="2"/>
               <a:buChar char=""/>
             </a:pPr>
             <a:r>
-              <a:rPr b="0" lang="en-US" sz="3200" spc="-1" strike="noStrike">
-                <a:latin typeface="Arial"/>
+              <a:rPr lang="en-US" sz="3200" b="0" strike="noStrike" spc="-1">
+                <a:latin typeface="Arial" panose="020B0604020202020204"/>
               </a:rPr>
               <a:t>Click to edit the outline text format</a:t>
             </a:r>
-            <a:endParaRPr b="0" lang="en-US" sz="3200" spc="-1" strike="noStrike">
-              <a:latin typeface="Arial"/>
-            </a:endParaRPr>
-          </a:p>
-          <a:p>
-            <a:pPr lvl="1" marL="864000" indent="-324000">
+            <a:endParaRPr lang="en-US" sz="3200" b="0" strike="noStrike" spc="-1">
+              <a:latin typeface="Arial" panose="020B0604020202020204"/>
+            </a:endParaRPr>
+          </a:p>
+          <a:p>
+            <a:pPr marL="864235" lvl="1" indent="-323850">
               <a:spcBef>
-                <a:spcPts val="1134"/>
+                <a:spcPts val="1135"/>
               </a:spcBef>
               <a:buClr>
                 <a:srgbClr val="000000"/>
@@ -3570,17 +3529,17 @@
               <a:buChar char=""/>
             </a:pPr>
             <a:r>
-              <a:rPr b="0" lang="en-US" sz="2800" spc="-1" strike="noStrike">
-                <a:latin typeface="Arial"/>
+              <a:rPr lang="en-US" sz="2800" b="0" strike="noStrike" spc="-1">
+                <a:latin typeface="Arial" panose="020B0604020202020204"/>
               </a:rPr>
               <a:t>Second Outline Level</a:t>
             </a:r>
-            <a:endParaRPr b="0" lang="en-US" sz="2800" spc="-1" strike="noStrike">
-              <a:latin typeface="Arial"/>
-            </a:endParaRPr>
-          </a:p>
-          <a:p>
-            <a:pPr lvl="2" marL="1296000" indent="-288000">
+            <a:endParaRPr lang="en-US" sz="2800" b="0" strike="noStrike" spc="-1">
+              <a:latin typeface="Arial" panose="020B0604020202020204"/>
+            </a:endParaRPr>
+          </a:p>
+          <a:p>
+            <a:pPr marL="1296035" lvl="2" indent="-288290">
               <a:spcBef>
                 <a:spcPts val="850"/>
               </a:spcBef>
@@ -3588,23 +3547,23 @@
                 <a:srgbClr val="000000"/>
               </a:buClr>
               <a:buSzPct val="45000"/>
-              <a:buFont typeface="Wingdings" charset="2"/>
+              <a:buFont typeface="Wingdings" panose="05000000000000000000" pitchFamily="2" charset="2"/>
               <a:buChar char=""/>
             </a:pPr>
             <a:r>
-              <a:rPr b="0" lang="en-US" sz="2400" spc="-1" strike="noStrike">
-                <a:latin typeface="Arial"/>
+              <a:rPr lang="en-US" sz="2400" b="0" strike="noStrike" spc="-1">
+                <a:latin typeface="Arial" panose="020B0604020202020204"/>
               </a:rPr>
               <a:t>Third Outline Level</a:t>
             </a:r>
-            <a:endParaRPr b="0" lang="en-US" sz="2400" spc="-1" strike="noStrike">
-              <a:latin typeface="Arial"/>
-            </a:endParaRPr>
-          </a:p>
-          <a:p>
-            <a:pPr lvl="3" marL="1728000" indent="-216000">
+            <a:endParaRPr lang="en-US" sz="2400" b="0" strike="noStrike" spc="-1">
+              <a:latin typeface="Arial" panose="020B0604020202020204"/>
+            </a:endParaRPr>
+          </a:p>
+          <a:p>
+            <a:pPr marL="1727835" lvl="3" indent="-215900">
               <a:spcBef>
-                <a:spcPts val="567"/>
+                <a:spcPts val="565"/>
               </a:spcBef>
               <a:buClr>
                 <a:srgbClr val="000000"/>
@@ -3614,105 +3573,110 @@
               <a:buChar char=""/>
             </a:pPr>
             <a:r>
-              <a:rPr b="0" lang="en-US" sz="2000" spc="-1" strike="noStrike">
-                <a:latin typeface="Arial"/>
+              <a:rPr lang="en-US" sz="2000" b="0" strike="noStrike" spc="-1">
+                <a:latin typeface="Arial" panose="020B0604020202020204"/>
               </a:rPr>
               <a:t>Fourth Outline Level</a:t>
             </a:r>
-            <a:endParaRPr b="0" lang="en-US" sz="2000" spc="-1" strike="noStrike">
-              <a:latin typeface="Arial"/>
-            </a:endParaRPr>
-          </a:p>
-          <a:p>
-            <a:pPr lvl="4" marL="2160000" indent="-216000">
+            <a:endParaRPr lang="en-US" sz="2000" b="0" strike="noStrike" spc="-1">
+              <a:latin typeface="Arial" panose="020B0604020202020204"/>
+            </a:endParaRPr>
+          </a:p>
+          <a:p>
+            <a:pPr marL="2160270" lvl="4" indent="-215900">
               <a:spcBef>
-                <a:spcPts val="283"/>
+                <a:spcPts val="285"/>
               </a:spcBef>
               <a:buClr>
                 <a:srgbClr val="000000"/>
               </a:buClr>
               <a:buSzPct val="45000"/>
-              <a:buFont typeface="Wingdings" charset="2"/>
+              <a:buFont typeface="Wingdings" panose="05000000000000000000" pitchFamily="2" charset="2"/>
               <a:buChar char=""/>
             </a:pPr>
             <a:r>
-              <a:rPr b="0" lang="en-US" sz="2000" spc="-1" strike="noStrike">
-                <a:latin typeface="Arial"/>
+              <a:rPr lang="en-US" sz="2000" b="0" strike="noStrike" spc="-1">
+                <a:latin typeface="Arial" panose="020B0604020202020204"/>
               </a:rPr>
               <a:t>Fifth Outline Level</a:t>
             </a:r>
-            <a:endParaRPr b="0" lang="en-US" sz="2000" spc="-1" strike="noStrike">
-              <a:latin typeface="Arial"/>
-            </a:endParaRPr>
-          </a:p>
-          <a:p>
-            <a:pPr lvl="5" marL="2592000" indent="-216000">
+            <a:endParaRPr lang="en-US" sz="2000" b="0" strike="noStrike" spc="-1">
+              <a:latin typeface="Arial" panose="020B0604020202020204"/>
+            </a:endParaRPr>
+          </a:p>
+          <a:p>
+            <a:pPr marL="2592070" lvl="5" indent="-215900">
               <a:spcBef>
-                <a:spcPts val="283"/>
+                <a:spcPts val="285"/>
               </a:spcBef>
               <a:buClr>
                 <a:srgbClr val="000000"/>
               </a:buClr>
               <a:buSzPct val="45000"/>
-              <a:buFont typeface="Wingdings" charset="2"/>
+              <a:buFont typeface="Wingdings" panose="05000000000000000000" pitchFamily="2" charset="2"/>
               <a:buChar char=""/>
             </a:pPr>
             <a:r>
-              <a:rPr b="0" lang="en-US" sz="2000" spc="-1" strike="noStrike">
-                <a:latin typeface="Arial"/>
+              <a:rPr lang="en-US" sz="2000" b="0" strike="noStrike" spc="-1">
+                <a:latin typeface="Arial" panose="020B0604020202020204"/>
               </a:rPr>
               <a:t>Sixth Outline Level</a:t>
             </a:r>
-            <a:endParaRPr b="0" lang="en-US" sz="2000" spc="-1" strike="noStrike">
-              <a:latin typeface="Arial"/>
-            </a:endParaRPr>
-          </a:p>
-          <a:p>
-            <a:pPr lvl="6" marL="3024000" indent="-216000">
+            <a:endParaRPr lang="en-US" sz="2000" b="0" strike="noStrike" spc="-1">
+              <a:latin typeface="Arial" panose="020B0604020202020204"/>
+            </a:endParaRPr>
+          </a:p>
+          <a:p>
+            <a:pPr marL="3023870" lvl="6" indent="-215900">
               <a:spcBef>
-                <a:spcPts val="283"/>
+                <a:spcPts val="285"/>
               </a:spcBef>
               <a:buClr>
                 <a:srgbClr val="000000"/>
               </a:buClr>
               <a:buSzPct val="45000"/>
-              <a:buFont typeface="Wingdings" charset="2"/>
+              <a:buFont typeface="Wingdings" panose="05000000000000000000" pitchFamily="2" charset="2"/>
               <a:buChar char=""/>
             </a:pPr>
             <a:r>
-              <a:rPr b="0" lang="en-US" sz="2000" spc="-1" strike="noStrike">
-                <a:latin typeface="Arial"/>
+              <a:rPr lang="en-US" sz="2000" b="0" strike="noStrike" spc="-1">
+                <a:latin typeface="Arial" panose="020B0604020202020204"/>
               </a:rPr>
               <a:t>Seventh Outline Level</a:t>
             </a:r>
-            <a:endParaRPr b="0" lang="en-US" sz="2000" spc="-1" strike="noStrike">
-              <a:latin typeface="Arial"/>
+            <a:endParaRPr lang="en-US" sz="2000" b="0" strike="noStrike" spc="-1">
+              <a:latin typeface="Arial" panose="020B0604020202020204"/>
             </a:endParaRPr>
           </a:p>
         </p:txBody>
       </p:sp>
     </p:spTree>
   </p:cSld>
-  <p:clrMap bg1="lt1" bg2="lt2" tx1="dk1" tx2="dk2" accent1="accent1" accent2="accent2" accent3="accent3" accent4="accent4" accent5="accent5" accent6="accent6" hlink="hlink" folHlink="folHlink"/>
+  <p:clrMap bg1="lt1" tx1="dk1" bg2="lt2" tx2="dk2" accent1="accent1" accent2="accent2" accent3="accent3" accent4="accent4" accent5="accent5" accent6="accent6" hlink="hlink" folHlink="folHlink"/>
   <p:sldLayoutIdLst>
-    <p:sldLayoutId id="2147483662" r:id="rId2"/>
-    <p:sldLayoutId id="2147483663" r:id="rId3"/>
-    <p:sldLayoutId id="2147483664" r:id="rId4"/>
-    <p:sldLayoutId id="2147483665" r:id="rId5"/>
-    <p:sldLayoutId id="2147483666" r:id="rId6"/>
-    <p:sldLayoutId id="2147483667" r:id="rId7"/>
-    <p:sldLayoutId id="2147483668" r:id="rId8"/>
-    <p:sldLayoutId id="2147483669" r:id="rId9"/>
-    <p:sldLayoutId id="2147483670" r:id="rId10"/>
-    <p:sldLayoutId id="2147483671" r:id="rId11"/>
-    <p:sldLayoutId id="2147483672" r:id="rId12"/>
-    <p:sldLayoutId id="2147483673" r:id="rId13"/>
+    <p:sldLayoutId id="2147483662" r:id="rId1"/>
+    <p:sldLayoutId id="2147483663" r:id="rId2"/>
+    <p:sldLayoutId id="2147483664" r:id="rId3"/>
+    <p:sldLayoutId id="2147483665" r:id="rId4"/>
+    <p:sldLayoutId id="2147483666" r:id="rId5"/>
+    <p:sldLayoutId id="2147483667" r:id="rId6"/>
+    <p:sldLayoutId id="2147483668" r:id="rId7"/>
+    <p:sldLayoutId id="2147483669" r:id="rId8"/>
+    <p:sldLayoutId id="2147483670" r:id="rId9"/>
+    <p:sldLayoutId id="2147483671" r:id="rId10"/>
+    <p:sldLayoutId id="2147483672" r:id="rId11"/>
+    <p:sldLayoutId id="2147483673" r:id="rId12"/>
   </p:sldLayoutIdLst>
+  <p:txStyles>
+    <p:titleStyle/>
+    <p:bodyStyle/>
+    <p:otherStyle/>
+  </p:txStyles>
 </p:sldMaster>
 </file>
 
 <file path=ppt/slides/slide1.xml><?xml version="1.0" encoding="utf-8"?>
-<p:sld xmlns:a="http://schemas.openxmlformats.org/drawingml/2006/main" xmlns:p="http://schemas.openxmlformats.org/presentationml/2006/main" xmlns:r="http://schemas.openxmlformats.org/officeDocument/2006/relationships" xmlns:p14="http://schemas.microsoft.com/office/powerpoint/2010/main" xmlns:p15="http://schemas.microsoft.com/office/powerpoint/2012/main" xmlns:mc="http://schemas.openxmlformats.org/markup-compatibility/2006">
+<p:sld xmlns:a="http://schemas.openxmlformats.org/drawingml/2006/main" xmlns:r="http://schemas.openxmlformats.org/officeDocument/2006/relationships" xmlns:p="http://schemas.openxmlformats.org/presentationml/2006/main">
   <p:cSld>
     <p:spTree>
       <p:nvGrpSpPr>
@@ -3748,13 +3712,19 @@
           </a:ln>
         </p:spPr>
         <p:style>
-          <a:lnRef idx="0"/>
-          <a:fillRef idx="0"/>
-          <a:effectRef idx="0"/>
+          <a:lnRef idx="0">
+            <a:srgbClr val="FFFFFF"/>
+          </a:lnRef>
+          <a:fillRef idx="0">
+            <a:srgbClr val="FFFFFF"/>
+          </a:fillRef>
+          <a:effectRef idx="0">
+            <a:srgbClr val="FFFFFF"/>
+          </a:effectRef>
           <a:fontRef idx="minor"/>
         </p:style>
         <p:txBody>
-          <a:bodyPr lIns="90000" rIns="90000" tIns="45000" bIns="45000" anchor="ctr">
+          <a:bodyPr lIns="90000" tIns="45000" rIns="90000" bIns="45000" anchor="ctr">
             <a:normAutofit/>
           </a:bodyPr>
           <a:p>
@@ -3764,17 +3734,17 @@
               </a:lnSpc>
             </a:pPr>
             <a:r>
-              <a:rPr b="0" lang="en-US" sz="2800" spc="-1" strike="noStrike">
+              <a:rPr lang="en-US" sz="2800" b="0" strike="noStrike" spc="-1">
                 <a:solidFill>
                   <a:srgbClr val="000000"/>
                 </a:solidFill>
                 <a:latin typeface="Calibri"/>
-                <a:ea typeface="DejaVu Sans"/>
+                <a:ea typeface="DejaVu Sans" panose="020B0603030804020204"/>
               </a:rPr>
               <a:t>Предсказание землетрясений с использованием сверточных нейронных сетей</a:t>
             </a:r>
-            <a:endParaRPr b="0" lang="en-US" sz="2800" spc="-1" strike="noStrike">
-              <a:latin typeface="Arial"/>
+            <a:endParaRPr lang="en-US" sz="2800" b="0" strike="noStrike" spc="-1">
+              <a:latin typeface="Arial" panose="020B0604020202020204"/>
             </a:endParaRPr>
           </a:p>
         </p:txBody>
@@ -3799,9 +3769,15 @@
           </a:ln>
         </p:spPr>
         <p:style>
-          <a:lnRef idx="0"/>
-          <a:fillRef idx="0"/>
-          <a:effectRef idx="0"/>
+          <a:lnRef idx="0">
+            <a:srgbClr val="FFFFFF"/>
+          </a:lnRef>
+          <a:fillRef idx="0">
+            <a:srgbClr val="FFFFFF"/>
+          </a:fillRef>
+          <a:effectRef idx="0">
+            <a:srgbClr val="FFFFFF"/>
+          </a:effectRef>
           <a:fontRef idx="minor"/>
         </p:style>
       </p:sp>
@@ -3825,9 +3801,15 @@
           </a:ln>
         </p:spPr>
         <p:style>
-          <a:lnRef idx="0"/>
-          <a:fillRef idx="0"/>
-          <a:effectRef idx="0"/>
+          <a:lnRef idx="0">
+            <a:srgbClr val="FFFFFF"/>
+          </a:lnRef>
+          <a:fillRef idx="0">
+            <a:srgbClr val="FFFFFF"/>
+          </a:fillRef>
+          <a:effectRef idx="0">
+            <a:srgbClr val="FFFFFF"/>
+          </a:effectRef>
           <a:fontRef idx="minor"/>
         </p:style>
       </p:sp>
@@ -3851,21 +3833,29 @@
           </a:ln>
         </p:spPr>
         <p:style>
-          <a:lnRef idx="0"/>
-          <a:fillRef idx="0"/>
-          <a:effectRef idx="0"/>
+          <a:lnRef idx="0">
+            <a:srgbClr val="FFFFFF"/>
+          </a:lnRef>
+          <a:fillRef idx="0">
+            <a:srgbClr val="FFFFFF"/>
+          </a:fillRef>
+          <a:effectRef idx="0">
+            <a:srgbClr val="FFFFFF"/>
+          </a:effectRef>
           <a:fontRef idx="minor"/>
         </p:style>
       </p:sp>
       <p:pic>
         <p:nvPicPr>
-          <p:cNvPr id="80" name="Рисунок 6" descr=""/>
+          <p:cNvPr id="80" name="Рисунок 6"/>
           <p:cNvPicPr/>
           <p:nvPr/>
         </p:nvPicPr>
         <p:blipFill>
           <a:blip r:embed="rId1"/>
-          <a:stretch/>
+          <a:stretch>
+            <a:fillRect/>
+          </a:stretch>
         </p:blipFill>
         <p:spPr>
           <a:xfrm>
@@ -3882,13 +3872,15 @@
       </p:pic>
       <p:pic>
         <p:nvPicPr>
-          <p:cNvPr id="81" name="Picture 80" descr=""/>
+          <p:cNvPr id="81" name="Picture 80"/>
           <p:cNvPicPr/>
           <p:nvPr/>
         </p:nvPicPr>
         <p:blipFill>
           <a:blip r:embed="rId2"/>
-          <a:stretch/>
+          <a:stretch>
+            <a:fillRect/>
+          </a:stretch>
         </p:blipFill>
         <p:spPr>
           <a:xfrm>
@@ -3923,13 +3915,19 @@
           </a:ln>
         </p:spPr>
         <p:style>
-          <a:lnRef idx="0"/>
-          <a:fillRef idx="0"/>
-          <a:effectRef idx="0"/>
+          <a:lnRef idx="0">
+            <a:srgbClr val="FFFFFF"/>
+          </a:lnRef>
+          <a:fillRef idx="0">
+            <a:srgbClr val="FFFFFF"/>
+          </a:fillRef>
+          <a:effectRef idx="0">
+            <a:srgbClr val="FFFFFF"/>
+          </a:effectRef>
           <a:fontRef idx="minor"/>
         </p:style>
         <p:txBody>
-          <a:bodyPr wrap="none" lIns="90000" rIns="90000" tIns="45000" bIns="45000"/>
+          <a:bodyPr wrap="none" lIns="90000" tIns="45000" rIns="90000" bIns="45000"/>
           <a:p>
             <a:pPr>
               <a:lnSpc>
@@ -3937,17 +3935,17 @@
               </a:lnSpc>
             </a:pPr>
             <a:r>
-              <a:rPr b="0" lang="en-US" sz="2400" spc="-1" strike="noStrike">
+              <a:rPr lang="en-US" sz="2400" b="0" strike="noStrike" spc="-1">
                 <a:solidFill>
                   <a:srgbClr val="000000"/>
                 </a:solidFill>
-                <a:latin typeface="Arial"/>
-                <a:ea typeface="DejaVu Sans"/>
+                <a:latin typeface="Arial" panose="020B0604020202020204"/>
+                <a:ea typeface="DejaVu Sans" panose="020B0603030804020204"/>
               </a:rPr>
               <a:t>Роман Кайль, РТ</a:t>
             </a:r>
-            <a:endParaRPr b="0" lang="en-US" sz="2400" spc="-1" strike="noStrike">
-              <a:latin typeface="Arial"/>
+            <a:endParaRPr lang="en-US" sz="2400" b="0" strike="noStrike" spc="-1">
+              <a:latin typeface="Arial" panose="020B0604020202020204"/>
             </a:endParaRPr>
           </a:p>
           <a:p>
@@ -3956,8 +3954,8 @@
                 <a:spcPct val="100000"/>
               </a:lnSpc>
             </a:pPr>
-            <a:endParaRPr b="0" lang="en-US" sz="2400" spc="-1" strike="noStrike">
-              <a:latin typeface="Arial"/>
+            <a:endParaRPr lang="en-US" sz="2400" b="0" strike="noStrike" spc="-1">
+              <a:latin typeface="Arial" panose="020B0604020202020204"/>
             </a:endParaRPr>
           </a:p>
           <a:p>
@@ -3966,8 +3964,8 @@
                 <a:spcPct val="100000"/>
               </a:lnSpc>
             </a:pPr>
-            <a:endParaRPr b="0" lang="en-US" sz="2400" spc="-1" strike="noStrike">
-              <a:latin typeface="Arial"/>
+            <a:endParaRPr lang="en-US" sz="2400" b="0" strike="noStrike" spc="-1">
+              <a:latin typeface="Arial" panose="020B0604020202020204"/>
             </a:endParaRPr>
           </a:p>
           <a:p>
@@ -3976,8 +3974,8 @@
                 <a:spcPct val="100000"/>
               </a:lnSpc>
             </a:pPr>
-            <a:endParaRPr b="0" lang="en-US" sz="2400" spc="-1" strike="noStrike">
-              <a:latin typeface="Arial"/>
+            <a:endParaRPr lang="en-US" sz="2400" b="0" strike="noStrike" spc="-1">
+              <a:latin typeface="Arial" panose="020B0604020202020204"/>
             </a:endParaRPr>
           </a:p>
           <a:p>
@@ -3986,8 +3984,8 @@
                 <a:spcPct val="100000"/>
               </a:lnSpc>
             </a:pPr>
-            <a:endParaRPr b="0" lang="en-US" sz="2400" spc="-1" strike="noStrike">
-              <a:latin typeface="Arial"/>
+            <a:endParaRPr lang="en-US" sz="2400" b="0" strike="noStrike" spc="-1">
+              <a:latin typeface="Arial" panose="020B0604020202020204"/>
             </a:endParaRPr>
           </a:p>
           <a:p>
@@ -3996,8 +3994,8 @@
                 <a:spcPct val="100000"/>
               </a:lnSpc>
             </a:pPr>
-            <a:endParaRPr b="0" lang="en-US" sz="2400" spc="-1" strike="noStrike">
-              <a:latin typeface="Arial"/>
+            <a:endParaRPr lang="en-US" sz="2400" b="0" strike="noStrike" spc="-1">
+              <a:latin typeface="Arial" panose="020B0604020202020204"/>
             </a:endParaRPr>
           </a:p>
           <a:p>
@@ -4006,8 +4004,8 @@
                 <a:spcPct val="100000"/>
               </a:lnSpc>
             </a:pPr>
-            <a:endParaRPr b="0" lang="en-US" sz="2400" spc="-1" strike="noStrike">
-              <a:latin typeface="Arial"/>
+            <a:endParaRPr lang="en-US" sz="2400" b="0" strike="noStrike" spc="-1">
+              <a:latin typeface="Arial" panose="020B0604020202020204"/>
             </a:endParaRPr>
           </a:p>
           <a:p>
@@ -4016,8 +4014,8 @@
                 <a:spcPct val="100000"/>
               </a:lnSpc>
             </a:pPr>
-            <a:endParaRPr b="0" lang="en-US" sz="2400" spc="-1" strike="noStrike">
-              <a:latin typeface="Arial"/>
+            <a:endParaRPr lang="en-US" sz="2400" b="0" strike="noStrike" spc="-1">
+              <a:latin typeface="Arial" panose="020B0604020202020204"/>
             </a:endParaRPr>
           </a:p>
           <a:p>
@@ -4027,17 +4025,17 @@
               </a:lnSpc>
             </a:pPr>
             <a:r>
-              <a:rPr b="0" lang="en-US" sz="2400" spc="-1" strike="noStrike">
+              <a:rPr lang="en-US" sz="2400" b="0" strike="noStrike" spc="-1">
                 <a:solidFill>
                   <a:srgbClr val="000000"/>
                 </a:solidFill>
-                <a:latin typeface="Arial"/>
-                <a:ea typeface="DejaVu Sans"/>
+                <a:latin typeface="Arial" panose="020B0604020202020204"/>
+                <a:ea typeface="DejaVu Sans" panose="020B0603030804020204"/>
               </a:rPr>
               <a:t>Задача: Зайцев Алексей, к.ф.-м.н.</a:t>
             </a:r>
-            <a:endParaRPr b="0" lang="en-US" sz="2400" spc="-1" strike="noStrike">
-              <a:latin typeface="Arial"/>
+            <a:endParaRPr lang="en-US" sz="2400" b="0" strike="noStrike" spc="-1">
+              <a:latin typeface="Arial" panose="020B0604020202020204"/>
             </a:endParaRPr>
           </a:p>
         </p:txBody>
@@ -4062,13 +4060,19 @@
           </a:ln>
         </p:spPr>
         <p:style>
-          <a:lnRef idx="0"/>
-          <a:fillRef idx="0"/>
-          <a:effectRef idx="0"/>
+          <a:lnRef idx="0">
+            <a:srgbClr val="FFFFFF"/>
+          </a:lnRef>
+          <a:fillRef idx="0">
+            <a:srgbClr val="FFFFFF"/>
+          </a:fillRef>
+          <a:effectRef idx="0">
+            <a:srgbClr val="FFFFFF"/>
+          </a:effectRef>
           <a:fontRef idx="minor"/>
         </p:style>
         <p:txBody>
-          <a:bodyPr wrap="none" lIns="90000" rIns="90000" tIns="45000" bIns="45000"/>
+          <a:bodyPr wrap="none" lIns="90000" tIns="45000" rIns="90000" bIns="45000"/>
           <a:p>
             <a:pPr>
               <a:lnSpc>
@@ -4076,47 +4080,30 @@
               </a:lnSpc>
             </a:pPr>
             <a:r>
-              <a:rPr b="0" lang="en-US" sz="1800" spc="-1" strike="noStrike">
+              <a:rPr lang="en-US" sz="1800" b="0" strike="noStrike" spc="-1">
                 <a:solidFill>
                   <a:srgbClr val="000000"/>
                 </a:solidFill>
-                <a:latin typeface="Arial"/>
-                <a:ea typeface="DejaVu Sans"/>
+                <a:latin typeface="Arial" panose="020B0604020202020204"/>
+                <a:ea typeface="DejaVu Sans" panose="020B0603030804020204"/>
               </a:rPr>
               <a:t>Москва, 2019</a:t>
             </a:r>
-            <a:endParaRPr b="0" lang="en-US" sz="1800" spc="-1" strike="noStrike">
-              <a:latin typeface="Arial"/>
+            <a:endParaRPr lang="en-US" sz="1800" b="0" strike="noStrike" spc="-1">
+              <a:latin typeface="Arial" panose="020B0604020202020204"/>
             </a:endParaRPr>
           </a:p>
         </p:txBody>
       </p:sp>
     </p:spTree>
   </p:cSld>
+  <p:clrMapOvr>
+    <a:masterClrMapping/>
+  </p:clrMapOvr>
   <p:timing>
     <p:tnLst>
       <p:par>
-        <p:cTn id="1" dur="indefinite" restart="never" nodeType="tmRoot">
-          <p:childTnLst>
-            <p:seq>
-              <p:cTn id="2" dur="indefinite" nodeType="mainSeq"/>
-              <p:prevCondLst>
-                <p:cond delay="0" evt="onPrev">
-                  <p:tgtEl>
-                    <p:sldTgt/>
-                  </p:tgtEl>
-                </p:cond>
-              </p:prevCondLst>
-              <p:nextCondLst>
-                <p:cond delay="0" evt="onNext">
-                  <p:tgtEl>
-                    <p:sldTgt/>
-                  </p:tgtEl>
-                </p:cond>
-              </p:nextCondLst>
-            </p:seq>
-          </p:childTnLst>
-        </p:cTn>
+        <p:cTn id="1" dur="indefinite" restart="never" nodeType="tmRoot"/>
       </p:par>
     </p:tnLst>
   </p:timing>
@@ -4124,7 +4111,7 @@
 </file>
 
 <file path=ppt/slides/slide10.xml><?xml version="1.0" encoding="utf-8"?>
-<p:sld xmlns:a="http://schemas.openxmlformats.org/drawingml/2006/main" xmlns:p="http://schemas.openxmlformats.org/presentationml/2006/main" xmlns:r="http://schemas.openxmlformats.org/officeDocument/2006/relationships" xmlns:p14="http://schemas.microsoft.com/office/powerpoint/2010/main" xmlns:p15="http://schemas.microsoft.com/office/powerpoint/2012/main" xmlns:mc="http://schemas.openxmlformats.org/markup-compatibility/2006">
+<p:sld xmlns:a="http://schemas.openxmlformats.org/drawingml/2006/main" xmlns:r="http://schemas.openxmlformats.org/officeDocument/2006/relationships" xmlns:p="http://schemas.openxmlformats.org/presentationml/2006/main">
   <p:cSld>
     <p:spTree>
       <p:nvGrpSpPr>
@@ -4162,127 +4149,127 @@
               <a:tr h="216000">
                 <a:tc>
                   <a:txBody>
-                    <a:bodyPr lIns="90000" rIns="90000" tIns="46800" bIns="46800"/>
+                    <a:bodyPr/>
                     <a:p>
                       <a:pPr algn="r"/>
                       <a:r>
-                        <a:rPr b="0" lang="en-US" sz="1800" spc="-1" strike="noStrike">
-                          <a:latin typeface="Arial"/>
+                        <a:rPr lang="en-US" sz="1800" b="0" strike="noStrike" spc="-1">
+                          <a:latin typeface="Arial" panose="020B0604020202020204"/>
                         </a:rPr>
                         <a:t>1</a:t>
                       </a:r>
-                      <a:endParaRPr b="0" lang="en-US" sz="1800" spc="-1" strike="noStrike">
-                        <a:latin typeface="Arial"/>
+                      <a:endParaRPr lang="en-US" sz="1800" b="0" strike="noStrike" spc="-1">
+                        <a:latin typeface="Arial" panose="020B0604020202020204"/>
                       </a:endParaRPr>
                     </a:p>
                   </a:txBody>
-                  <a:tcPr marL="90000" marR="90000">
+                  <a:tcPr marL="90000" marR="90000" marT="46800" marB="46800">
                     <a:lnL w="720">
                       <a:solidFill>
-                        <a:srgbClr val="ffffff"/>
+                        <a:srgbClr val="FFFFFF"/>
                       </a:solidFill>
                     </a:lnL>
                     <a:lnR w="720">
                       <a:solidFill>
-                        <a:srgbClr val="ffffff"/>
+                        <a:srgbClr val="FFFFFF"/>
                       </a:solidFill>
                     </a:lnR>
                     <a:lnT w="720">
                       <a:solidFill>
-                        <a:srgbClr val="ffffff"/>
+                        <a:srgbClr val="FFFFFF"/>
                       </a:solidFill>
                     </a:lnT>
                     <a:lnB w="720">
                       <a:solidFill>
-                        <a:srgbClr val="ffffff"/>
+                        <a:srgbClr val="FFFFFF"/>
                       </a:solidFill>
                     </a:lnB>
                     <a:solidFill>
-                      <a:srgbClr val="fff200"/>
+                      <a:srgbClr val="FFF200"/>
                     </a:solidFill>
                   </a:tcPr>
                 </a:tc>
                 <a:tc>
                   <a:txBody>
-                    <a:bodyPr lIns="90000" rIns="90000" tIns="46800" bIns="46800"/>
+                    <a:bodyPr/>
                     <a:p>
                       <a:pPr algn="r"/>
                       <a:r>
-                        <a:rPr b="0" lang="en-US" sz="1800" spc="-1" strike="noStrike">
-                          <a:latin typeface="Arial"/>
+                        <a:rPr lang="en-US" sz="1800" b="0" strike="noStrike" spc="-1">
+                          <a:latin typeface="Arial" panose="020B0604020202020204"/>
                         </a:rPr>
                         <a:t>4</a:t>
                       </a:r>
-                      <a:endParaRPr b="0" lang="en-US" sz="1800" spc="-1" strike="noStrike">
-                        <a:latin typeface="Arial"/>
+                      <a:endParaRPr lang="en-US" sz="1800" b="0" strike="noStrike" spc="-1">
+                        <a:latin typeface="Arial" panose="020B0604020202020204"/>
                       </a:endParaRPr>
                     </a:p>
                   </a:txBody>
-                  <a:tcPr marL="90000" marR="90000">
+                  <a:tcPr marL="90000" marR="90000" marT="46800" marB="46800">
                     <a:lnL w="720">
                       <a:solidFill>
-                        <a:srgbClr val="ffffff"/>
+                        <a:srgbClr val="FFFFFF"/>
                       </a:solidFill>
                     </a:lnL>
                     <a:lnR w="720">
                       <a:solidFill>
-                        <a:srgbClr val="ffffff"/>
+                        <a:srgbClr val="FFFFFF"/>
                       </a:solidFill>
                     </a:lnR>
                     <a:lnT w="720">
                       <a:solidFill>
-                        <a:srgbClr val="ffffff"/>
+                        <a:srgbClr val="FFFFFF"/>
                       </a:solidFill>
                     </a:lnT>
                     <a:lnB w="720">
                       <a:solidFill>
-                        <a:srgbClr val="ffffff"/>
+                        <a:srgbClr val="FFFFFF"/>
                       </a:solidFill>
                     </a:lnB>
                     <a:solidFill>
-                      <a:srgbClr val="fff200"/>
+                      <a:srgbClr val="FFF200"/>
                     </a:solidFill>
                   </a:tcPr>
                 </a:tc>
                 <a:tc>
                   <a:txBody>
-                    <a:bodyPr lIns="90000" rIns="90000" tIns="46800" bIns="46800"/>
+                    <a:bodyPr/>
                     <a:p>
                       <a:pPr algn="r"/>
                       <a:r>
-                        <a:rPr b="0" lang="en-US" sz="1800" spc="-1" strike="noStrike">
-                          <a:latin typeface="Arial"/>
+                        <a:rPr lang="en-US" sz="1800" b="0" strike="noStrike" spc="-1">
+                          <a:latin typeface="Arial" panose="020B0604020202020204"/>
                         </a:rPr>
                         <a:t>1</a:t>
                       </a:r>
-                      <a:endParaRPr b="0" lang="en-US" sz="1800" spc="-1" strike="noStrike">
-                        <a:latin typeface="Arial"/>
+                      <a:endParaRPr lang="en-US" sz="1800" b="0" strike="noStrike" spc="-1">
+                        <a:latin typeface="Arial" panose="020B0604020202020204"/>
                       </a:endParaRPr>
                     </a:p>
                   </a:txBody>
-                  <a:tcPr marL="90000" marR="90000">
+                  <a:tcPr marL="90000" marR="90000" marT="46800" marB="46800">
                     <a:lnL w="720">
                       <a:solidFill>
-                        <a:srgbClr val="ffffff"/>
+                        <a:srgbClr val="FFFFFF"/>
                       </a:solidFill>
                     </a:lnL>
                     <a:lnR w="720">
                       <a:solidFill>
-                        <a:srgbClr val="ffffff"/>
+                        <a:srgbClr val="FFFFFF"/>
                       </a:solidFill>
                     </a:lnR>
                     <a:lnT w="720">
                       <a:solidFill>
-                        <a:srgbClr val="ffffff"/>
+                        <a:srgbClr val="FFFFFF"/>
                       </a:solidFill>
                     </a:lnT>
                     <a:lnB w="720">
                       <a:solidFill>
-                        <a:srgbClr val="ffffff"/>
+                        <a:srgbClr val="FFFFFF"/>
                       </a:solidFill>
                     </a:lnB>
                     <a:solidFill>
-                      <a:srgbClr val="fff200"/>
+                      <a:srgbClr val="FFF200"/>
                     </a:solidFill>
                   </a:tcPr>
                 </a:tc>
@@ -4290,127 +4277,127 @@
               <a:tr h="0">
                 <a:tc>
                   <a:txBody>
-                    <a:bodyPr lIns="90000" rIns="90000" tIns="46800" bIns="46800"/>
+                    <a:bodyPr/>
                     <a:p>
                       <a:pPr algn="r"/>
                       <a:r>
-                        <a:rPr b="0" lang="en-US" sz="1800" spc="-1" strike="noStrike">
-                          <a:latin typeface="Arial"/>
+                        <a:rPr lang="en-US" sz="1800" b="0" strike="noStrike" spc="-1">
+                          <a:latin typeface="Arial" panose="020B0604020202020204"/>
                         </a:rPr>
                         <a:t>1</a:t>
                       </a:r>
-                      <a:endParaRPr b="0" lang="en-US" sz="1800" spc="-1" strike="noStrike">
-                        <a:latin typeface="Arial"/>
+                      <a:endParaRPr lang="en-US" sz="1800" b="0" strike="noStrike" spc="-1">
+                        <a:latin typeface="Arial" panose="020B0604020202020204"/>
                       </a:endParaRPr>
                     </a:p>
                   </a:txBody>
-                  <a:tcPr marL="90000" marR="90000">
+                  <a:tcPr marL="90000" marR="90000" marT="46800" marB="46800">
                     <a:lnL w="720">
                       <a:solidFill>
-                        <a:srgbClr val="ffffff"/>
+                        <a:srgbClr val="FFFFFF"/>
                       </a:solidFill>
                     </a:lnL>
                     <a:lnR w="720">
                       <a:solidFill>
-                        <a:srgbClr val="ffffff"/>
+                        <a:srgbClr val="FFFFFF"/>
                       </a:solidFill>
                     </a:lnR>
                     <a:lnT w="720">
                       <a:solidFill>
-                        <a:srgbClr val="ffffff"/>
+                        <a:srgbClr val="FFFFFF"/>
                       </a:solidFill>
                     </a:lnT>
                     <a:lnB w="720">
                       <a:solidFill>
-                        <a:srgbClr val="ffffff"/>
+                        <a:srgbClr val="FFFFFF"/>
                       </a:solidFill>
                     </a:lnB>
                     <a:solidFill>
-                      <a:srgbClr val="fff200"/>
+                      <a:srgbClr val="FFF200"/>
                     </a:solidFill>
                   </a:tcPr>
                 </a:tc>
                 <a:tc>
                   <a:txBody>
-                    <a:bodyPr lIns="90000" rIns="90000" tIns="46800" bIns="46800"/>
+                    <a:bodyPr/>
                     <a:p>
                       <a:pPr algn="r"/>
                       <a:r>
-                        <a:rPr b="0" lang="en-US" sz="1800" spc="-1" strike="noStrike">
-                          <a:latin typeface="Arial"/>
+                        <a:rPr lang="en-US" sz="1800" b="0" strike="noStrike" spc="-1">
+                          <a:latin typeface="Arial" panose="020B0604020202020204"/>
                         </a:rPr>
                         <a:t>4</a:t>
                       </a:r>
-                      <a:endParaRPr b="0" lang="en-US" sz="1800" spc="-1" strike="noStrike">
-                        <a:latin typeface="Arial"/>
+                      <a:endParaRPr lang="en-US" sz="1800" b="0" strike="noStrike" spc="-1">
+                        <a:latin typeface="Arial" panose="020B0604020202020204"/>
                       </a:endParaRPr>
                     </a:p>
                   </a:txBody>
-                  <a:tcPr marL="90000" marR="90000">
+                  <a:tcPr marL="90000" marR="90000" marT="46800" marB="46800">
                     <a:lnL w="720">
                       <a:solidFill>
-                        <a:srgbClr val="ffffff"/>
+                        <a:srgbClr val="FFFFFF"/>
                       </a:solidFill>
                     </a:lnL>
                     <a:lnR w="720">
                       <a:solidFill>
-                        <a:srgbClr val="ffffff"/>
+                        <a:srgbClr val="FFFFFF"/>
                       </a:solidFill>
                     </a:lnR>
                     <a:lnT w="720">
                       <a:solidFill>
-                        <a:srgbClr val="ffffff"/>
+                        <a:srgbClr val="FFFFFF"/>
                       </a:solidFill>
                     </a:lnT>
                     <a:lnB w="720">
                       <a:solidFill>
-                        <a:srgbClr val="ffffff"/>
+                        <a:srgbClr val="FFFFFF"/>
                       </a:solidFill>
                     </a:lnB>
                     <a:solidFill>
-                      <a:srgbClr val="fff200"/>
+                      <a:srgbClr val="FFF200"/>
                     </a:solidFill>
                   </a:tcPr>
                 </a:tc>
                 <a:tc>
                   <a:txBody>
-                    <a:bodyPr lIns="90000" rIns="90000" tIns="46800" bIns="46800"/>
+                    <a:bodyPr/>
                     <a:p>
                       <a:pPr algn="r"/>
                       <a:r>
-                        <a:rPr b="0" lang="en-US" sz="1800" spc="-1" strike="noStrike">
-                          <a:latin typeface="Arial"/>
+                        <a:rPr lang="en-US" sz="1800" b="0" strike="noStrike" spc="-1">
+                          <a:latin typeface="Arial" panose="020B0604020202020204"/>
                         </a:rPr>
                         <a:t>3</a:t>
                       </a:r>
-                      <a:endParaRPr b="0" lang="en-US" sz="1800" spc="-1" strike="noStrike">
-                        <a:latin typeface="Arial"/>
+                      <a:endParaRPr lang="en-US" sz="1800" b="0" strike="noStrike" spc="-1">
+                        <a:latin typeface="Arial" panose="020B0604020202020204"/>
                       </a:endParaRPr>
                     </a:p>
                   </a:txBody>
-                  <a:tcPr marL="90000" marR="90000">
+                  <a:tcPr marL="90000" marR="90000" marT="46800" marB="46800">
                     <a:lnL w="720">
                       <a:solidFill>
-                        <a:srgbClr val="ffffff"/>
+                        <a:srgbClr val="FFFFFF"/>
                       </a:solidFill>
                     </a:lnL>
                     <a:lnR w="720">
                       <a:solidFill>
-                        <a:srgbClr val="ffffff"/>
+                        <a:srgbClr val="FFFFFF"/>
                       </a:solidFill>
                     </a:lnR>
                     <a:lnT w="720">
                       <a:solidFill>
-                        <a:srgbClr val="ffffff"/>
+                        <a:srgbClr val="FFFFFF"/>
                       </a:solidFill>
                     </a:lnT>
                     <a:lnB w="720">
                       <a:solidFill>
-                        <a:srgbClr val="ffffff"/>
+                        <a:srgbClr val="FFFFFF"/>
                       </a:solidFill>
                     </a:lnB>
                     <a:solidFill>
-                      <a:srgbClr val="fff200"/>
+                      <a:srgbClr val="FFF200"/>
                     </a:solidFill>
                   </a:tcPr>
                 </a:tc>
@@ -4418,127 +4405,127 @@
               <a:tr h="0">
                 <a:tc>
                   <a:txBody>
-                    <a:bodyPr lIns="90000" rIns="90000" tIns="46800" bIns="46800"/>
+                    <a:bodyPr/>
                     <a:p>
                       <a:pPr algn="r"/>
                       <a:r>
-                        <a:rPr b="0" lang="en-US" sz="1800" spc="-1" strike="noStrike">
-                          <a:latin typeface="Arial"/>
+                        <a:rPr lang="en-US" sz="1800" b="0" strike="noStrike" spc="-1">
+                          <a:latin typeface="Arial" panose="020B0604020202020204"/>
                         </a:rPr>
                         <a:t>3</a:t>
                       </a:r>
-                      <a:endParaRPr b="0" lang="en-US" sz="1800" spc="-1" strike="noStrike">
-                        <a:latin typeface="Arial"/>
+                      <a:endParaRPr lang="en-US" sz="1800" b="0" strike="noStrike" spc="-1">
+                        <a:latin typeface="Arial" panose="020B0604020202020204"/>
                       </a:endParaRPr>
                     </a:p>
                   </a:txBody>
-                  <a:tcPr marL="90000" marR="90000">
+                  <a:tcPr marL="90000" marR="90000" marT="46800" marB="46800">
                     <a:lnL w="720">
                       <a:solidFill>
-                        <a:srgbClr val="ffffff"/>
+                        <a:srgbClr val="FFFFFF"/>
                       </a:solidFill>
                     </a:lnL>
                     <a:lnR w="720">
                       <a:solidFill>
-                        <a:srgbClr val="ffffff"/>
+                        <a:srgbClr val="FFFFFF"/>
                       </a:solidFill>
                     </a:lnR>
                     <a:lnT w="720">
                       <a:solidFill>
-                        <a:srgbClr val="ffffff"/>
+                        <a:srgbClr val="FFFFFF"/>
                       </a:solidFill>
                     </a:lnT>
                     <a:lnB w="720">
                       <a:solidFill>
-                        <a:srgbClr val="ffffff"/>
+                        <a:srgbClr val="FFFFFF"/>
                       </a:solidFill>
                     </a:lnB>
                     <a:solidFill>
-                      <a:srgbClr val="fff200"/>
+                      <a:srgbClr val="FFF200"/>
                     </a:solidFill>
                   </a:tcPr>
                 </a:tc>
                 <a:tc>
                   <a:txBody>
-                    <a:bodyPr lIns="90000" rIns="90000" tIns="46800" bIns="46800"/>
+                    <a:bodyPr/>
                     <a:p>
                       <a:pPr algn="r"/>
                       <a:r>
-                        <a:rPr b="0" lang="en-US" sz="1800" spc="-1" strike="noStrike">
-                          <a:latin typeface="Arial"/>
+                        <a:rPr lang="en-US" sz="1800" b="0" strike="noStrike" spc="-1">
+                          <a:latin typeface="Arial" panose="020B0604020202020204"/>
                         </a:rPr>
                         <a:t>3</a:t>
                       </a:r>
-                      <a:endParaRPr b="0" lang="en-US" sz="1800" spc="-1" strike="noStrike">
-                        <a:latin typeface="Arial"/>
+                      <a:endParaRPr lang="en-US" sz="1800" b="0" strike="noStrike" spc="-1">
+                        <a:latin typeface="Arial" panose="020B0604020202020204"/>
                       </a:endParaRPr>
                     </a:p>
                   </a:txBody>
-                  <a:tcPr marL="90000" marR="90000">
+                  <a:tcPr marL="90000" marR="90000" marT="46800" marB="46800">
                     <a:lnL w="720">
                       <a:solidFill>
-                        <a:srgbClr val="ffffff"/>
+                        <a:srgbClr val="FFFFFF"/>
                       </a:solidFill>
                     </a:lnL>
                     <a:lnR w="720">
                       <a:solidFill>
-                        <a:srgbClr val="ffffff"/>
+                        <a:srgbClr val="FFFFFF"/>
                       </a:solidFill>
                     </a:lnR>
                     <a:lnT w="720">
                       <a:solidFill>
-                        <a:srgbClr val="ffffff"/>
+                        <a:srgbClr val="FFFFFF"/>
                       </a:solidFill>
                     </a:lnT>
                     <a:lnB w="720">
                       <a:solidFill>
-                        <a:srgbClr val="ffffff"/>
+                        <a:srgbClr val="FFFFFF"/>
                       </a:solidFill>
                     </a:lnB>
                     <a:solidFill>
-                      <a:srgbClr val="fff200"/>
+                      <a:srgbClr val="FFF200"/>
                     </a:solidFill>
                   </a:tcPr>
                 </a:tc>
                 <a:tc>
                   <a:txBody>
-                    <a:bodyPr lIns="90000" rIns="90000" tIns="46800" bIns="46800"/>
+                    <a:bodyPr/>
                     <a:p>
                       <a:pPr algn="r"/>
                       <a:r>
-                        <a:rPr b="0" lang="en-US" sz="1800" spc="-1" strike="noStrike">
-                          <a:latin typeface="Arial"/>
+                        <a:rPr lang="en-US" sz="1800" b="0" strike="noStrike" spc="-1">
+                          <a:latin typeface="Arial" panose="020B0604020202020204"/>
                         </a:rPr>
                         <a:t>1</a:t>
                       </a:r>
-                      <a:endParaRPr b="0" lang="en-US" sz="1800" spc="-1" strike="noStrike">
-                        <a:latin typeface="Arial"/>
+                      <a:endParaRPr lang="en-US" sz="1800" b="0" strike="noStrike" spc="-1">
+                        <a:latin typeface="Arial" panose="020B0604020202020204"/>
                       </a:endParaRPr>
                     </a:p>
                   </a:txBody>
-                  <a:tcPr marL="90000" marR="90000">
+                  <a:tcPr marL="90000" marR="90000" marT="46800" marB="46800">
                     <a:lnL w="720">
                       <a:solidFill>
-                        <a:srgbClr val="ffffff"/>
+                        <a:srgbClr val="FFFFFF"/>
                       </a:solidFill>
                     </a:lnL>
                     <a:lnR w="720">
                       <a:solidFill>
-                        <a:srgbClr val="ffffff"/>
+                        <a:srgbClr val="FFFFFF"/>
                       </a:solidFill>
                     </a:lnR>
                     <a:lnT w="720">
                       <a:solidFill>
-                        <a:srgbClr val="ffffff"/>
+                        <a:srgbClr val="FFFFFF"/>
                       </a:solidFill>
                     </a:lnT>
                     <a:lnB w="720">
                       <a:solidFill>
-                        <a:srgbClr val="ffffff"/>
+                        <a:srgbClr val="FFFFFF"/>
                       </a:solidFill>
                     </a:lnB>
                     <a:solidFill>
-                      <a:srgbClr val="fff200"/>
+                      <a:srgbClr val="FFF200"/>
                     </a:solidFill>
                   </a:tcPr>
                 </a:tc>
@@ -4549,13 +4536,15 @@
       </p:graphicFrame>
       <p:pic>
         <p:nvPicPr>
-          <p:cNvPr id="198" name="" descr=""/>
+          <p:cNvPr id="198" name="Picture 197"/>
           <p:cNvPicPr/>
           <p:nvPr/>
         </p:nvPicPr>
         <p:blipFill>
           <a:blip r:embed="rId1"/>
-          <a:stretch/>
+          <a:stretch>
+            <a:fillRect/>
+          </a:stretch>
         </p:blipFill>
         <p:spPr>
           <a:xfrm>
@@ -4572,30 +4561,13 @@
       </p:pic>
     </p:spTree>
   </p:cSld>
+  <p:clrMapOvr>
+    <a:masterClrMapping/>
+  </p:clrMapOvr>
   <p:timing>
     <p:tnLst>
       <p:par>
-        <p:cTn id="19" dur="indefinite" restart="never" nodeType="tmRoot">
-          <p:childTnLst>
-            <p:seq>
-              <p:cTn id="20" dur="indefinite" nodeType="mainSeq"/>
-              <p:prevCondLst>
-                <p:cond delay="0" evt="onPrev">
-                  <p:tgtEl>
-                    <p:sldTgt/>
-                  </p:tgtEl>
-                </p:cond>
-              </p:prevCondLst>
-              <p:nextCondLst>
-                <p:cond delay="0" evt="onNext">
-                  <p:tgtEl>
-                    <p:sldTgt/>
-                  </p:tgtEl>
-                </p:cond>
-              </p:nextCondLst>
-            </p:seq>
-          </p:childTnLst>
-        </p:cTn>
+        <p:cTn id="1" dur="indefinite" restart="never" nodeType="tmRoot"/>
       </p:par>
     </p:tnLst>
   </p:timing>
@@ -4603,7 +4575,7 @@
 </file>
 
 <file path=ppt/slides/slide11.xml><?xml version="1.0" encoding="utf-8"?>
-<p:sld xmlns:a="http://schemas.openxmlformats.org/drawingml/2006/main" xmlns:p="http://schemas.openxmlformats.org/presentationml/2006/main" xmlns:r="http://schemas.openxmlformats.org/officeDocument/2006/relationships" xmlns:p14="http://schemas.microsoft.com/office/powerpoint/2010/main" xmlns:p15="http://schemas.microsoft.com/office/powerpoint/2012/main" xmlns:mc="http://schemas.openxmlformats.org/markup-compatibility/2006">
+<p:sld xmlns:a="http://schemas.openxmlformats.org/drawingml/2006/main" xmlns:r="http://schemas.openxmlformats.org/officeDocument/2006/relationships" xmlns:p="http://schemas.openxmlformats.org/presentationml/2006/main">
   <p:cSld>
     <p:spTree>
       <p:nvGrpSpPr>
@@ -4639,13 +4611,19 @@
           </a:ln>
         </p:spPr>
         <p:style>
-          <a:lnRef idx="0"/>
-          <a:fillRef idx="0"/>
-          <a:effectRef idx="0"/>
+          <a:lnRef idx="0">
+            <a:srgbClr val="FFFFFF"/>
+          </a:lnRef>
+          <a:fillRef idx="0">
+            <a:srgbClr val="FFFFFF"/>
+          </a:fillRef>
+          <a:effectRef idx="0">
+            <a:srgbClr val="FFFFFF"/>
+          </a:effectRef>
           <a:fontRef idx="minor"/>
         </p:style>
         <p:txBody>
-          <a:bodyPr lIns="0" rIns="0" tIns="0" bIns="0" anchor="ctr"/>
+          <a:bodyPr lIns="0" tIns="0" rIns="0" bIns="0" anchor="ctr"/>
           <a:p>
             <a:pPr>
               <a:lnSpc>
@@ -4653,30 +4631,32 @@
               </a:lnSpc>
             </a:pPr>
             <a:r>
-              <a:rPr b="0" lang="en-US" sz="3600" spc="-1" strike="noStrike">
+              <a:rPr lang="en-US" sz="3600" b="0" strike="noStrike" spc="-1">
                 <a:solidFill>
                   <a:srgbClr val="000000"/>
                 </a:solidFill>
                 <a:latin typeface="Calibri"/>
-                <a:ea typeface="DejaVu Sans"/>
+                <a:ea typeface="DejaVu Sans" panose="020B0603030804020204"/>
               </a:rPr>
               <a:t>Результаты</a:t>
             </a:r>
-            <a:endParaRPr b="0" lang="en-US" sz="3600" spc="-1" strike="noStrike">
-              <a:latin typeface="Arial"/>
+            <a:endParaRPr lang="en-US" sz="3600" b="0" strike="noStrike" spc="-1">
+              <a:latin typeface="Arial" panose="020B0604020202020204"/>
             </a:endParaRPr>
           </a:p>
         </p:txBody>
       </p:sp>
       <p:pic>
         <p:nvPicPr>
-          <p:cNvPr id="200" name="" descr=""/>
+          <p:cNvPr id="200" name="Picture 199"/>
           <p:cNvPicPr/>
           <p:nvPr/>
         </p:nvPicPr>
         <p:blipFill>
           <a:blip r:embed="rId1"/>
-          <a:stretch/>
+          <a:stretch>
+            <a:fillRect/>
+          </a:stretch>
         </p:blipFill>
         <p:spPr>
           <a:xfrm>
@@ -4693,13 +4673,15 @@
       </p:pic>
       <p:pic>
         <p:nvPicPr>
-          <p:cNvPr id="201" name="" descr=""/>
+          <p:cNvPr id="201" name="Picture 200"/>
           <p:cNvPicPr/>
           <p:nvPr/>
         </p:nvPicPr>
         <p:blipFill>
           <a:blip r:embed="rId2"/>
-          <a:stretch/>
+          <a:stretch>
+            <a:fillRect/>
+          </a:stretch>
         </p:blipFill>
         <p:spPr>
           <a:xfrm>
@@ -4716,13 +4698,15 @@
       </p:pic>
       <p:pic>
         <p:nvPicPr>
-          <p:cNvPr id="202" name="" descr=""/>
+          <p:cNvPr id="202" name="Picture 201"/>
           <p:cNvPicPr/>
           <p:nvPr/>
         </p:nvPicPr>
         <p:blipFill>
           <a:blip r:embed="rId3"/>
-          <a:stretch/>
+          <a:stretch>
+            <a:fillRect/>
+          </a:stretch>
         </p:blipFill>
         <p:spPr>
           <a:xfrm>
@@ -4739,13 +4723,15 @@
       </p:pic>
       <p:pic>
         <p:nvPicPr>
-          <p:cNvPr id="203" name="" descr=""/>
+          <p:cNvPr id="203" name="Picture 202"/>
           <p:cNvPicPr/>
           <p:nvPr/>
         </p:nvPicPr>
         <p:blipFill>
           <a:blip r:embed="rId4"/>
-          <a:stretch/>
+          <a:stretch>
+            <a:fillRect/>
+          </a:stretch>
         </p:blipFill>
         <p:spPr>
           <a:xfrm>
@@ -4780,27 +4766,27 @@
           </a:ln>
         </p:spPr>
         <p:txBody>
-          <a:bodyPr lIns="90000" rIns="90000" tIns="45000" bIns="45000"/>
+          <a:bodyPr lIns="90000" tIns="45000" rIns="90000" bIns="45000"/>
           <a:p>
             <a:r>
-              <a:rPr b="0" lang="en-US" sz="1800" spc="-1" strike="noStrike">
-                <a:latin typeface="Arial"/>
+              <a:rPr lang="en-US" sz="1800" b="0" strike="noStrike" spc="-1">
+                <a:latin typeface="Arial" panose="020B0604020202020204"/>
               </a:rPr>
               <a:t>Weight: 100</a:t>
             </a:r>
-            <a:endParaRPr b="0" lang="en-US" sz="1800" spc="-1" strike="noStrike">
-              <a:latin typeface="Arial"/>
+            <a:endParaRPr lang="en-US" sz="1800" b="0" strike="noStrike" spc="-1">
+              <a:latin typeface="Arial" panose="020B0604020202020204"/>
             </a:endParaRPr>
           </a:p>
           <a:p>
             <a:r>
-              <a:rPr b="0" lang="en-US" sz="1800" spc="-1" strike="noStrike">
-                <a:latin typeface="Arial"/>
+              <a:rPr lang="en-US" sz="1800" b="0" strike="noStrike" spc="-1">
+                <a:latin typeface="Arial" panose="020B0604020202020204"/>
               </a:rPr>
               <a:t>Preсision: 0.04</a:t>
             </a:r>
-            <a:endParaRPr b="0" lang="en-US" sz="1800" spc="-1" strike="noStrike">
-              <a:latin typeface="Arial"/>
+            <a:endParaRPr lang="en-US" sz="1800" b="0" strike="noStrike" spc="-1">
+              <a:latin typeface="Arial" panose="020B0604020202020204"/>
             </a:endParaRPr>
           </a:p>
         </p:txBody>
@@ -4825,27 +4811,27 @@
           </a:ln>
         </p:spPr>
         <p:txBody>
-          <a:bodyPr lIns="90000" rIns="90000" tIns="45000" bIns="45000"/>
+          <a:bodyPr lIns="90000" tIns="45000" rIns="90000" bIns="45000"/>
           <a:p>
             <a:r>
-              <a:rPr b="0" lang="en-US" sz="1800" spc="-1" strike="noStrike">
-                <a:latin typeface="Arial"/>
+              <a:rPr lang="en-US" sz="1800" b="0" strike="noStrike" spc="-1">
+                <a:latin typeface="Arial" panose="020B0604020202020204"/>
               </a:rPr>
               <a:t>Weight: 2000</a:t>
             </a:r>
-            <a:endParaRPr b="0" lang="en-US" sz="1800" spc="-1" strike="noStrike">
-              <a:latin typeface="Arial"/>
+            <a:endParaRPr lang="en-US" sz="1800" b="0" strike="noStrike" spc="-1">
+              <a:latin typeface="Arial" panose="020B0604020202020204"/>
             </a:endParaRPr>
           </a:p>
           <a:p>
             <a:r>
-              <a:rPr b="0" lang="en-US" sz="1800" spc="-1" strike="noStrike">
-                <a:latin typeface="Arial"/>
+              <a:rPr lang="en-US" sz="1800" b="0" strike="noStrike" spc="-1">
+                <a:latin typeface="Arial" panose="020B0604020202020204"/>
               </a:rPr>
               <a:t>Preсision: 0.0125</a:t>
             </a:r>
-            <a:endParaRPr b="0" lang="en-US" sz="1800" spc="-1" strike="noStrike">
-              <a:latin typeface="Arial"/>
+            <a:endParaRPr lang="en-US" sz="1800" b="0" strike="noStrike" spc="-1">
+              <a:latin typeface="Arial" panose="020B0604020202020204"/>
             </a:endParaRPr>
           </a:p>
         </p:txBody>
@@ -4870,40 +4856,42 @@
           </a:ln>
         </p:spPr>
         <p:txBody>
-          <a:bodyPr lIns="90000" rIns="90000" tIns="45000" bIns="45000"/>
+          <a:bodyPr lIns="90000" tIns="45000" rIns="90000" bIns="45000"/>
           <a:p>
             <a:r>
-              <a:rPr b="0" lang="en-US" sz="1800" spc="-1" strike="noStrike">
-                <a:latin typeface="Arial"/>
+              <a:rPr lang="en-US" sz="1800" b="0" strike="noStrike" spc="-1">
+                <a:latin typeface="Arial" panose="020B0604020202020204"/>
               </a:rPr>
               <a:t>Weight: 500</a:t>
             </a:r>
-            <a:endParaRPr b="0" lang="en-US" sz="1800" spc="-1" strike="noStrike">
-              <a:latin typeface="Arial"/>
+            <a:endParaRPr lang="en-US" sz="1800" b="0" strike="noStrike" spc="-1">
+              <a:latin typeface="Arial" panose="020B0604020202020204"/>
             </a:endParaRPr>
           </a:p>
           <a:p>
             <a:r>
-              <a:rPr b="0" lang="en-US" sz="1800" spc="-1" strike="noStrike">
-                <a:latin typeface="Arial"/>
+              <a:rPr lang="en-US" sz="1800" b="0" strike="noStrike" spc="-1">
+                <a:latin typeface="Arial" panose="020B0604020202020204"/>
               </a:rPr>
               <a:t>Preсision: 0.025</a:t>
             </a:r>
-            <a:endParaRPr b="0" lang="en-US" sz="1800" spc="-1" strike="noStrike">
-              <a:latin typeface="Arial"/>
+            <a:endParaRPr lang="en-US" sz="1800" b="0" strike="noStrike" spc="-1">
+              <a:latin typeface="Arial" panose="020B0604020202020204"/>
             </a:endParaRPr>
           </a:p>
         </p:txBody>
       </p:sp>
       <p:pic>
         <p:nvPicPr>
-          <p:cNvPr id="207" name="" descr=""/>
+          <p:cNvPr id="207" name="Picture 206"/>
           <p:cNvPicPr/>
           <p:nvPr/>
         </p:nvPicPr>
         <p:blipFill>
           <a:blip r:embed="rId5"/>
-          <a:stretch/>
+          <a:stretch>
+            <a:fillRect/>
+          </a:stretch>
         </p:blipFill>
         <p:spPr>
           <a:xfrm>
@@ -4938,27 +4926,27 @@
           </a:ln>
         </p:spPr>
         <p:txBody>
-          <a:bodyPr lIns="90000" rIns="90000" tIns="45000" bIns="45000"/>
+          <a:bodyPr lIns="90000" tIns="45000" rIns="90000" bIns="45000"/>
           <a:p>
             <a:r>
-              <a:rPr b="0" lang="en-US" sz="1800" spc="-1" strike="noStrike">
-                <a:latin typeface="Arial"/>
+              <a:rPr lang="en-US" sz="1800" b="0" strike="noStrike" spc="-1">
+                <a:latin typeface="Arial" panose="020B0604020202020204"/>
               </a:rPr>
               <a:t>Weight: 10000</a:t>
             </a:r>
-            <a:endParaRPr b="0" lang="en-US" sz="1800" spc="-1" strike="noStrike">
-              <a:latin typeface="Arial"/>
+            <a:endParaRPr lang="en-US" sz="1800" b="0" strike="noStrike" spc="-1">
+              <a:latin typeface="Arial" panose="020B0604020202020204"/>
             </a:endParaRPr>
           </a:p>
           <a:p>
             <a:r>
-              <a:rPr b="0" lang="en-US" sz="1800" spc="-1" strike="noStrike">
-                <a:latin typeface="Arial"/>
+              <a:rPr lang="en-US" sz="1800" b="0" strike="noStrike" spc="-1">
+                <a:latin typeface="Arial" panose="020B0604020202020204"/>
               </a:rPr>
               <a:t>Precision: 0.006</a:t>
             </a:r>
-            <a:endParaRPr b="0" lang="en-US" sz="1800" spc="-1" strike="noStrike">
-              <a:latin typeface="Arial"/>
+            <a:endParaRPr lang="en-US" sz="1800" b="0" strike="noStrike" spc="-1">
+              <a:latin typeface="Arial" panose="020B0604020202020204"/>
             </a:endParaRPr>
           </a:p>
         </p:txBody>
@@ -4983,40 +4971,42 @@
           </a:ln>
         </p:spPr>
         <p:txBody>
-          <a:bodyPr lIns="90000" rIns="90000" tIns="45000" bIns="45000"/>
+          <a:bodyPr lIns="90000" tIns="45000" rIns="90000" bIns="45000"/>
           <a:p>
             <a:r>
-              <a:rPr b="0" lang="en-US" sz="1800" spc="-1" strike="noStrike">
-                <a:latin typeface="Arial"/>
+              <a:rPr lang="en-US" sz="1800" b="0" strike="noStrike" spc="-1">
+                <a:latin typeface="Arial" panose="020B0604020202020204"/>
               </a:rPr>
               <a:t>Weight: 20000</a:t>
             </a:r>
-            <a:endParaRPr b="0" lang="en-US" sz="1800" spc="-1" strike="noStrike">
-              <a:latin typeface="Arial"/>
+            <a:endParaRPr lang="en-US" sz="1800" b="0" strike="noStrike" spc="-1">
+              <a:latin typeface="Arial" panose="020B0604020202020204"/>
             </a:endParaRPr>
           </a:p>
           <a:p>
             <a:r>
-              <a:rPr b="0" lang="en-US" sz="1800" spc="-1" strike="noStrike">
-                <a:latin typeface="Arial"/>
+              <a:rPr lang="en-US" sz="1800" b="0" strike="noStrike" spc="-1">
+                <a:latin typeface="Arial" panose="020B0604020202020204"/>
               </a:rPr>
               <a:t>Precision: 0.006</a:t>
             </a:r>
-            <a:endParaRPr b="0" lang="en-US" sz="1800" spc="-1" strike="noStrike">
-              <a:latin typeface="Arial"/>
+            <a:endParaRPr lang="en-US" sz="1800" b="0" strike="noStrike" spc="-1">
+              <a:latin typeface="Arial" panose="020B0604020202020204"/>
             </a:endParaRPr>
           </a:p>
         </p:txBody>
       </p:sp>
       <p:pic>
         <p:nvPicPr>
-          <p:cNvPr id="210" name="" descr=""/>
+          <p:cNvPr id="210" name="Picture 209"/>
           <p:cNvPicPr/>
           <p:nvPr/>
         </p:nvPicPr>
         <p:blipFill>
           <a:blip r:embed="rId6"/>
-          <a:stretch/>
+          <a:stretch>
+            <a:fillRect/>
+          </a:stretch>
         </p:blipFill>
         <p:spPr>
           <a:xfrm>
@@ -5051,57 +5041,40 @@
           </a:ln>
         </p:spPr>
         <p:txBody>
-          <a:bodyPr lIns="90000" rIns="90000" tIns="45000" bIns="45000"/>
+          <a:bodyPr lIns="90000" tIns="45000" rIns="90000" bIns="45000"/>
           <a:p>
             <a:r>
-              <a:rPr b="0" lang="en-US" sz="1800" spc="-1" strike="noStrike">
-                <a:latin typeface="Arial"/>
+              <a:rPr lang="en-US" sz="1800" b="0" strike="noStrike" spc="-1">
+                <a:latin typeface="Arial" panose="020B0604020202020204"/>
               </a:rPr>
               <a:t>Weight: 50000</a:t>
             </a:r>
-            <a:endParaRPr b="0" lang="en-US" sz="1800" spc="-1" strike="noStrike">
-              <a:latin typeface="Arial"/>
+            <a:endParaRPr lang="en-US" sz="1800" b="0" strike="noStrike" spc="-1">
+              <a:latin typeface="Arial" panose="020B0604020202020204"/>
             </a:endParaRPr>
           </a:p>
           <a:p>
             <a:r>
-              <a:rPr b="0" lang="en-US" sz="1800" spc="-1" strike="noStrike">
-                <a:latin typeface="Arial"/>
+              <a:rPr lang="en-US" sz="1800" b="0" strike="noStrike" spc="-1">
+                <a:latin typeface="Arial" panose="020B0604020202020204"/>
               </a:rPr>
               <a:t>Precision: 0.0045</a:t>
             </a:r>
-            <a:endParaRPr b="0" lang="en-US" sz="1800" spc="-1" strike="noStrike">
-              <a:latin typeface="Arial"/>
+            <a:endParaRPr lang="en-US" sz="1800" b="0" strike="noStrike" spc="-1">
+              <a:latin typeface="Arial" panose="020B0604020202020204"/>
             </a:endParaRPr>
           </a:p>
         </p:txBody>
       </p:sp>
     </p:spTree>
   </p:cSld>
+  <p:clrMapOvr>
+    <a:masterClrMapping/>
+  </p:clrMapOvr>
   <p:timing>
     <p:tnLst>
       <p:par>
-        <p:cTn id="21" dur="indefinite" restart="never" nodeType="tmRoot">
-          <p:childTnLst>
-            <p:seq>
-              <p:cTn id="22" dur="indefinite" nodeType="mainSeq"/>
-              <p:prevCondLst>
-                <p:cond delay="0" evt="onPrev">
-                  <p:tgtEl>
-                    <p:sldTgt/>
-                  </p:tgtEl>
-                </p:cond>
-              </p:prevCondLst>
-              <p:nextCondLst>
-                <p:cond delay="0" evt="onNext">
-                  <p:tgtEl>
-                    <p:sldTgt/>
-                  </p:tgtEl>
-                </p:cond>
-              </p:nextCondLst>
-            </p:seq>
-          </p:childTnLst>
-        </p:cTn>
+        <p:cTn id="1" dur="indefinite" restart="never" nodeType="tmRoot"/>
       </p:par>
     </p:tnLst>
   </p:timing>
@@ -5109,7 +5082,7 @@
 </file>
 
 <file path=ppt/slides/slide12.xml><?xml version="1.0" encoding="utf-8"?>
-<p:sld xmlns:a="http://schemas.openxmlformats.org/drawingml/2006/main" xmlns:p="http://schemas.openxmlformats.org/presentationml/2006/main" xmlns:r="http://schemas.openxmlformats.org/officeDocument/2006/relationships" xmlns:p14="http://schemas.microsoft.com/office/powerpoint/2010/main" xmlns:p15="http://schemas.microsoft.com/office/powerpoint/2012/main" xmlns:mc="http://schemas.openxmlformats.org/markup-compatibility/2006">
+<p:sld xmlns:a="http://schemas.openxmlformats.org/drawingml/2006/main" xmlns:r="http://schemas.openxmlformats.org/officeDocument/2006/relationships" xmlns:p="http://schemas.openxmlformats.org/presentationml/2006/main">
   <p:cSld>
     <p:spTree>
       <p:nvGrpSpPr>
@@ -5145,13 +5118,19 @@
           </a:ln>
         </p:spPr>
         <p:style>
-          <a:lnRef idx="0"/>
-          <a:fillRef idx="0"/>
-          <a:effectRef idx="0"/>
+          <a:lnRef idx="0">
+            <a:srgbClr val="FFFFFF"/>
+          </a:lnRef>
+          <a:fillRef idx="0">
+            <a:srgbClr val="FFFFFF"/>
+          </a:fillRef>
+          <a:effectRef idx="0">
+            <a:srgbClr val="FFFFFF"/>
+          </a:effectRef>
           <a:fontRef idx="minor"/>
         </p:style>
         <p:txBody>
-          <a:bodyPr lIns="0" rIns="0" tIns="0" bIns="0" anchor="ctr"/>
+          <a:bodyPr lIns="0" tIns="0" rIns="0" bIns="0" anchor="ctr"/>
           <a:p>
             <a:pPr>
               <a:lnSpc>
@@ -5159,17 +5138,17 @@
               </a:lnSpc>
             </a:pPr>
             <a:r>
-              <a:rPr b="0" lang="en-US" sz="3600" spc="-1" strike="noStrike">
+              <a:rPr lang="en-US" sz="3600" b="0" strike="noStrike" spc="-1">
                 <a:solidFill>
                   <a:srgbClr val="000000"/>
                 </a:solidFill>
                 <a:latin typeface="Calibri"/>
-                <a:ea typeface="DejaVu Sans"/>
+                <a:ea typeface="DejaVu Sans" panose="020B0603030804020204"/>
               </a:rPr>
               <a:t>Выводы</a:t>
             </a:r>
-            <a:endParaRPr b="0" lang="en-US" sz="3600" spc="-1" strike="noStrike">
-              <a:latin typeface="Arial"/>
+            <a:endParaRPr lang="en-US" sz="3600" b="0" strike="noStrike" spc="-1">
+              <a:latin typeface="Arial" panose="020B0604020202020204"/>
             </a:endParaRPr>
           </a:p>
         </p:txBody>
@@ -5194,13 +5173,19 @@
           </a:ln>
         </p:spPr>
         <p:style>
-          <a:lnRef idx="0"/>
-          <a:fillRef idx="0"/>
-          <a:effectRef idx="0"/>
+          <a:lnRef idx="0">
+            <a:srgbClr val="FFFFFF"/>
+          </a:lnRef>
+          <a:fillRef idx="0">
+            <a:srgbClr val="FFFFFF"/>
+          </a:fillRef>
+          <a:effectRef idx="0">
+            <a:srgbClr val="FFFFFF"/>
+          </a:effectRef>
           <a:fontRef idx="minor"/>
         </p:style>
         <p:txBody>
-          <a:bodyPr lIns="90000" rIns="90000" tIns="45000" bIns="45000"/>
+          <a:bodyPr lIns="90000" tIns="45000" rIns="90000" bIns="45000"/>
           <a:p>
             <a:pPr>
               <a:lnSpc>
@@ -5208,17 +5193,17 @@
               </a:lnSpc>
             </a:pPr>
             <a:r>
-              <a:rPr b="0" lang="en-US" sz="1800" spc="-1" strike="noStrike">
+              <a:rPr lang="en-US" sz="1800" b="0" strike="noStrike" spc="-1">
                 <a:solidFill>
                   <a:srgbClr val="000000"/>
                 </a:solidFill>
-                <a:latin typeface="Arial"/>
-                <a:ea typeface="DejaVu Sans"/>
+                <a:latin typeface="Arial" panose="020B0604020202020204"/>
+                <a:ea typeface="DejaVu Sans" panose="020B0603030804020204"/>
               </a:rPr>
               <a:t>- Нет большого смысла использовать дорогую по памяти и времени обучения UNET архитектуру, потому что она не дает сильно лучшего результата.</a:t>
             </a:r>
-            <a:endParaRPr b="0" lang="en-US" sz="1800" spc="-1" strike="noStrike">
-              <a:latin typeface="Arial"/>
+            <a:endParaRPr lang="en-US" sz="1800" b="0" strike="noStrike" spc="-1">
+              <a:latin typeface="Arial" panose="020B0604020202020204"/>
             </a:endParaRPr>
           </a:p>
           <a:p>
@@ -5227,8 +5212,8 @@
                 <a:spcPct val="100000"/>
               </a:lnSpc>
             </a:pPr>
-            <a:endParaRPr b="0" lang="en-US" sz="1800" spc="-1" strike="noStrike">
-              <a:latin typeface="Arial"/>
+            <a:endParaRPr lang="en-US" sz="1800" b="0" strike="noStrike" spc="-1">
+              <a:latin typeface="Arial" panose="020B0604020202020204"/>
             </a:endParaRPr>
           </a:p>
           <a:p>
@@ -5238,70 +5223,30 @@
               </a:lnSpc>
             </a:pPr>
             <a:r>
-              <a:rPr b="0" lang="en-US" sz="1800" spc="-1" strike="noStrike">
+              <a:rPr lang="en-US" sz="1800" b="0" strike="noStrike" spc="-1">
                 <a:solidFill>
                   <a:srgbClr val="000000"/>
                 </a:solidFill>
-                <a:latin typeface="Arial"/>
-                <a:ea typeface="DejaVu Sans"/>
+                <a:latin typeface="Arial" panose="020B0604020202020204"/>
+                <a:ea typeface="DejaVu Sans" panose="020B0603030804020204"/>
               </a:rPr>
               <a:t>- Для предсказания землетрясений важнее смотреть на локальные признаки нежели на глобальную картину происходящего. </a:t>
             </a:r>
-            <a:endParaRPr b="0" lang="en-US" sz="1800" spc="-1" strike="noStrike">
-              <a:latin typeface="Arial"/>
-            </a:endParaRPr>
-          </a:p>
-        </p:txBody>
-      </p:sp>
-      <p:pic>
-        <p:nvPicPr>
-          <p:cNvPr id="214" name="" descr=""/>
-          <p:cNvPicPr/>
-          <p:nvPr/>
-        </p:nvPicPr>
-        <p:blipFill>
-          <a:blip r:embed="rId1"/>
-          <a:stretch/>
-        </p:blipFill>
-        <p:spPr>
-          <a:xfrm>
-            <a:off x="8617320" y="10113120"/>
-            <a:ext cx="2743200" cy="2743200"/>
-          </a:xfrm>
-          <a:prstGeom prst="rect">
-            <a:avLst/>
-          </a:prstGeom>
-          <a:ln>
-            <a:noFill/>
-          </a:ln>
-        </p:spPr>
-      </p:pic>
+            <a:endParaRPr lang="en-US" sz="1800" b="0" strike="noStrike" spc="-1">
+              <a:latin typeface="Arial" panose="020B0604020202020204"/>
+            </a:endParaRPr>
+          </a:p>
+        </p:txBody>
+      </p:sp>
     </p:spTree>
   </p:cSld>
+  <p:clrMapOvr>
+    <a:masterClrMapping/>
+  </p:clrMapOvr>
   <p:timing>
     <p:tnLst>
       <p:par>
-        <p:cTn id="23" dur="indefinite" restart="never" nodeType="tmRoot">
-          <p:childTnLst>
-            <p:seq>
-              <p:cTn id="24" dur="indefinite" nodeType="mainSeq"/>
-              <p:prevCondLst>
-                <p:cond delay="0" evt="onPrev">
-                  <p:tgtEl>
-                    <p:sldTgt/>
-                  </p:tgtEl>
-                </p:cond>
-              </p:prevCondLst>
-              <p:nextCondLst>
-                <p:cond delay="0" evt="onNext">
-                  <p:tgtEl>
-                    <p:sldTgt/>
-                  </p:tgtEl>
-                </p:cond>
-              </p:nextCondLst>
-            </p:seq>
-          </p:childTnLst>
-        </p:cTn>
+        <p:cTn id="1" dur="indefinite" restart="never" nodeType="tmRoot"/>
       </p:par>
     </p:tnLst>
   </p:timing>
@@ -5309,7 +5254,7 @@
 </file>
 
 <file path=ppt/slides/slide13.xml><?xml version="1.0" encoding="utf-8"?>
-<p:sld xmlns:a="http://schemas.openxmlformats.org/drawingml/2006/main" xmlns:p="http://schemas.openxmlformats.org/presentationml/2006/main" xmlns:r="http://schemas.openxmlformats.org/officeDocument/2006/relationships" xmlns:p14="http://schemas.microsoft.com/office/powerpoint/2010/main" xmlns:p15="http://schemas.microsoft.com/office/powerpoint/2012/main" xmlns:mc="http://schemas.openxmlformats.org/markup-compatibility/2006">
+<p:sld xmlns:a="http://schemas.openxmlformats.org/drawingml/2006/main" xmlns:r="http://schemas.openxmlformats.org/officeDocument/2006/relationships" xmlns:p="http://schemas.openxmlformats.org/presentationml/2006/main">
   <p:cSld>
     <p:spTree>
       <p:nvGrpSpPr>
@@ -5345,13 +5290,19 @@
           </a:ln>
         </p:spPr>
         <p:style>
-          <a:lnRef idx="0"/>
-          <a:fillRef idx="0"/>
-          <a:effectRef idx="0"/>
+          <a:lnRef idx="0">
+            <a:srgbClr val="FFFFFF"/>
+          </a:lnRef>
+          <a:fillRef idx="0">
+            <a:srgbClr val="FFFFFF"/>
+          </a:fillRef>
+          <a:effectRef idx="0">
+            <a:srgbClr val="FFFFFF"/>
+          </a:effectRef>
           <a:fontRef idx="minor"/>
         </p:style>
         <p:txBody>
-          <a:bodyPr lIns="0" rIns="0" tIns="0" bIns="0" anchor="ctr"/>
+          <a:bodyPr lIns="0" tIns="0" rIns="0" bIns="0" anchor="ctr"/>
           <a:p>
             <a:pPr algn="ctr">
               <a:lnSpc>
@@ -5359,17 +5310,17 @@
               </a:lnSpc>
             </a:pPr>
             <a:r>
-              <a:rPr b="0" lang="en-US" sz="3200" spc="-1" strike="noStrike">
+              <a:rPr lang="en-US" sz="3200" b="0" strike="noStrike" spc="-1">
                 <a:solidFill>
                   <a:srgbClr val="000000"/>
                 </a:solidFill>
                 <a:latin typeface="Calibri"/>
-                <a:ea typeface="DejaVu Sans"/>
+                <a:ea typeface="DejaVu Sans" panose="020B0603030804020204"/>
               </a:rPr>
               <a:t>TODO List</a:t>
             </a:r>
-            <a:endParaRPr b="0" lang="en-US" sz="3200" spc="-1" strike="noStrike">
-              <a:latin typeface="Arial"/>
+            <a:endParaRPr lang="en-US" sz="3200" b="0" strike="noStrike" spc="-1">
+              <a:latin typeface="Arial" panose="020B0604020202020204"/>
             </a:endParaRPr>
           </a:p>
         </p:txBody>
@@ -5394,100 +5345,106 @@
           </a:ln>
         </p:spPr>
         <p:style>
-          <a:lnRef idx="0"/>
-          <a:fillRef idx="0"/>
-          <a:effectRef idx="0"/>
+          <a:lnRef idx="0">
+            <a:srgbClr val="FFFFFF"/>
+          </a:lnRef>
+          <a:fillRef idx="0">
+            <a:srgbClr val="FFFFFF"/>
+          </a:fillRef>
+          <a:effectRef idx="0">
+            <a:srgbClr val="FFFFFF"/>
+          </a:effectRef>
           <a:fontRef idx="minor"/>
         </p:style>
         <p:txBody>
-          <a:bodyPr lIns="0" rIns="0" tIns="0" bIns="0">
+          <a:bodyPr lIns="0" tIns="0" rIns="0" bIns="0">
             <a:normAutofit/>
           </a:bodyPr>
           <a:p>
-            <a:pPr marL="432000" indent="-321840">
+            <a:pPr marL="431800" indent="-321945">
               <a:lnSpc>
                 <a:spcPct val="100000"/>
               </a:lnSpc>
               <a:spcBef>
-                <a:spcPts val="1417"/>
+                <a:spcPts val="1415"/>
               </a:spcBef>
               <a:buClr>
                 <a:srgbClr val="000000"/>
               </a:buClr>
               <a:buSzPct val="45000"/>
-              <a:buFont typeface="Wingdings" charset="2"/>
+              <a:buFont typeface="Wingdings" panose="05000000000000000000" pitchFamily="2" charset="2"/>
               <a:buChar char=""/>
             </a:pPr>
             <a:r>
-              <a:rPr b="0" lang="en-US" sz="3200" spc="-1" strike="noStrike">
+              <a:rPr lang="en-US" sz="3200" b="0" strike="noStrike" spc="-1">
                 <a:solidFill>
                   <a:srgbClr val="000000"/>
                 </a:solidFill>
                 <a:latin typeface="Calibri"/>
-                <a:ea typeface="DejaVu Sans"/>
+                <a:ea typeface="DejaVu Sans" panose="020B0603030804020204"/>
               </a:rPr>
               <a:t>Обучить нейронные сети над тензорами из RTL фичей</a:t>
             </a:r>
-            <a:endParaRPr b="0" lang="en-US" sz="3200" spc="-1" strike="noStrike">
-              <a:latin typeface="Arial"/>
-            </a:endParaRPr>
-          </a:p>
-          <a:p>
-            <a:pPr marL="432000" indent="-321840">
+            <a:endParaRPr lang="en-US" sz="3200" b="0" strike="noStrike" spc="-1">
+              <a:latin typeface="Arial" panose="020B0604020202020204"/>
+            </a:endParaRPr>
+          </a:p>
+          <a:p>
+            <a:pPr marL="431800" indent="-321945">
               <a:lnSpc>
                 <a:spcPct val="100000"/>
               </a:lnSpc>
               <a:spcBef>
-                <a:spcPts val="1417"/>
+                <a:spcPts val="1415"/>
               </a:spcBef>
               <a:buClr>
                 <a:srgbClr val="000000"/>
               </a:buClr>
               <a:buSzPct val="45000"/>
-              <a:buFont typeface="Wingdings" charset="2"/>
+              <a:buFont typeface="Wingdings" panose="05000000000000000000" pitchFamily="2" charset="2"/>
               <a:buChar char=""/>
             </a:pPr>
             <a:r>
-              <a:rPr b="0" lang="en-US" sz="3200" spc="-1" strike="noStrike">
+              <a:rPr lang="en-US" sz="3200" b="0" strike="noStrike" spc="-1">
                 <a:solidFill>
                   <a:srgbClr val="000000"/>
                 </a:solidFill>
                 <a:latin typeface="Calibri"/>
-                <a:ea typeface="DejaVu Sans"/>
+                <a:ea typeface="DejaVu Sans" panose="020B0603030804020204"/>
               </a:rPr>
               <a:t>Попробовать больше архитектур (т.к. временной ряд, то можно попробовать LSTM) </a:t>
             </a:r>
-            <a:endParaRPr b="0" lang="en-US" sz="3200" spc="-1" strike="noStrike">
-              <a:latin typeface="Arial"/>
-            </a:endParaRPr>
-          </a:p>
-          <a:p>
-            <a:pPr marL="432000" indent="-321840">
+            <a:endParaRPr lang="en-US" sz="3200" b="0" strike="noStrike" spc="-1">
+              <a:latin typeface="Arial" panose="020B0604020202020204"/>
+            </a:endParaRPr>
+          </a:p>
+          <a:p>
+            <a:pPr marL="431800" indent="-321945">
               <a:lnSpc>
                 <a:spcPct val="100000"/>
               </a:lnSpc>
               <a:spcBef>
-                <a:spcPts val="1417"/>
+                <a:spcPts val="1415"/>
               </a:spcBef>
               <a:buClr>
                 <a:srgbClr val="000000"/>
               </a:buClr>
               <a:buSzPct val="45000"/>
-              <a:buFont typeface="Wingdings" charset="2"/>
+              <a:buFont typeface="Wingdings" panose="05000000000000000000" pitchFamily="2" charset="2"/>
               <a:buChar char=""/>
             </a:pPr>
             <a:r>
-              <a:rPr b="0" lang="en-US" sz="3200" spc="-1" strike="noStrike">
+              <a:rPr lang="en-US" sz="3200" b="0" strike="noStrike" spc="-1">
                 <a:solidFill>
                   <a:srgbClr val="000000"/>
                 </a:solidFill>
                 <a:latin typeface="Calibri"/>
-                <a:ea typeface="DejaVu Sans"/>
+                <a:ea typeface="DejaVu Sans" panose="020B0603030804020204"/>
               </a:rPr>
               <a:t>Попробовать применить подходы аугментации данных чтобы увеличить число примеров искомого класса</a:t>
             </a:r>
-            <a:endParaRPr b="0" lang="en-US" sz="3200" spc="-1" strike="noStrike">
-              <a:latin typeface="Arial"/>
+            <a:endParaRPr lang="en-US" sz="3200" b="0" strike="noStrike" spc="-1">
+              <a:latin typeface="Arial" panose="020B0604020202020204"/>
             </a:endParaRPr>
           </a:p>
           <a:p>
@@ -5496,41 +5453,24 @@
                 <a:spcPct val="100000"/>
               </a:lnSpc>
               <a:spcBef>
-                <a:spcPts val="1417"/>
+                <a:spcPts val="1415"/>
               </a:spcBef>
             </a:pPr>
-            <a:endParaRPr b="0" lang="en-US" sz="3200" spc="-1" strike="noStrike">
-              <a:latin typeface="Arial"/>
+            <a:endParaRPr lang="en-US" sz="3200" b="0" strike="noStrike" spc="-1">
+              <a:latin typeface="Arial" panose="020B0604020202020204"/>
             </a:endParaRPr>
           </a:p>
         </p:txBody>
       </p:sp>
     </p:spTree>
   </p:cSld>
+  <p:clrMapOvr>
+    <a:masterClrMapping/>
+  </p:clrMapOvr>
   <p:timing>
     <p:tnLst>
       <p:par>
-        <p:cTn id="25" dur="indefinite" restart="never" nodeType="tmRoot">
-          <p:childTnLst>
-            <p:seq>
-              <p:cTn id="26" dur="indefinite" nodeType="mainSeq"/>
-              <p:prevCondLst>
-                <p:cond delay="0" evt="onPrev">
-                  <p:tgtEl>
-                    <p:sldTgt/>
-                  </p:tgtEl>
-                </p:cond>
-              </p:prevCondLst>
-              <p:nextCondLst>
-                <p:cond delay="0" evt="onNext">
-                  <p:tgtEl>
-                    <p:sldTgt/>
-                  </p:tgtEl>
-                </p:cond>
-              </p:nextCondLst>
-            </p:seq>
-          </p:childTnLst>
-        </p:cTn>
+        <p:cTn id="1" dur="indefinite" restart="never" nodeType="tmRoot"/>
       </p:par>
     </p:tnLst>
   </p:timing>
@@ -5538,7 +5478,7 @@
 </file>
 
 <file path=ppt/slides/slide2.xml><?xml version="1.0" encoding="utf-8"?>
-<p:sld xmlns:a="http://schemas.openxmlformats.org/drawingml/2006/main" xmlns:p="http://schemas.openxmlformats.org/presentationml/2006/main" xmlns:r="http://schemas.openxmlformats.org/officeDocument/2006/relationships" xmlns:p14="http://schemas.microsoft.com/office/powerpoint/2010/main" xmlns:p15="http://schemas.microsoft.com/office/powerpoint/2012/main" xmlns:mc="http://schemas.openxmlformats.org/markup-compatibility/2006">
+<p:sld xmlns:a="http://schemas.openxmlformats.org/drawingml/2006/main" xmlns:r="http://schemas.openxmlformats.org/officeDocument/2006/relationships" xmlns:p="http://schemas.openxmlformats.org/presentationml/2006/main">
   <p:cSld>
     <p:spTree>
       <p:nvGrpSpPr>
@@ -5574,167 +5514,173 @@
           </a:ln>
         </p:spPr>
         <p:style>
-          <a:lnRef idx="0"/>
-          <a:fillRef idx="0"/>
-          <a:effectRef idx="0"/>
+          <a:lnRef idx="0">
+            <a:srgbClr val="FFFFFF"/>
+          </a:lnRef>
+          <a:fillRef idx="0">
+            <a:srgbClr val="FFFFFF"/>
+          </a:fillRef>
+          <a:effectRef idx="0">
+            <a:srgbClr val="FFFFFF"/>
+          </a:effectRef>
           <a:fontRef idx="minor"/>
         </p:style>
         <p:txBody>
-          <a:bodyPr lIns="0" rIns="0" tIns="0" bIns="0">
+          <a:bodyPr lIns="0" tIns="0" rIns="0" bIns="0">
             <a:normAutofit/>
           </a:bodyPr>
           <a:p>
-            <a:pPr marL="108360">
+            <a:pPr marL="108585">
               <a:lnSpc>
                 <a:spcPct val="100000"/>
               </a:lnSpc>
               <a:spcBef>
-                <a:spcPts val="1417"/>
+                <a:spcPts val="1415"/>
               </a:spcBef>
             </a:pPr>
             <a:r>
-              <a:rPr b="0" lang="en-US" sz="2600" spc="-1" strike="noStrike">
+              <a:rPr lang="en-US" sz="2600" b="0" strike="noStrike" spc="-1">
                 <a:solidFill>
                   <a:srgbClr val="000000"/>
                 </a:solidFill>
                 <a:latin typeface="Calibri"/>
-                <a:ea typeface="DejaVu Sans"/>
+                <a:ea typeface="DejaVu Sans" panose="020B0603030804020204"/>
               </a:rPr>
               <a:t>На входе:</a:t>
             </a:r>
-            <a:endParaRPr b="0" lang="en-US" sz="2600" spc="-1" strike="noStrike">
-              <a:latin typeface="Arial"/>
-            </a:endParaRPr>
-          </a:p>
-          <a:p>
-            <a:pPr marL="432000" indent="-321840">
+            <a:endParaRPr lang="en-US" sz="2600" b="0" strike="noStrike" spc="-1">
+              <a:latin typeface="Arial" panose="020B0604020202020204"/>
+            </a:endParaRPr>
+          </a:p>
+          <a:p>
+            <a:pPr marL="431800" indent="-321945">
               <a:lnSpc>
                 <a:spcPct val="100000"/>
               </a:lnSpc>
               <a:spcBef>
-                <a:spcPts val="1417"/>
+                <a:spcPts val="1415"/>
               </a:spcBef>
               <a:buClr>
                 <a:srgbClr val="000000"/>
               </a:buClr>
               <a:buSzPct val="45000"/>
-              <a:buFont typeface="Wingdings" charset="2"/>
+              <a:buFont typeface="Wingdings" panose="05000000000000000000" pitchFamily="2" charset="2"/>
               <a:buChar char=""/>
             </a:pPr>
             <a:r>
-              <a:rPr b="0" lang="en-US" sz="1800" spc="-1" strike="noStrike">
+              <a:rPr lang="en-US" sz="1800" b="0" strike="noStrike" spc="-1">
                 <a:solidFill>
                   <a:srgbClr val="000000"/>
                 </a:solidFill>
                 <a:latin typeface="Calibri"/>
-                <a:ea typeface="DejaVu Sans"/>
+                <a:ea typeface="DejaVu Sans" panose="020B0603030804020204"/>
               </a:rPr>
               <a:t>Тензор [Batch_size × Height × Length × Time], в каждой ячейке которого амплитуда землетрясения в данном месте в каждом из T</a:t>
             </a:r>
             <a:r>
-              <a:rPr b="0" lang="en-US" sz="1300" spc="-1" strike="noStrike">
+              <a:rPr lang="en-US" sz="1300" b="0" strike="noStrike" spc="-1">
                 <a:solidFill>
                   <a:srgbClr val="000000"/>
                 </a:solidFill>
                 <a:latin typeface="Calibri"/>
-                <a:ea typeface="DejaVu Sans"/>
+                <a:ea typeface="DejaVu Sans" panose="020B0603030804020204"/>
               </a:rPr>
               <a:t>before </a:t>
             </a:r>
             <a:r>
-              <a:rPr b="0" lang="en-US" sz="1600" spc="-1" strike="noStrike">
+              <a:rPr lang="en-US" sz="1600" b="0" strike="noStrike" spc="-1">
                 <a:solidFill>
                   <a:srgbClr val="000000"/>
                 </a:solidFill>
                 <a:latin typeface="Calibri"/>
-                <a:ea typeface="DejaVu Sans"/>
+                <a:ea typeface="DejaVu Sans" panose="020B0603030804020204"/>
               </a:rPr>
               <a:t>предыдущих дней</a:t>
             </a:r>
             <a:r>
-              <a:rPr b="0" lang="en-US" sz="1800" spc="-1" strike="noStrike">
+              <a:rPr lang="en-US" sz="1800" b="0" strike="noStrike" spc="-1">
                 <a:solidFill>
                   <a:srgbClr val="000000"/>
                 </a:solidFill>
                 <a:latin typeface="Calibri"/>
-                <a:ea typeface="DejaVu Sans"/>
+                <a:ea typeface="DejaVu Sans" panose="020B0603030804020204"/>
               </a:rPr>
               <a:t>.</a:t>
             </a:r>
-            <a:endParaRPr b="0" lang="en-US" sz="1800" spc="-1" strike="noStrike">
-              <a:latin typeface="Arial"/>
-            </a:endParaRPr>
-          </a:p>
-          <a:p>
-            <a:pPr marL="108360">
+            <a:endParaRPr lang="en-US" sz="1800" b="0" strike="noStrike" spc="-1">
+              <a:latin typeface="Arial" panose="020B0604020202020204"/>
+            </a:endParaRPr>
+          </a:p>
+          <a:p>
+            <a:pPr marL="108585">
               <a:lnSpc>
                 <a:spcPct val="100000"/>
               </a:lnSpc>
               <a:spcBef>
-                <a:spcPts val="1417"/>
+                <a:spcPts val="1415"/>
               </a:spcBef>
             </a:pPr>
             <a:r>
-              <a:rPr b="0" lang="en-US" sz="2600" spc="-1" strike="noStrike">
+              <a:rPr lang="en-US" sz="2600" b="0" strike="noStrike" spc="-1">
                 <a:solidFill>
                   <a:srgbClr val="000000"/>
                 </a:solidFill>
                 <a:latin typeface="Calibri"/>
-                <a:ea typeface="DejaVu Sans"/>
+                <a:ea typeface="DejaVu Sans" panose="020B0603030804020204"/>
               </a:rPr>
               <a:t>На выходе:</a:t>
             </a:r>
-            <a:endParaRPr b="0" lang="en-US" sz="2600" spc="-1" strike="noStrike">
-              <a:latin typeface="Arial"/>
-            </a:endParaRPr>
-          </a:p>
-          <a:p>
-            <a:pPr marL="432000" indent="-321840">
+            <a:endParaRPr lang="en-US" sz="2600" b="0" strike="noStrike" spc="-1">
+              <a:latin typeface="Arial" panose="020B0604020202020204"/>
+            </a:endParaRPr>
+          </a:p>
+          <a:p>
+            <a:pPr marL="431800" indent="-321945">
               <a:lnSpc>
                 <a:spcPct val="100000"/>
               </a:lnSpc>
               <a:spcBef>
-                <a:spcPts val="1417"/>
+                <a:spcPts val="1415"/>
               </a:spcBef>
               <a:buClr>
                 <a:srgbClr val="000000"/>
               </a:buClr>
               <a:buSzPct val="45000"/>
-              <a:buFont typeface="Wingdings" charset="2"/>
+              <a:buFont typeface="Wingdings" panose="05000000000000000000" pitchFamily="2" charset="2"/>
               <a:buChar char=""/>
             </a:pPr>
             <a:r>
-              <a:rPr b="0" lang="en-US" sz="1800" spc="-1" strike="noStrike">
+              <a:rPr lang="en-US" sz="1800" b="0" strike="noStrike" spc="-1">
                 <a:solidFill>
                   <a:srgbClr val="000000"/>
                 </a:solidFill>
                 <a:latin typeface="Calibri"/>
-                <a:ea typeface="AR PL SungtiL GB"/>
+                <a:ea typeface="AR PL SungtiL GB" panose="02010600030101010101" charset="-122"/>
               </a:rPr>
               <a:t>Карта [Height × Length], в каждой ячейке: индикатор, случалось ли землетрясение с амплитудой выше порога в промежуток времени [T + </a:t>
             </a:r>
             <a:r>
-              <a:rPr b="0" lang="en-US" sz="1800" spc="-1" strike="noStrike">
+              <a:rPr lang="en-US" sz="1800" b="0" strike="noStrike" spc="-1">
                 <a:solidFill>
                   <a:srgbClr val="000000"/>
                 </a:solidFill>
-                <a:latin typeface="DroidSansMono Nerd Font"/>
-                <a:ea typeface="DroidSansMono Nerd Font"/>
+                <a:latin typeface="DroidSansMono Nerd Font" panose="020B0609030804020204"/>
+                <a:ea typeface="DroidSansMono Nerd Font" panose="020B0609030804020204"/>
               </a:rPr>
               <a:t>δ</a:t>
             </a:r>
             <a:r>
-              <a:rPr b="0" lang="en-US" sz="1800" spc="-1" strike="noStrike">
+              <a:rPr lang="en-US" sz="1800" b="0" strike="noStrike" spc="-1">
                 <a:solidFill>
                   <a:srgbClr val="000000"/>
                 </a:solidFill>
                 <a:latin typeface="Calibri"/>
-                <a:ea typeface="DroidSansMono Nerd Font"/>
+                <a:ea typeface="DroidSansMono Nerd Font" panose="020B0609030804020204"/>
               </a:rPr>
               <a:t>c, T + Tc]. </a:t>
             </a:r>
-            <a:endParaRPr b="0" lang="en-US" sz="1800" spc="-1" strike="noStrike">
-              <a:latin typeface="Arial"/>
+            <a:endParaRPr lang="en-US" sz="1800" b="0" strike="noStrike" spc="-1">
+              <a:latin typeface="Arial" panose="020B0604020202020204"/>
             </a:endParaRPr>
           </a:p>
         </p:txBody>
@@ -5759,13 +5705,19 @@
           </a:ln>
         </p:spPr>
         <p:style>
-          <a:lnRef idx="0"/>
-          <a:fillRef idx="0"/>
-          <a:effectRef idx="0"/>
+          <a:lnRef idx="0">
+            <a:srgbClr val="FFFFFF"/>
+          </a:lnRef>
+          <a:fillRef idx="0">
+            <a:srgbClr val="FFFFFF"/>
+          </a:fillRef>
+          <a:effectRef idx="0">
+            <a:srgbClr val="FFFFFF"/>
+          </a:effectRef>
           <a:fontRef idx="minor"/>
         </p:style>
         <p:txBody>
-          <a:bodyPr lIns="0" rIns="0" tIns="0" bIns="0" anchor="ctr"/>
+          <a:bodyPr lIns="0" tIns="0" rIns="0" bIns="0" anchor="ctr"/>
           <a:p>
             <a:pPr>
               <a:lnSpc>
@@ -5773,17 +5725,17 @@
               </a:lnSpc>
             </a:pPr>
             <a:r>
-              <a:rPr b="0" lang="en-US" sz="3600" spc="-1" strike="noStrike">
+              <a:rPr lang="en-US" sz="3600" b="0" strike="noStrike" spc="-1">
                 <a:solidFill>
                   <a:srgbClr val="000000"/>
                 </a:solidFill>
                 <a:latin typeface="Calibri"/>
-                <a:ea typeface="DejaVu Sans"/>
+                <a:ea typeface="DejaVu Sans" panose="020B0603030804020204"/>
               </a:rPr>
               <a:t>Вход и выход задачи классификации</a:t>
             </a:r>
-            <a:endParaRPr b="0" lang="en-US" sz="3600" spc="-1" strike="noStrike">
-              <a:latin typeface="Arial"/>
+            <a:endParaRPr lang="en-US" sz="3600" b="0" strike="noStrike" spc="-1">
+              <a:latin typeface="Arial" panose="020B0604020202020204"/>
             </a:endParaRPr>
           </a:p>
         </p:txBody>
@@ -5805,16 +5757,22 @@
             </a:avLst>
           </a:prstGeom>
           <a:solidFill>
-            <a:srgbClr val="5e8ac7"/>
+            <a:srgbClr val="5E8AC7"/>
           </a:solidFill>
           <a:ln>
             <a:noFill/>
           </a:ln>
         </p:spPr>
         <p:style>
-          <a:lnRef idx="0"/>
-          <a:fillRef idx="0"/>
-          <a:effectRef idx="0"/>
+          <a:lnRef idx="0">
+            <a:srgbClr val="FFFFFF"/>
+          </a:lnRef>
+          <a:fillRef idx="0">
+            <a:srgbClr val="FFFFFF"/>
+          </a:fillRef>
+          <a:effectRef idx="0">
+            <a:srgbClr val="FFFFFF"/>
+          </a:effectRef>
           <a:fontRef idx="minor"/>
         </p:style>
       </p:sp>
@@ -5835,16 +5793,22 @@
             </a:avLst>
           </a:prstGeom>
           <a:solidFill>
-            <a:srgbClr val="5e8ac7"/>
+            <a:srgbClr val="5E8AC7"/>
           </a:solidFill>
           <a:ln>
             <a:noFill/>
           </a:ln>
         </p:spPr>
         <p:style>
-          <a:lnRef idx="0"/>
-          <a:fillRef idx="0"/>
-          <a:effectRef idx="0"/>
+          <a:lnRef idx="0">
+            <a:srgbClr val="FFFFFF"/>
+          </a:lnRef>
+          <a:fillRef idx="0">
+            <a:srgbClr val="FFFFFF"/>
+          </a:fillRef>
+          <a:effectRef idx="0">
+            <a:srgbClr val="FFFFFF"/>
+          </a:effectRef>
           <a:fontRef idx="minor"/>
         </p:style>
       </p:sp>
@@ -5867,9 +5831,15 @@
           </a:ln>
         </p:spPr>
         <p:style>
-          <a:lnRef idx="0"/>
-          <a:fillRef idx="0"/>
-          <a:effectRef idx="0"/>
+          <a:lnRef idx="0">
+            <a:srgbClr val="FFFFFF"/>
+          </a:lnRef>
+          <a:fillRef idx="0">
+            <a:srgbClr val="FFFFFF"/>
+          </a:fillRef>
+          <a:effectRef idx="0">
+            <a:srgbClr val="FFFFFF"/>
+          </a:effectRef>
           <a:fontRef idx="minor"/>
         </p:style>
       </p:sp>
@@ -5892,9 +5862,15 @@
           </a:ln>
         </p:spPr>
         <p:style>
-          <a:lnRef idx="0"/>
-          <a:fillRef idx="0"/>
-          <a:effectRef idx="0"/>
+          <a:lnRef idx="0">
+            <a:srgbClr val="FFFFFF"/>
+          </a:lnRef>
+          <a:fillRef idx="0">
+            <a:srgbClr val="FFFFFF"/>
+          </a:fillRef>
+          <a:effectRef idx="0">
+            <a:srgbClr val="FFFFFF"/>
+          </a:effectRef>
           <a:fontRef idx="minor"/>
         </p:style>
       </p:sp>
@@ -5918,13 +5894,19 @@
           </a:ln>
         </p:spPr>
         <p:style>
-          <a:lnRef idx="0"/>
-          <a:fillRef idx="0"/>
-          <a:effectRef idx="0"/>
+          <a:lnRef idx="0">
+            <a:srgbClr val="FFFFFF"/>
+          </a:lnRef>
+          <a:fillRef idx="0">
+            <a:srgbClr val="FFFFFF"/>
+          </a:fillRef>
+          <a:effectRef idx="0">
+            <a:srgbClr val="FFFFFF"/>
+          </a:effectRef>
           <a:fontRef idx="minor"/>
         </p:style>
         <p:txBody>
-          <a:bodyPr lIns="90000" rIns="90000" tIns="45000" bIns="45000"/>
+          <a:bodyPr lIns="90000" tIns="45000" rIns="90000" bIns="45000"/>
           <a:p>
             <a:pPr>
               <a:lnSpc>
@@ -5932,17 +5914,17 @@
               </a:lnSpc>
             </a:pPr>
             <a:r>
-              <a:rPr b="0" lang="en-US" sz="1300" spc="-1" strike="noStrike">
+              <a:rPr lang="en-US" sz="1300" b="0" strike="noStrike" spc="-1">
                 <a:solidFill>
                   <a:srgbClr val="000000"/>
                 </a:solidFill>
-                <a:latin typeface="Arial"/>
-                <a:ea typeface="DejaVu Sans"/>
+                <a:latin typeface="Arial" panose="020B0604020202020204"/>
+                <a:ea typeface="DejaVu Sans" panose="020B0603030804020204"/>
               </a:rPr>
               <a:t>Length</a:t>
             </a:r>
-            <a:endParaRPr b="0" lang="en-US" sz="1300" spc="-1" strike="noStrike">
-              <a:latin typeface="Arial"/>
+            <a:endParaRPr lang="en-US" sz="1300" b="0" strike="noStrike" spc="-1">
+              <a:latin typeface="Arial" panose="020B0604020202020204"/>
             </a:endParaRPr>
           </a:p>
         </p:txBody>
@@ -5967,13 +5949,19 @@
           </a:ln>
         </p:spPr>
         <p:style>
-          <a:lnRef idx="0"/>
-          <a:fillRef idx="0"/>
-          <a:effectRef idx="0"/>
+          <a:lnRef idx="0">
+            <a:srgbClr val="FFFFFF"/>
+          </a:lnRef>
+          <a:fillRef idx="0">
+            <a:srgbClr val="FFFFFF"/>
+          </a:fillRef>
+          <a:effectRef idx="0">
+            <a:srgbClr val="FFFFFF"/>
+          </a:effectRef>
           <a:fontRef idx="minor"/>
         </p:style>
         <p:txBody>
-          <a:bodyPr lIns="90000" rIns="90000" tIns="45000" bIns="45000"/>
+          <a:bodyPr lIns="90000" tIns="45000" rIns="90000" bIns="45000"/>
           <a:p>
             <a:pPr>
               <a:lnSpc>
@@ -5981,17 +5969,17 @@
               </a:lnSpc>
             </a:pPr>
             <a:r>
-              <a:rPr b="0" lang="en-US" sz="1300" spc="-1" strike="noStrike">
+              <a:rPr lang="en-US" sz="1300" b="0" strike="noStrike" spc="-1">
                 <a:solidFill>
                   <a:srgbClr val="000000"/>
                 </a:solidFill>
-                <a:latin typeface="Arial"/>
-                <a:ea typeface="DejaVu Sans"/>
+                <a:latin typeface="Arial" panose="020B0604020202020204"/>
+                <a:ea typeface="DejaVu Sans" panose="020B0603030804020204"/>
               </a:rPr>
               <a:t>Height</a:t>
             </a:r>
-            <a:endParaRPr b="0" lang="en-US" sz="1300" spc="-1" strike="noStrike">
-              <a:latin typeface="Arial"/>
+            <a:endParaRPr lang="en-US" sz="1300" b="0" strike="noStrike" spc="-1">
+              <a:latin typeface="Arial" panose="020B0604020202020204"/>
             </a:endParaRPr>
           </a:p>
         </p:txBody>
@@ -6016,13 +6004,19 @@
           </a:ln>
         </p:spPr>
         <p:style>
-          <a:lnRef idx="0"/>
-          <a:fillRef idx="0"/>
-          <a:effectRef idx="0"/>
+          <a:lnRef idx="0">
+            <a:srgbClr val="FFFFFF"/>
+          </a:lnRef>
+          <a:fillRef idx="0">
+            <a:srgbClr val="FFFFFF"/>
+          </a:fillRef>
+          <a:effectRef idx="0">
+            <a:srgbClr val="FFFFFF"/>
+          </a:effectRef>
           <a:fontRef idx="minor"/>
         </p:style>
         <p:txBody>
-          <a:bodyPr lIns="90000" rIns="90000" tIns="45000" bIns="45000"/>
+          <a:bodyPr lIns="90000" tIns="45000" rIns="90000" bIns="45000"/>
           <a:p>
             <a:pPr>
               <a:lnSpc>
@@ -6030,17 +6024,17 @@
               </a:lnSpc>
             </a:pPr>
             <a:r>
-              <a:rPr b="0" lang="en-US" sz="1800" spc="-1" strike="noStrike">
+              <a:rPr lang="en-US" sz="1800" b="0" strike="noStrike" spc="-1">
                 <a:solidFill>
                   <a:srgbClr val="000000"/>
                 </a:solidFill>
-                <a:latin typeface="Arial"/>
-                <a:ea typeface="DejaVu Sans"/>
+                <a:latin typeface="Arial" panose="020B0604020202020204"/>
+                <a:ea typeface="DejaVu Sans" panose="020B0603030804020204"/>
               </a:rPr>
               <a:t>T</a:t>
             </a:r>
-            <a:endParaRPr b="0" lang="en-US" sz="1800" spc="-1" strike="noStrike">
-              <a:latin typeface="Arial"/>
+            <a:endParaRPr lang="en-US" sz="1800" b="0" strike="noStrike" spc="-1">
+              <a:latin typeface="Arial" panose="020B0604020202020204"/>
             </a:endParaRPr>
           </a:p>
         </p:txBody>
@@ -6065,13 +6059,19 @@
           </a:ln>
         </p:spPr>
         <p:style>
-          <a:lnRef idx="0"/>
-          <a:fillRef idx="0"/>
-          <a:effectRef idx="0"/>
+          <a:lnRef idx="0">
+            <a:srgbClr val="FFFFFF"/>
+          </a:lnRef>
+          <a:fillRef idx="0">
+            <a:srgbClr val="FFFFFF"/>
+          </a:fillRef>
+          <a:effectRef idx="0">
+            <a:srgbClr val="FFFFFF"/>
+          </a:effectRef>
           <a:fontRef idx="minor"/>
         </p:style>
         <p:txBody>
-          <a:bodyPr lIns="90000" rIns="90000" tIns="45000" bIns="45000"/>
+          <a:bodyPr lIns="90000" tIns="45000" rIns="90000" bIns="45000"/>
           <a:p>
             <a:pPr>
               <a:lnSpc>
@@ -6079,37 +6079,37 @@
               </a:lnSpc>
             </a:pPr>
             <a:r>
-              <a:rPr b="0" lang="en-US" sz="1800" spc="-1" strike="noStrike">
+              <a:rPr lang="en-US" sz="1800" b="0" strike="noStrike" spc="-1">
                 <a:solidFill>
                   <a:srgbClr val="000000"/>
                 </a:solidFill>
-                <a:latin typeface="Arial"/>
-                <a:ea typeface="DejaVu Sans"/>
+                <a:latin typeface="Arial" panose="020B0604020202020204"/>
+                <a:ea typeface="DejaVu Sans" panose="020B0603030804020204"/>
               </a:rPr>
               <a:t>T + </a:t>
             </a:r>
             <a:r>
-              <a:rPr b="0" lang="en-US" sz="1800" spc="-1" strike="noStrike">
+              <a:rPr lang="en-US" sz="1800" b="0" strike="noStrike" spc="-1">
                 <a:solidFill>
                   <a:srgbClr val="000000"/>
                 </a:solidFill>
-                <a:latin typeface="DroidSansMono Nerd Font"/>
-                <a:ea typeface="DroidSansMono Nerd Font"/>
+                <a:latin typeface="DroidSansMono Nerd Font" panose="020B0609030804020204"/>
+                <a:ea typeface="DroidSansMono Nerd Font" panose="020B0609030804020204"/>
               </a:rPr>
               <a:t>δ</a:t>
             </a:r>
             <a:r>
-              <a:rPr b="0" lang="en-US" sz="1800" spc="-1" strike="noStrike">
+              <a:rPr lang="en-US" sz="1800" b="0" strike="noStrike" spc="-1">
                 <a:solidFill>
                   <a:srgbClr val="000000"/>
                 </a:solidFill>
                 <a:latin typeface="Calibri"/>
-                <a:ea typeface="DroidSansMono Nerd Font"/>
+                <a:ea typeface="DroidSansMono Nerd Font" panose="020B0609030804020204"/>
               </a:rPr>
               <a:t>c</a:t>
             </a:r>
-            <a:endParaRPr b="0" lang="en-US" sz="1800" spc="-1" strike="noStrike">
-              <a:latin typeface="Arial"/>
+            <a:endParaRPr lang="en-US" sz="1800" b="0" strike="noStrike" spc="-1">
+              <a:latin typeface="Arial" panose="020B0604020202020204"/>
             </a:endParaRPr>
           </a:p>
         </p:txBody>
@@ -6134,13 +6134,19 @@
           </a:ln>
         </p:spPr>
         <p:style>
-          <a:lnRef idx="0"/>
-          <a:fillRef idx="0"/>
-          <a:effectRef idx="0"/>
+          <a:lnRef idx="0">
+            <a:srgbClr val="FFFFFF"/>
+          </a:lnRef>
+          <a:fillRef idx="0">
+            <a:srgbClr val="FFFFFF"/>
+          </a:fillRef>
+          <a:effectRef idx="0">
+            <a:srgbClr val="FFFFFF"/>
+          </a:effectRef>
           <a:fontRef idx="minor"/>
         </p:style>
         <p:txBody>
-          <a:bodyPr lIns="90000" rIns="90000" tIns="45000" bIns="45000"/>
+          <a:bodyPr lIns="90000" tIns="45000" rIns="90000" bIns="45000"/>
           <a:p>
             <a:pPr>
               <a:lnSpc>
@@ -6148,17 +6154,17 @@
               </a:lnSpc>
             </a:pPr>
             <a:r>
-              <a:rPr b="0" lang="en-US" sz="1800" spc="-1" strike="noStrike">
+              <a:rPr lang="en-US" sz="1800" b="0" strike="noStrike" spc="-1">
                 <a:solidFill>
                   <a:srgbClr val="000000"/>
                 </a:solidFill>
                 <a:latin typeface="Calibri"/>
-                <a:ea typeface="DroidSansMono Nerd Font"/>
+                <a:ea typeface="DroidSansMono Nerd Font" panose="020B0609030804020204"/>
               </a:rPr>
               <a:t>T + Tc</a:t>
             </a:r>
-            <a:endParaRPr b="0" lang="en-US" sz="1800" spc="-1" strike="noStrike">
-              <a:latin typeface="Arial"/>
+            <a:endParaRPr lang="en-US" sz="1800" b="0" strike="noStrike" spc="-1">
+              <a:latin typeface="Arial" panose="020B0604020202020204"/>
             </a:endParaRPr>
           </a:p>
         </p:txBody>
@@ -6183,13 +6189,19 @@
           </a:ln>
         </p:spPr>
         <p:style>
-          <a:lnRef idx="0"/>
-          <a:fillRef idx="0"/>
-          <a:effectRef idx="0"/>
+          <a:lnRef idx="0">
+            <a:srgbClr val="FFFFFF"/>
+          </a:lnRef>
+          <a:fillRef idx="0">
+            <a:srgbClr val="FFFFFF"/>
+          </a:fillRef>
+          <a:effectRef idx="0">
+            <a:srgbClr val="FFFFFF"/>
+          </a:effectRef>
           <a:fontRef idx="minor"/>
         </p:style>
         <p:txBody>
-          <a:bodyPr lIns="90000" rIns="90000" tIns="45000" bIns="45000"/>
+          <a:bodyPr lIns="90000" tIns="45000" rIns="90000" bIns="45000"/>
           <a:p>
             <a:pPr>
               <a:lnSpc>
@@ -6197,17 +6209,17 @@
               </a:lnSpc>
             </a:pPr>
             <a:r>
-              <a:rPr b="0" lang="en-US" sz="2200" spc="-1" strike="noStrike">
+              <a:rPr lang="en-US" sz="2200" b="0" strike="noStrike" spc="-1">
                 <a:solidFill>
-                  <a:srgbClr val="3465a4"/>
+                  <a:srgbClr val="3465A4"/>
                 </a:solidFill>
-                <a:latin typeface="Lato Heavy"/>
-                <a:ea typeface="DejaVu Sans"/>
+                <a:latin typeface="Lato" panose="020F0902020204030203"/>
+                <a:ea typeface="DejaVu Sans" panose="020B0603030804020204"/>
               </a:rPr>
               <a:t>Input</a:t>
             </a:r>
-            <a:endParaRPr b="0" lang="en-US" sz="2200" spc="-1" strike="noStrike">
-              <a:latin typeface="Arial"/>
+            <a:endParaRPr lang="en-US" sz="2200" b="0" strike="noStrike" spc="-1">
+              <a:latin typeface="Arial" panose="020B0604020202020204"/>
             </a:endParaRPr>
           </a:p>
         </p:txBody>
@@ -6232,13 +6244,19 @@
           </a:ln>
         </p:spPr>
         <p:style>
-          <a:lnRef idx="0"/>
-          <a:fillRef idx="0"/>
-          <a:effectRef idx="0"/>
+          <a:lnRef idx="0">
+            <a:srgbClr val="FFFFFF"/>
+          </a:lnRef>
+          <a:fillRef idx="0">
+            <a:srgbClr val="FFFFFF"/>
+          </a:fillRef>
+          <a:effectRef idx="0">
+            <a:srgbClr val="FFFFFF"/>
+          </a:effectRef>
           <a:fontRef idx="minor"/>
         </p:style>
         <p:txBody>
-          <a:bodyPr lIns="90000" rIns="90000" tIns="45000" bIns="45000"/>
+          <a:bodyPr lIns="90000" tIns="45000" rIns="90000" bIns="45000"/>
           <a:p>
             <a:pPr>
               <a:lnSpc>
@@ -6246,17 +6264,17 @@
               </a:lnSpc>
             </a:pPr>
             <a:r>
-              <a:rPr b="0" lang="en-US" sz="2200" spc="-1" strike="noStrike">
+              <a:rPr lang="en-US" sz="2200" b="0" strike="noStrike" spc="-1">
                 <a:solidFill>
-                  <a:srgbClr val="3465a4"/>
+                  <a:srgbClr val="3465A4"/>
                 </a:solidFill>
-                <a:latin typeface="Lato Heavy"/>
-                <a:ea typeface="DejaVu Sans"/>
+                <a:latin typeface="Lato" panose="020F0902020204030203"/>
+                <a:ea typeface="DejaVu Sans" panose="020B0603030804020204"/>
               </a:rPr>
               <a:t>Output</a:t>
             </a:r>
-            <a:endParaRPr b="0" lang="en-US" sz="2200" spc="-1" strike="noStrike">
-              <a:latin typeface="Arial"/>
+            <a:endParaRPr lang="en-US" sz="2200" b="0" strike="noStrike" spc="-1">
+              <a:latin typeface="Arial" panose="020B0604020202020204"/>
             </a:endParaRPr>
           </a:p>
         </p:txBody>
@@ -6281,13 +6299,19 @@
           </a:ln>
         </p:spPr>
         <p:style>
-          <a:lnRef idx="0"/>
-          <a:fillRef idx="0"/>
-          <a:effectRef idx="0"/>
+          <a:lnRef idx="0">
+            <a:srgbClr val="FFFFFF"/>
+          </a:lnRef>
+          <a:fillRef idx="0">
+            <a:srgbClr val="FFFFFF"/>
+          </a:fillRef>
+          <a:effectRef idx="0">
+            <a:srgbClr val="FFFFFF"/>
+          </a:effectRef>
           <a:fontRef idx="minor"/>
         </p:style>
         <p:txBody>
-          <a:bodyPr lIns="90000" rIns="90000" tIns="45000" bIns="45000"/>
+          <a:bodyPr lIns="90000" tIns="45000" rIns="90000" bIns="45000"/>
           <a:p>
             <a:pPr>
               <a:lnSpc>
@@ -6295,27 +6319,27 @@
               </a:lnSpc>
             </a:pPr>
             <a:r>
-              <a:rPr b="0" lang="en-US" sz="1800" spc="-1" strike="noStrike">
+              <a:rPr lang="en-US" sz="1800" b="0" strike="noStrike" spc="-1">
                 <a:solidFill>
                   <a:srgbClr val="000000"/>
                 </a:solidFill>
-                <a:latin typeface="Arial"/>
-                <a:ea typeface="AR PL SungtiL GB"/>
+                <a:latin typeface="Arial" panose="020B0604020202020204"/>
+                <a:ea typeface="AR PL SungtiL GB" panose="02010600030101010101" charset="-122"/>
               </a:rPr>
               <a:t>T - T</a:t>
             </a:r>
             <a:r>
-              <a:rPr b="0" lang="en-US" sz="1300" spc="-1" strike="noStrike">
+              <a:rPr lang="en-US" sz="1300" b="0" strike="noStrike" spc="-1">
                 <a:solidFill>
                   <a:srgbClr val="000000"/>
                 </a:solidFill>
-                <a:latin typeface="Arial"/>
-                <a:ea typeface="AR PL SungtiL GB"/>
+                <a:latin typeface="Arial" panose="020B0604020202020204"/>
+                <a:ea typeface="AR PL SungtiL GB" panose="02010600030101010101" charset="-122"/>
               </a:rPr>
               <a:t>before</a:t>
             </a:r>
-            <a:endParaRPr b="0" lang="en-US" sz="1300" spc="-1" strike="noStrike">
-              <a:latin typeface="Arial"/>
+            <a:endParaRPr lang="en-US" sz="1300" b="0" strike="noStrike" spc="-1">
+              <a:latin typeface="Arial" panose="020B0604020202020204"/>
             </a:endParaRPr>
           </a:p>
         </p:txBody>
@@ -6340,9 +6364,15 @@
           </a:ln>
         </p:spPr>
         <p:style>
-          <a:lnRef idx="0"/>
-          <a:fillRef idx="0"/>
-          <a:effectRef idx="0"/>
+          <a:lnRef idx="0">
+            <a:srgbClr val="FFFFFF"/>
+          </a:lnRef>
+          <a:fillRef idx="0">
+            <a:srgbClr val="FFFFFF"/>
+          </a:fillRef>
+          <a:effectRef idx="0">
+            <a:srgbClr val="FFFFFF"/>
+          </a:effectRef>
           <a:fontRef idx="minor"/>
         </p:style>
       </p:sp>
@@ -6364,13 +6394,19 @@
             <a:solidFill>
               <a:srgbClr val="000000"/>
             </a:solidFill>
-            <a:headEnd len="med" type="triangle" w="med"/>
+            <a:headEnd type="triangle" w="med" len="med"/>
           </a:ln>
         </p:spPr>
         <p:style>
-          <a:lnRef idx="0"/>
-          <a:fillRef idx="0"/>
-          <a:effectRef idx="0"/>
+          <a:lnRef idx="0">
+            <a:srgbClr val="FFFFFF"/>
+          </a:lnRef>
+          <a:fillRef idx="0">
+            <a:srgbClr val="FFFFFF"/>
+          </a:fillRef>
+          <a:effectRef idx="0">
+            <a:srgbClr val="FFFFFF"/>
+          </a:effectRef>
           <a:fontRef idx="minor"/>
         </p:style>
       </p:sp>
@@ -6395,9 +6431,15 @@
           </a:ln>
         </p:spPr>
         <p:style>
-          <a:lnRef idx="0"/>
-          <a:fillRef idx="0"/>
-          <a:effectRef idx="0"/>
+          <a:lnRef idx="0">
+            <a:srgbClr val="FFFFFF"/>
+          </a:lnRef>
+          <a:fillRef idx="0">
+            <a:srgbClr val="FFFFFF"/>
+          </a:fillRef>
+          <a:effectRef idx="0">
+            <a:srgbClr val="FFFFFF"/>
+          </a:effectRef>
           <a:fontRef idx="minor"/>
         </p:style>
       </p:sp>
@@ -6422,9 +6464,15 @@
           </a:ln>
         </p:spPr>
         <p:style>
-          <a:lnRef idx="0"/>
-          <a:fillRef idx="0"/>
-          <a:effectRef idx="0"/>
+          <a:lnRef idx="0">
+            <a:srgbClr val="FFFFFF"/>
+          </a:lnRef>
+          <a:fillRef idx="0">
+            <a:srgbClr val="FFFFFF"/>
+          </a:fillRef>
+          <a:effectRef idx="0">
+            <a:srgbClr val="FFFFFF"/>
+          </a:effectRef>
           <a:fontRef idx="minor"/>
         </p:style>
       </p:sp>
@@ -6449,9 +6497,15 @@
           </a:ln>
         </p:spPr>
         <p:style>
-          <a:lnRef idx="0"/>
-          <a:fillRef idx="0"/>
-          <a:effectRef idx="0"/>
+          <a:lnRef idx="0">
+            <a:srgbClr val="FFFFFF"/>
+          </a:lnRef>
+          <a:fillRef idx="0">
+            <a:srgbClr val="FFFFFF"/>
+          </a:fillRef>
+          <a:effectRef idx="0">
+            <a:srgbClr val="FFFFFF"/>
+          </a:effectRef>
           <a:fontRef idx="minor"/>
         </p:style>
       </p:sp>
@@ -6476,9 +6530,15 @@
           </a:ln>
         </p:spPr>
         <p:style>
-          <a:lnRef idx="0"/>
-          <a:fillRef idx="0"/>
-          <a:effectRef idx="0"/>
+          <a:lnRef idx="0">
+            <a:srgbClr val="FFFFFF"/>
+          </a:lnRef>
+          <a:fillRef idx="0">
+            <a:srgbClr val="FFFFFF"/>
+          </a:fillRef>
+          <a:effectRef idx="0">
+            <a:srgbClr val="FFFFFF"/>
+          </a:effectRef>
           <a:fontRef idx="minor"/>
         </p:style>
       </p:sp>
@@ -6498,16 +6558,22 @@
           </a:prstGeom>
           <a:ln>
             <a:solidFill>
-              <a:srgbClr val="3465a4"/>
+              <a:srgbClr val="3465A4"/>
             </a:solidFill>
-            <a:headEnd len="med" type="triangle" w="med"/>
-            <a:tailEnd len="med" type="triangle" w="med"/>
+            <a:headEnd type="triangle" w="med" len="med"/>
+            <a:tailEnd type="triangle" w="med" len="med"/>
           </a:ln>
         </p:spPr>
         <p:style>
-          <a:lnRef idx="0"/>
-          <a:fillRef idx="0"/>
-          <a:effectRef idx="0"/>
+          <a:lnRef idx="0">
+            <a:srgbClr val="FFFFFF"/>
+          </a:lnRef>
+          <a:fillRef idx="0">
+            <a:srgbClr val="FFFFFF"/>
+          </a:fillRef>
+          <a:effectRef idx="0">
+            <a:srgbClr val="FFFFFF"/>
+          </a:effectRef>
           <a:fontRef idx="minor"/>
         </p:style>
       </p:sp>
@@ -6527,16 +6593,22 @@
           </a:prstGeom>
           <a:ln>
             <a:solidFill>
-              <a:srgbClr val="3465a4"/>
+              <a:srgbClr val="3465A4"/>
             </a:solidFill>
-            <a:headEnd len="med" type="triangle" w="med"/>
-            <a:tailEnd len="med" type="triangle" w="med"/>
+            <a:headEnd type="triangle" w="med" len="med"/>
+            <a:tailEnd type="triangle" w="med" len="med"/>
           </a:ln>
         </p:spPr>
         <p:style>
-          <a:lnRef idx="0"/>
-          <a:fillRef idx="0"/>
-          <a:effectRef idx="0"/>
+          <a:lnRef idx="0">
+            <a:srgbClr val="FFFFFF"/>
+          </a:lnRef>
+          <a:fillRef idx="0">
+            <a:srgbClr val="FFFFFF"/>
+          </a:fillRef>
+          <a:effectRef idx="0">
+            <a:srgbClr val="FFFFFF"/>
+          </a:effectRef>
           <a:fontRef idx="minor"/>
         </p:style>
       </p:sp>
@@ -6557,16 +6629,22 @@
             </a:avLst>
           </a:prstGeom>
           <a:solidFill>
-            <a:srgbClr val="9d85be"/>
+            <a:srgbClr val="9D85BE"/>
           </a:solidFill>
           <a:ln>
             <a:noFill/>
           </a:ln>
         </p:spPr>
         <p:style>
-          <a:lnRef idx="0"/>
-          <a:fillRef idx="0"/>
-          <a:effectRef idx="0"/>
+          <a:lnRef idx="0">
+            <a:srgbClr val="FFFFFF"/>
+          </a:lnRef>
+          <a:fillRef idx="0">
+            <a:srgbClr val="FFFFFF"/>
+          </a:fillRef>
+          <a:effectRef idx="0">
+            <a:srgbClr val="FFFFFF"/>
+          </a:effectRef>
           <a:fontRef idx="minor"/>
         </p:style>
       </p:sp>
@@ -6588,42 +6666,31 @@
             <a:solidFill>
               <a:srgbClr val="000000"/>
             </a:solidFill>
-            <a:tailEnd len="med" type="triangle" w="med"/>
+            <a:tailEnd type="triangle" w="med" len="med"/>
           </a:ln>
         </p:spPr>
         <p:style>
-          <a:lnRef idx="0"/>
-          <a:fillRef idx="0"/>
-          <a:effectRef idx="0"/>
+          <a:lnRef idx="0">
+            <a:srgbClr val="FFFFFF"/>
+          </a:lnRef>
+          <a:fillRef idx="0">
+            <a:srgbClr val="FFFFFF"/>
+          </a:fillRef>
+          <a:effectRef idx="0">
+            <a:srgbClr val="FFFFFF"/>
+          </a:effectRef>
           <a:fontRef idx="minor"/>
         </p:style>
       </p:sp>
     </p:spTree>
   </p:cSld>
+  <p:clrMapOvr>
+    <a:masterClrMapping/>
+  </p:clrMapOvr>
   <p:timing>
     <p:tnLst>
       <p:par>
-        <p:cTn id="3" dur="indefinite" restart="never" nodeType="tmRoot">
-          <p:childTnLst>
-            <p:seq>
-              <p:cTn id="4" dur="indefinite" nodeType="mainSeq"/>
-              <p:prevCondLst>
-                <p:cond delay="0" evt="onPrev">
-                  <p:tgtEl>
-                    <p:sldTgt/>
-                  </p:tgtEl>
-                </p:cond>
-              </p:prevCondLst>
-              <p:nextCondLst>
-                <p:cond delay="0" evt="onNext">
-                  <p:tgtEl>
-                    <p:sldTgt/>
-                  </p:tgtEl>
-                </p:cond>
-              </p:nextCondLst>
-            </p:seq>
-          </p:childTnLst>
-        </p:cTn>
+        <p:cTn id="1" dur="indefinite" restart="never" nodeType="tmRoot"/>
       </p:par>
     </p:tnLst>
   </p:timing>
@@ -6631,7 +6698,7 @@
 </file>
 
 <file path=ppt/slides/slide3.xml><?xml version="1.0" encoding="utf-8"?>
-<p:sld xmlns:a="http://schemas.openxmlformats.org/drawingml/2006/main" xmlns:p="http://schemas.openxmlformats.org/presentationml/2006/main" xmlns:r="http://schemas.openxmlformats.org/officeDocument/2006/relationships" xmlns:p14="http://schemas.microsoft.com/office/powerpoint/2010/main" xmlns:p15="http://schemas.microsoft.com/office/powerpoint/2012/main" xmlns:mc="http://schemas.openxmlformats.org/markup-compatibility/2006">
+<p:sld xmlns:a="http://schemas.openxmlformats.org/drawingml/2006/main" xmlns:r="http://schemas.openxmlformats.org/officeDocument/2006/relationships" xmlns:p="http://schemas.openxmlformats.org/presentationml/2006/main">
   <p:cSld>
     <p:spTree>
       <p:nvGrpSpPr>
@@ -6667,13 +6734,19 @@
           </a:ln>
         </p:spPr>
         <p:style>
-          <a:lnRef idx="0"/>
-          <a:fillRef idx="0"/>
-          <a:effectRef idx="0"/>
+          <a:lnRef idx="0">
+            <a:srgbClr val="FFFFFF"/>
+          </a:lnRef>
+          <a:fillRef idx="0">
+            <a:srgbClr val="FFFFFF"/>
+          </a:fillRef>
+          <a:effectRef idx="0">
+            <a:srgbClr val="FFFFFF"/>
+          </a:effectRef>
           <a:fontRef idx="minor"/>
         </p:style>
         <p:txBody>
-          <a:bodyPr lIns="0" rIns="0" tIns="0" bIns="0" anchor="ctr"/>
+          <a:bodyPr lIns="0" tIns="0" rIns="0" bIns="0" anchor="ctr"/>
           <a:p>
             <a:pPr>
               <a:lnSpc>
@@ -6681,17 +6754,17 @@
               </a:lnSpc>
             </a:pPr>
             <a:r>
-              <a:rPr b="0" lang="en-US" sz="4000" spc="-1" strike="noStrike">
+              <a:rPr lang="en-US" sz="4000" b="0" strike="noStrike" spc="-1">
                 <a:solidFill>
                   <a:srgbClr val="000000"/>
                 </a:solidFill>
                 <a:latin typeface="Calibri"/>
-                <a:ea typeface="DejaVu Sans"/>
+                <a:ea typeface="DejaVu Sans" panose="020B0603030804020204"/>
               </a:rPr>
               <a:t>Особенности задачи</a:t>
             </a:r>
-            <a:endParaRPr b="0" lang="en-US" sz="4000" spc="-1" strike="noStrike">
-              <a:latin typeface="Arial"/>
+            <a:endParaRPr lang="en-US" sz="4000" b="0" strike="noStrike" spc="-1">
+              <a:latin typeface="Arial" panose="020B0604020202020204"/>
             </a:endParaRPr>
           </a:p>
         </p:txBody>
@@ -6716,42 +6789,48 @@
           </a:ln>
         </p:spPr>
         <p:style>
-          <a:lnRef idx="0"/>
-          <a:fillRef idx="0"/>
-          <a:effectRef idx="0"/>
+          <a:lnRef idx="0">
+            <a:srgbClr val="FFFFFF"/>
+          </a:lnRef>
+          <a:fillRef idx="0">
+            <a:srgbClr val="FFFFFF"/>
+          </a:fillRef>
+          <a:effectRef idx="0">
+            <a:srgbClr val="FFFFFF"/>
+          </a:effectRef>
           <a:fontRef idx="minor"/>
         </p:style>
         <p:txBody>
-          <a:bodyPr lIns="0" rIns="0" tIns="0" bIns="0">
+          <a:bodyPr lIns="0" tIns="0" rIns="0" bIns="0">
             <a:normAutofit/>
           </a:bodyPr>
           <a:p>
-            <a:pPr marL="432000" indent="-321840">
+            <a:pPr marL="431800" indent="-321945">
               <a:lnSpc>
                 <a:spcPct val="100000"/>
               </a:lnSpc>
               <a:spcBef>
-                <a:spcPts val="1417"/>
+                <a:spcPts val="1415"/>
               </a:spcBef>
               <a:buClr>
                 <a:srgbClr val="000000"/>
               </a:buClr>
               <a:buSzPct val="45000"/>
-              <a:buFont typeface="Wingdings" charset="2"/>
+              <a:buFont typeface="Wingdings" panose="05000000000000000000" pitchFamily="2" charset="2"/>
               <a:buChar char=""/>
             </a:pPr>
             <a:r>
-              <a:rPr b="0" lang="en-US" sz="3200" spc="-1" strike="noStrike">
+              <a:rPr lang="en-US" sz="3200" b="0" strike="noStrike" spc="-1">
                 <a:solidFill>
                   <a:srgbClr val="000000"/>
                 </a:solidFill>
                 <a:latin typeface="Calibri"/>
-                <a:ea typeface="DejaVu Sans"/>
+                <a:ea typeface="DejaVu Sans" panose="020B0603030804020204"/>
               </a:rPr>
               <a:t>Несбалансированные данные</a:t>
             </a:r>
-            <a:endParaRPr b="0" lang="en-US" sz="3200" spc="-1" strike="noStrike">
-              <a:latin typeface="Arial"/>
+            <a:endParaRPr lang="en-US" sz="3200" b="0" strike="noStrike" spc="-1">
+              <a:latin typeface="Arial" panose="020B0604020202020204"/>
             </a:endParaRPr>
           </a:p>
         </p:txBody>
@@ -6776,13 +6855,19 @@
           </a:ln>
         </p:spPr>
         <p:style>
-          <a:lnRef idx="0"/>
-          <a:fillRef idx="0"/>
-          <a:effectRef idx="0"/>
+          <a:lnRef idx="0">
+            <a:srgbClr val="FFFFFF"/>
+          </a:lnRef>
+          <a:fillRef idx="0">
+            <a:srgbClr val="FFFFFF"/>
+          </a:fillRef>
+          <a:effectRef idx="0">
+            <a:srgbClr val="FFFFFF"/>
+          </a:effectRef>
           <a:fontRef idx="minor"/>
         </p:style>
         <p:txBody>
-          <a:bodyPr lIns="90000" rIns="90000" tIns="45000" bIns="45000"/>
+          <a:bodyPr lIns="90000" tIns="45000" rIns="90000" bIns="45000"/>
           <a:p>
             <a:pPr>
               <a:lnSpc>
@@ -6790,27 +6875,17 @@
               </a:lnSpc>
             </a:pPr>
             <a:r>
-              <a:rPr b="0" lang="en-US" sz="1800" spc="-1" strike="noStrike">
+              <a:rPr lang="en-US" sz="1800" b="0" strike="noStrike" spc="-1">
                 <a:solidFill>
                   <a:srgbClr val="000000"/>
                 </a:solidFill>
-                <a:latin typeface="Arial"/>
-                <a:ea typeface="DejaVu Sans"/>
+                <a:latin typeface="Arial" panose="020B0604020202020204"/>
+                <a:ea typeface="DejaVu Sans" panose="020B0603030804020204"/>
               </a:rPr>
-              <a:t>– </a:t>
+              <a:t>– Кол-во землетрясений с амплитудой больше порога еще меньше. </a:t>
             </a:r>
-            <a:r>
-              <a:rPr b="0" lang="en-US" sz="1800" spc="-1" strike="noStrike">
-                <a:solidFill>
-                  <a:srgbClr val="000000"/>
-                </a:solidFill>
-                <a:latin typeface="Arial"/>
-                <a:ea typeface="DejaVu Sans"/>
-              </a:rPr>
-              <a:t>Кол-во землетрясений с амплитудой больше порога еще меньше. </a:t>
-            </a:r>
-            <a:endParaRPr b="0" lang="en-US" sz="1800" spc="-1" strike="noStrike">
-              <a:latin typeface="Arial"/>
+            <a:endParaRPr lang="en-US" sz="1800" b="0" strike="noStrike" spc="-1">
+              <a:latin typeface="Arial" panose="020B0604020202020204"/>
             </a:endParaRPr>
           </a:p>
         </p:txBody>
@@ -6830,16 +6905,22 @@
             <a:avLst/>
           </a:prstGeom>
           <a:solidFill>
-            <a:srgbClr val="ffffff"/>
+            <a:srgbClr val="FFFFFF"/>
           </a:solidFill>
           <a:ln>
             <a:noFill/>
           </a:ln>
         </p:spPr>
         <p:style>
-          <a:lnRef idx="0"/>
-          <a:fillRef idx="0"/>
-          <a:effectRef idx="0"/>
+          <a:lnRef idx="0">
+            <a:srgbClr val="FFFFFF"/>
+          </a:lnRef>
+          <a:fillRef idx="0">
+            <a:srgbClr val="FFFFFF"/>
+          </a:fillRef>
+          <a:effectRef idx="0">
+            <a:srgbClr val="FFFFFF"/>
+          </a:effectRef>
           <a:fontRef idx="minor"/>
         </p:style>
       </p:sp>
@@ -6858,16 +6939,22 @@
             <a:avLst/>
           </a:prstGeom>
           <a:solidFill>
-            <a:srgbClr val="ffffff"/>
+            <a:srgbClr val="FFFFFF"/>
           </a:solidFill>
           <a:ln>
             <a:noFill/>
           </a:ln>
         </p:spPr>
         <p:style>
-          <a:lnRef idx="0"/>
-          <a:fillRef idx="0"/>
-          <a:effectRef idx="0"/>
+          <a:lnRef idx="0">
+            <a:srgbClr val="FFFFFF"/>
+          </a:lnRef>
+          <a:fillRef idx="0">
+            <a:srgbClr val="FFFFFF"/>
+          </a:fillRef>
+          <a:effectRef idx="0">
+            <a:srgbClr val="FFFFFF"/>
+          </a:effectRef>
           <a:fontRef idx="minor"/>
         </p:style>
       </p:sp>
@@ -6891,13 +6978,19 @@
           </a:ln>
         </p:spPr>
         <p:style>
-          <a:lnRef idx="0"/>
-          <a:fillRef idx="0"/>
-          <a:effectRef idx="0"/>
+          <a:lnRef idx="0">
+            <a:srgbClr val="FFFFFF"/>
+          </a:lnRef>
+          <a:fillRef idx="0">
+            <a:srgbClr val="FFFFFF"/>
+          </a:fillRef>
+          <a:effectRef idx="0">
+            <a:srgbClr val="FFFFFF"/>
+          </a:effectRef>
           <a:fontRef idx="minor"/>
         </p:style>
         <p:txBody>
-          <a:bodyPr lIns="90000" rIns="90000" tIns="45000" bIns="45000"/>
+          <a:bodyPr lIns="90000" tIns="45000" rIns="90000" bIns="45000"/>
           <a:p>
             <a:pPr>
               <a:lnSpc>
@@ -6905,27 +6998,17 @@
               </a:lnSpc>
             </a:pPr>
             <a:r>
-              <a:rPr b="0" lang="en-US" sz="1800" spc="-1" strike="noStrike">
+              <a:rPr lang="en-US" sz="1800" b="0" strike="noStrike" spc="-1">
                 <a:solidFill>
                   <a:srgbClr val="000000"/>
                 </a:solidFill>
-                <a:latin typeface="Arial"/>
-                <a:ea typeface="DejaVu Sans"/>
+                <a:latin typeface="Arial" panose="020B0604020202020204"/>
+                <a:ea typeface="DejaVu Sans" panose="020B0603030804020204"/>
               </a:rPr>
-              <a:t>– </a:t>
+              <a:t>– В среднем каждый день случается ~ 25.8 землетрясений с амплитудой   &gt; 2.5 по шкале Рихтера (изучаемый класс ~ 0.064% от выборки)</a:t>
             </a:r>
-            <a:r>
-              <a:rPr b="0" lang="en-US" sz="1800" spc="-1" strike="noStrike">
-                <a:solidFill>
-                  <a:srgbClr val="000000"/>
-                </a:solidFill>
-                <a:latin typeface="Arial"/>
-                <a:ea typeface="DejaVu Sans"/>
-              </a:rPr>
-              <a:t>В среднем каждый день случается ~ 25.8 землетрясений с амплитудой   &gt; 2.5 по шкале Рихтера (изучаемый класс ~ 0.064% от выборки)</a:t>
-            </a:r>
-            <a:endParaRPr b="0" lang="en-US" sz="1800" spc="-1" strike="noStrike">
-              <a:latin typeface="Arial"/>
+            <a:endParaRPr lang="en-US" sz="1800" b="0" strike="noStrike" spc="-1">
+              <a:latin typeface="Arial" panose="020B0604020202020204"/>
             </a:endParaRPr>
           </a:p>
         </p:txBody>
@@ -6945,16 +7028,22 @@
             <a:avLst/>
           </a:prstGeom>
           <a:solidFill>
-            <a:srgbClr val="ffffff"/>
+            <a:srgbClr val="FFFFFF"/>
           </a:solidFill>
           <a:ln>
             <a:noFill/>
           </a:ln>
         </p:spPr>
         <p:style>
-          <a:lnRef idx="0"/>
-          <a:fillRef idx="0"/>
-          <a:effectRef idx="0"/>
+          <a:lnRef idx="0">
+            <a:srgbClr val="FFFFFF"/>
+          </a:lnRef>
+          <a:fillRef idx="0">
+            <a:srgbClr val="FFFFFF"/>
+          </a:fillRef>
+          <a:effectRef idx="0">
+            <a:srgbClr val="FFFFFF"/>
+          </a:effectRef>
           <a:fontRef idx="minor"/>
         </p:style>
       </p:sp>
@@ -6978,47 +7067,53 @@
           </a:ln>
         </p:spPr>
         <p:style>
-          <a:lnRef idx="0"/>
-          <a:fillRef idx="0"/>
-          <a:effectRef idx="0"/>
+          <a:lnRef idx="0">
+            <a:srgbClr val="FFFFFF"/>
+          </a:lnRef>
+          <a:fillRef idx="0">
+            <a:srgbClr val="FFFFFF"/>
+          </a:fillRef>
+          <a:effectRef idx="0">
+            <a:srgbClr val="FFFFFF"/>
+          </a:effectRef>
           <a:fontRef idx="minor"/>
         </p:style>
         <p:txBody>
-          <a:bodyPr lIns="90000" rIns="90000" tIns="45000" bIns="45000"/>
-          <a:p>
-            <a:pPr marL="432000" indent="-321840">
+          <a:bodyPr lIns="90000" tIns="45000" rIns="90000" bIns="45000"/>
+          <a:p>
+            <a:pPr marL="431800" indent="-321945">
               <a:lnSpc>
                 <a:spcPct val="100000"/>
               </a:lnSpc>
               <a:spcBef>
-                <a:spcPts val="1417"/>
+                <a:spcPts val="1415"/>
               </a:spcBef>
               <a:buClr>
                 <a:srgbClr val="000000"/>
               </a:buClr>
               <a:buSzPct val="45000"/>
-              <a:buFont typeface="Wingdings" charset="2"/>
+              <a:buFont typeface="Wingdings" panose="05000000000000000000" pitchFamily="2" charset="2"/>
               <a:buChar char=""/>
             </a:pPr>
             <a:r>
-              <a:rPr b="0" lang="en-US" sz="3200" spc="-1" strike="noStrike">
+              <a:rPr lang="en-US" sz="3200" b="0" strike="noStrike" spc="-1">
                 <a:solidFill>
                   <a:srgbClr val="000000"/>
                 </a:solidFill>
                 <a:latin typeface="Calibri"/>
-                <a:ea typeface="DejaVu Sans"/>
+                <a:ea typeface="DejaVu Sans" panose="020B0603030804020204"/>
               </a:rPr>
               <a:t>Данные – временной ряд</a:t>
             </a:r>
-            <a:endParaRPr b="0" lang="en-US" sz="3200" spc="-1" strike="noStrike">
-              <a:latin typeface="Arial"/>
+            <a:endParaRPr lang="en-US" sz="3200" b="0" strike="noStrike" spc="-1">
+              <a:latin typeface="Arial" panose="020B0604020202020204"/>
             </a:endParaRPr>
           </a:p>
         </p:txBody>
       </p:sp>
       <p:graphicFrame>
         <p:nvGraphicFramePr>
-          <p:cNvPr id="116" name=""/>
+          <p:cNvPr id="116" name="Chart 115"/>
           <p:cNvGraphicFramePr/>
           <p:nvPr/>
         </p:nvGraphicFramePr>
@@ -7047,47 +7142,36 @@
             <a:avLst/>
           </a:prstGeom>
           <a:solidFill>
-            <a:srgbClr val="ffffff"/>
+            <a:srgbClr val="FFFFFF"/>
           </a:solidFill>
           <a:ln>
             <a:solidFill>
-              <a:srgbClr val="ffffff"/>
+              <a:srgbClr val="FFFFFF"/>
             </a:solidFill>
           </a:ln>
         </p:spPr>
         <p:style>
-          <a:lnRef idx="0"/>
-          <a:fillRef idx="0"/>
-          <a:effectRef idx="0"/>
+          <a:lnRef idx="0">
+            <a:srgbClr val="FFFFFF"/>
+          </a:lnRef>
+          <a:fillRef idx="0">
+            <a:srgbClr val="FFFFFF"/>
+          </a:fillRef>
+          <a:effectRef idx="0">
+            <a:srgbClr val="FFFFFF"/>
+          </a:effectRef>
           <a:fontRef idx="minor"/>
         </p:style>
       </p:sp>
     </p:spTree>
   </p:cSld>
+  <p:clrMapOvr>
+    <a:masterClrMapping/>
+  </p:clrMapOvr>
   <p:timing>
     <p:tnLst>
       <p:par>
-        <p:cTn id="5" dur="indefinite" restart="never" nodeType="tmRoot">
-          <p:childTnLst>
-            <p:seq>
-              <p:cTn id="6" dur="indefinite" nodeType="mainSeq"/>
-              <p:prevCondLst>
-                <p:cond delay="0" evt="onPrev">
-                  <p:tgtEl>
-                    <p:sldTgt/>
-                  </p:tgtEl>
-                </p:cond>
-              </p:prevCondLst>
-              <p:nextCondLst>
-                <p:cond delay="0" evt="onNext">
-                  <p:tgtEl>
-                    <p:sldTgt/>
-                  </p:tgtEl>
-                </p:cond>
-              </p:nextCondLst>
-            </p:seq>
-          </p:childTnLst>
-        </p:cTn>
+        <p:cTn id="1" dur="indefinite" restart="never" nodeType="tmRoot"/>
       </p:par>
     </p:tnLst>
   </p:timing>
@@ -7095,7 +7179,7 @@
 </file>
 
 <file path=ppt/slides/slide4.xml><?xml version="1.0" encoding="utf-8"?>
-<p:sld xmlns:a="http://schemas.openxmlformats.org/drawingml/2006/main" xmlns:p="http://schemas.openxmlformats.org/presentationml/2006/main" xmlns:r="http://schemas.openxmlformats.org/officeDocument/2006/relationships" xmlns:p14="http://schemas.microsoft.com/office/powerpoint/2010/main" xmlns:p15="http://schemas.microsoft.com/office/powerpoint/2012/main" xmlns:mc="http://schemas.openxmlformats.org/markup-compatibility/2006">
+<p:sld xmlns:a="http://schemas.openxmlformats.org/drawingml/2006/main" xmlns:r="http://schemas.openxmlformats.org/officeDocument/2006/relationships" xmlns:p="http://schemas.openxmlformats.org/presentationml/2006/main">
   <p:cSld>
     <p:spTree>
       <p:nvGrpSpPr>
@@ -7131,13 +7215,19 @@
           </a:ln>
         </p:spPr>
         <p:style>
-          <a:lnRef idx="0"/>
-          <a:fillRef idx="0"/>
-          <a:effectRef idx="0"/>
+          <a:lnRef idx="0">
+            <a:srgbClr val="FFFFFF"/>
+          </a:lnRef>
+          <a:fillRef idx="0">
+            <a:srgbClr val="FFFFFF"/>
+          </a:fillRef>
+          <a:effectRef idx="0">
+            <a:srgbClr val="FFFFFF"/>
+          </a:effectRef>
           <a:fontRef idx="minor"/>
         </p:style>
         <p:txBody>
-          <a:bodyPr lIns="0" rIns="0" tIns="0" bIns="0" anchor="ctr"/>
+          <a:bodyPr lIns="0" tIns="0" rIns="0" bIns="0" anchor="ctr"/>
           <a:p>
             <a:pPr algn="ctr">
               <a:lnSpc>
@@ -7145,47 +7235,30 @@
               </a:lnSpc>
             </a:pPr>
             <a:r>
-              <a:rPr b="0" lang="en-US" sz="9600" spc="-1" strike="noStrike">
+              <a:rPr lang="en-US" sz="9600" b="0" strike="noStrike" spc="-1">
                 <a:solidFill>
                   <a:srgbClr val="000000"/>
                 </a:solidFill>
                 <a:latin typeface="Calibri"/>
-                <a:ea typeface="DejaVu Sans"/>
+                <a:ea typeface="DejaVu Sans" panose="020B0603030804020204"/>
               </a:rPr>
               <a:t>Методы</a:t>
             </a:r>
-            <a:endParaRPr b="0" lang="en-US" sz="9600" spc="-1" strike="noStrike">
-              <a:latin typeface="Arial"/>
+            <a:endParaRPr lang="en-US" sz="9600" b="0" strike="noStrike" spc="-1">
+              <a:latin typeface="Arial" panose="020B0604020202020204"/>
             </a:endParaRPr>
           </a:p>
         </p:txBody>
       </p:sp>
     </p:spTree>
   </p:cSld>
+  <p:clrMapOvr>
+    <a:masterClrMapping/>
+  </p:clrMapOvr>
   <p:timing>
     <p:tnLst>
       <p:par>
-        <p:cTn id="7" dur="indefinite" restart="never" nodeType="tmRoot">
-          <p:childTnLst>
-            <p:seq>
-              <p:cTn id="8" dur="indefinite" nodeType="mainSeq"/>
-              <p:prevCondLst>
-                <p:cond delay="0" evt="onPrev">
-                  <p:tgtEl>
-                    <p:sldTgt/>
-                  </p:tgtEl>
-                </p:cond>
-              </p:prevCondLst>
-              <p:nextCondLst>
-                <p:cond delay="0" evt="onNext">
-                  <p:tgtEl>
-                    <p:sldTgt/>
-                  </p:tgtEl>
-                </p:cond>
-              </p:nextCondLst>
-            </p:seq>
-          </p:childTnLst>
-        </p:cTn>
+        <p:cTn id="1" dur="indefinite" restart="never" nodeType="tmRoot"/>
       </p:par>
     </p:tnLst>
   </p:timing>
@@ -7193,7 +7266,7 @@
 </file>
 
 <file path=ppt/slides/slide5.xml><?xml version="1.0" encoding="utf-8"?>
-<p:sld xmlns:a="http://schemas.openxmlformats.org/drawingml/2006/main" xmlns:p="http://schemas.openxmlformats.org/presentationml/2006/main" xmlns:r="http://schemas.openxmlformats.org/officeDocument/2006/relationships" xmlns:p14="http://schemas.microsoft.com/office/powerpoint/2010/main" xmlns:p15="http://schemas.microsoft.com/office/powerpoint/2012/main" xmlns:mc="http://schemas.openxmlformats.org/markup-compatibility/2006">
+<p:sld xmlns:a="http://schemas.openxmlformats.org/drawingml/2006/main" xmlns:r="http://schemas.openxmlformats.org/officeDocument/2006/relationships" xmlns:p="http://schemas.openxmlformats.org/presentationml/2006/main">
   <p:cSld>
     <p:spTree>
       <p:nvGrpSpPr>
@@ -7229,29 +7302,31 @@
           </a:ln>
         </p:spPr>
         <p:txBody>
-          <a:bodyPr lIns="90000" rIns="90000" tIns="45000" bIns="45000"/>
+          <a:bodyPr lIns="90000" tIns="45000" rIns="90000" bIns="45000"/>
           <a:p>
             <a:r>
-              <a:rPr b="0" lang="en-US" sz="2600" spc="-1" strike="noStrike">
-                <a:latin typeface="Arial"/>
+              <a:rPr lang="en-US" sz="2600" b="0" strike="noStrike" spc="-1">
+                <a:latin typeface="Arial" panose="020B0604020202020204"/>
               </a:rPr>
               <a:t>Convolution</a:t>
             </a:r>
-            <a:endParaRPr b="0" lang="en-US" sz="2600" spc="-1" strike="noStrike">
-              <a:latin typeface="Arial"/>
+            <a:endParaRPr lang="en-US" sz="2600" b="0" strike="noStrike" spc="-1">
+              <a:latin typeface="Arial" panose="020B0604020202020204"/>
             </a:endParaRPr>
           </a:p>
         </p:txBody>
       </p:sp>
       <p:pic>
         <p:nvPicPr>
-          <p:cNvPr id="120" name="" descr=""/>
+          <p:cNvPr id="120" name="Picture 119"/>
           <p:cNvPicPr/>
           <p:nvPr/>
         </p:nvPicPr>
         <p:blipFill>
           <a:blip r:embed="rId1"/>
-          <a:stretch/>
+          <a:stretch>
+            <a:fillRect/>
+          </a:stretch>
         </p:blipFill>
         <p:spPr>
           <a:xfrm>
@@ -7268,13 +7343,15 @@
       </p:pic>
       <p:pic>
         <p:nvPicPr>
-          <p:cNvPr id="121" name="" descr=""/>
+          <p:cNvPr id="121" name="Picture 120"/>
           <p:cNvPicPr/>
           <p:nvPr/>
         </p:nvPicPr>
         <p:blipFill>
           <a:blip r:embed="rId2"/>
-          <a:stretch/>
+          <a:stretch>
+            <a:fillRect/>
+          </a:stretch>
         </p:blipFill>
         <p:spPr>
           <a:xfrm>
@@ -7291,30 +7368,13 @@
       </p:pic>
     </p:spTree>
   </p:cSld>
+  <p:clrMapOvr>
+    <a:masterClrMapping/>
+  </p:clrMapOvr>
   <p:timing>
     <p:tnLst>
       <p:par>
-        <p:cTn id="9" dur="indefinite" restart="never" nodeType="tmRoot">
-          <p:childTnLst>
-            <p:seq>
-              <p:cTn id="10" dur="indefinite" nodeType="mainSeq"/>
-              <p:prevCondLst>
-                <p:cond delay="0" evt="onPrev">
-                  <p:tgtEl>
-                    <p:sldTgt/>
-                  </p:tgtEl>
-                </p:cond>
-              </p:prevCondLst>
-              <p:nextCondLst>
-                <p:cond delay="0" evt="onNext">
-                  <p:tgtEl>
-                    <p:sldTgt/>
-                  </p:tgtEl>
-                </p:cond>
-              </p:nextCondLst>
-            </p:seq>
-          </p:childTnLst>
-        </p:cTn>
+        <p:cTn id="1" dur="indefinite" restart="never" nodeType="tmRoot"/>
       </p:par>
     </p:tnLst>
   </p:timing>
@@ -7322,7 +7382,7 @@
 </file>
 
 <file path=ppt/slides/slide6.xml><?xml version="1.0" encoding="utf-8"?>
-<p:sld xmlns:a="http://schemas.openxmlformats.org/drawingml/2006/main" xmlns:p="http://schemas.openxmlformats.org/presentationml/2006/main" xmlns:r="http://schemas.openxmlformats.org/officeDocument/2006/relationships" xmlns:p14="http://schemas.microsoft.com/office/powerpoint/2010/main" xmlns:p15="http://schemas.microsoft.com/office/powerpoint/2012/main" xmlns:mc="http://schemas.openxmlformats.org/markup-compatibility/2006">
+<p:sld xmlns:a="http://schemas.openxmlformats.org/drawingml/2006/main" xmlns:r="http://schemas.openxmlformats.org/officeDocument/2006/relationships" xmlns:p="http://schemas.openxmlformats.org/presentationml/2006/main">
   <p:cSld>
     <p:spTree>
       <p:nvGrpSpPr>
@@ -7358,13 +7418,19 @@
           </a:ln>
         </p:spPr>
         <p:style>
-          <a:lnRef idx="0"/>
-          <a:fillRef idx="0"/>
-          <a:effectRef idx="0"/>
+          <a:lnRef idx="0">
+            <a:srgbClr val="FFFFFF"/>
+          </a:lnRef>
+          <a:fillRef idx="0">
+            <a:srgbClr val="FFFFFF"/>
+          </a:fillRef>
+          <a:effectRef idx="0">
+            <a:srgbClr val="FFFFFF"/>
+          </a:effectRef>
           <a:fontRef idx="minor"/>
         </p:style>
         <p:txBody>
-          <a:bodyPr lIns="0" rIns="0" tIns="0" bIns="0" anchor="ctr"/>
+          <a:bodyPr lIns="0" tIns="0" rIns="0" bIns="0" anchor="ctr"/>
           <a:p>
             <a:pPr>
               <a:lnSpc>
@@ -7372,17 +7438,17 @@
               </a:lnSpc>
             </a:pPr>
             <a:r>
-              <a:rPr b="0" lang="en-US" sz="3200" spc="-1" strike="noStrike">
+              <a:rPr lang="en-US" sz="3200" b="0" strike="noStrike" spc="-1">
                 <a:solidFill>
                   <a:srgbClr val="000000"/>
                 </a:solidFill>
                 <a:latin typeface="Calibri"/>
-                <a:ea typeface="DejaVu Sans"/>
+                <a:ea typeface="DejaVu Sans" panose="020B0603030804020204"/>
               </a:rPr>
               <a:t>Несколько блоков со свертками подряд</a:t>
             </a:r>
-            <a:endParaRPr b="0" lang="en-US" sz="3200" spc="-1" strike="noStrike">
-              <a:latin typeface="Arial"/>
+            <a:endParaRPr lang="en-US" sz="3200" b="0" strike="noStrike" spc="-1">
+              <a:latin typeface="Arial" panose="020B0604020202020204"/>
             </a:endParaRPr>
           </a:p>
         </p:txBody>
@@ -7407,13 +7473,19 @@
           </a:ln>
         </p:spPr>
         <p:style>
-          <a:lnRef idx="0"/>
-          <a:fillRef idx="0"/>
-          <a:effectRef idx="0"/>
+          <a:lnRef idx="0">
+            <a:srgbClr val="FFFFFF"/>
+          </a:lnRef>
+          <a:fillRef idx="0">
+            <a:srgbClr val="FFFFFF"/>
+          </a:fillRef>
+          <a:effectRef idx="0">
+            <a:srgbClr val="FFFFFF"/>
+          </a:effectRef>
           <a:fontRef idx="minor"/>
         </p:style>
         <p:txBody>
-          <a:bodyPr lIns="90000" rIns="90000" tIns="45000" bIns="45000"/>
+          <a:bodyPr lIns="90000" tIns="45000" rIns="90000" bIns="45000"/>
           <a:p>
             <a:pPr>
               <a:lnSpc>
@@ -7421,17 +7493,17 @@
               </a:lnSpc>
             </a:pPr>
             <a:r>
-              <a:rPr b="0" lang="en-US" sz="1800" spc="-1" strike="noStrike">
+              <a:rPr lang="en-US" sz="1800" b="0" strike="noStrike" spc="-1">
                 <a:solidFill>
                   <a:srgbClr val="000000"/>
                 </a:solidFill>
-                <a:latin typeface="Arial"/>
-                <a:ea typeface="DejaVu Sans"/>
+                <a:latin typeface="Arial" panose="020B0604020202020204"/>
+                <a:ea typeface="DejaVu Sans" panose="020B0603030804020204"/>
               </a:rPr>
               <a:t>Один блок:</a:t>
             </a:r>
-            <a:endParaRPr b="0" lang="en-US" sz="1800" spc="-1" strike="noStrike">
-              <a:latin typeface="Arial"/>
+            <a:endParaRPr lang="en-US" sz="1800" b="0" strike="noStrike" spc="-1">
+              <a:latin typeface="Arial" panose="020B0604020202020204"/>
             </a:endParaRPr>
           </a:p>
         </p:txBody>
@@ -7451,6 +7523,7 @@
             <a:avLst/>
             <a:gdLst/>
             <a:ahLst/>
+            <a:cxnLst/>
             <a:rect l="l" t="t" r="r" b="b"/>
             <a:pathLst>
               <a:path w="9146" h="2034">
@@ -7493,16 +7566,22 @@
             </a:pathLst>
           </a:custGeom>
           <a:solidFill>
-            <a:srgbClr val="f3715a"/>
+            <a:srgbClr val="F3715A"/>
           </a:solidFill>
           <a:ln>
             <a:noFill/>
           </a:ln>
         </p:spPr>
         <p:style>
-          <a:lnRef idx="0"/>
-          <a:fillRef idx="0"/>
-          <a:effectRef idx="0"/>
+          <a:lnRef idx="0">
+            <a:srgbClr val="FFFFFF"/>
+          </a:lnRef>
+          <a:fillRef idx="0">
+            <a:srgbClr val="FFFFFF"/>
+          </a:fillRef>
+          <a:effectRef idx="0">
+            <a:srgbClr val="FFFFFF"/>
+          </a:effectRef>
           <a:fontRef idx="minor"/>
         </p:style>
       </p:sp>
@@ -7526,13 +7605,19 @@
           </a:ln>
         </p:spPr>
         <p:style>
-          <a:lnRef idx="0"/>
-          <a:fillRef idx="0"/>
-          <a:effectRef idx="0"/>
+          <a:lnRef idx="0">
+            <a:srgbClr val="FFFFFF"/>
+          </a:lnRef>
+          <a:fillRef idx="0">
+            <a:srgbClr val="FFFFFF"/>
+          </a:fillRef>
+          <a:effectRef idx="0">
+            <a:srgbClr val="FFFFFF"/>
+          </a:effectRef>
           <a:fontRef idx="minor"/>
         </p:style>
         <p:txBody>
-          <a:bodyPr lIns="90000" rIns="90000" tIns="45000" bIns="45000"/>
+          <a:bodyPr lIns="90000" tIns="45000" rIns="90000" bIns="45000"/>
           <a:p>
             <a:pPr algn="ctr">
               <a:lnSpc>
@@ -7540,17 +7625,17 @@
               </a:lnSpc>
             </a:pPr>
             <a:r>
-              <a:rPr b="1" lang="en-US" sz="2200" spc="-1" strike="noStrike">
+              <a:rPr lang="en-US" sz="2200" b="1" strike="noStrike" spc="-1">
                 <a:solidFill>
                   <a:srgbClr val="000000"/>
                 </a:solidFill>
-                <a:latin typeface="Arial"/>
-                <a:ea typeface="DejaVu Sans"/>
+                <a:latin typeface="Arial" panose="020B0604020202020204"/>
+                <a:ea typeface="DejaVu Sans" panose="020B0603030804020204"/>
               </a:rPr>
               <a:t>Convolution</a:t>
             </a:r>
-            <a:endParaRPr b="0" lang="en-US" sz="2200" spc="-1" strike="noStrike">
-              <a:latin typeface="Arial"/>
+            <a:endParaRPr lang="en-US" sz="2200" b="0" strike="noStrike" spc="-1">
+              <a:latin typeface="Arial" panose="020B0604020202020204"/>
             </a:endParaRPr>
           </a:p>
         </p:txBody>
@@ -7570,6 +7655,7 @@
             <a:avLst/>
             <a:gdLst/>
             <a:ahLst/>
+            <a:cxnLst/>
             <a:rect l="l" t="t" r="r" b="b"/>
             <a:pathLst>
               <a:path w="9146" h="2034">
@@ -7612,16 +7698,22 @@
             </a:pathLst>
           </a:custGeom>
           <a:solidFill>
-            <a:srgbClr val="62a73b"/>
+            <a:srgbClr val="62A73B"/>
           </a:solidFill>
           <a:ln>
             <a:noFill/>
           </a:ln>
         </p:spPr>
         <p:style>
-          <a:lnRef idx="0"/>
-          <a:fillRef idx="0"/>
-          <a:effectRef idx="0"/>
+          <a:lnRef idx="0">
+            <a:srgbClr val="FFFFFF"/>
+          </a:lnRef>
+          <a:fillRef idx="0">
+            <a:srgbClr val="FFFFFF"/>
+          </a:fillRef>
+          <a:effectRef idx="0">
+            <a:srgbClr val="FFFFFF"/>
+          </a:effectRef>
           <a:fontRef idx="minor"/>
         </p:style>
       </p:sp>
@@ -7640,6 +7732,7 @@
             <a:avLst/>
             <a:gdLst/>
             <a:ahLst/>
+            <a:cxnLst/>
             <a:rect l="l" t="t" r="r" b="b"/>
             <a:pathLst>
               <a:path w="9146" h="1525">
@@ -7682,20 +7775,26 @@
             </a:pathLst>
           </a:custGeom>
           <a:solidFill>
-            <a:srgbClr val="59c5c7"/>
+            <a:srgbClr val="59C5C7"/>
           </a:solidFill>
           <a:ln>
             <a:noFill/>
           </a:ln>
         </p:spPr>
         <p:style>
-          <a:lnRef idx="0"/>
-          <a:fillRef idx="0"/>
-          <a:effectRef idx="0"/>
+          <a:lnRef idx="0">
+            <a:srgbClr val="FFFFFF"/>
+          </a:lnRef>
+          <a:fillRef idx="0">
+            <a:srgbClr val="FFFFFF"/>
+          </a:fillRef>
+          <a:effectRef idx="0">
+            <a:srgbClr val="FFFFFF"/>
+          </a:effectRef>
           <a:fontRef idx="minor"/>
         </p:style>
         <p:txBody>
-          <a:bodyPr wrap="none" lIns="90000" rIns="90000" tIns="45000" bIns="45000" anchor="ctr"/>
+          <a:bodyPr wrap="none" lIns="90000" tIns="45000" rIns="90000" bIns="45000" anchor="ctr"/>
           <a:p>
             <a:pPr algn="ctr">
               <a:lnSpc>
@@ -7703,17 +7802,17 @@
               </a:lnSpc>
             </a:pPr>
             <a:r>
-              <a:rPr b="0" lang="en-US" sz="1800" spc="-1" strike="noStrike">
+              <a:rPr lang="en-US" sz="1800" b="0" strike="noStrike" spc="-1">
                 <a:solidFill>
                   <a:srgbClr val="000000"/>
                 </a:solidFill>
-                <a:latin typeface="Arial"/>
-                <a:ea typeface="DejaVu Sans"/>
+                <a:latin typeface="Arial" panose="020B0604020202020204"/>
+                <a:ea typeface="DejaVu Sans" panose="020B0603030804020204"/>
               </a:rPr>
               <a:t>in_channels -&gt; 32</a:t>
             </a:r>
-            <a:endParaRPr b="0" lang="en-US" sz="1800" spc="-1" strike="noStrike">
-              <a:latin typeface="Arial"/>
+            <a:endParaRPr lang="en-US" sz="1800" b="0" strike="noStrike" spc="-1">
+              <a:latin typeface="Arial" panose="020B0604020202020204"/>
             </a:endParaRPr>
           </a:p>
         </p:txBody>
@@ -7733,6 +7832,7 @@
             <a:avLst/>
             <a:gdLst/>
             <a:ahLst/>
+            <a:cxnLst/>
             <a:rect l="l" t="t" r="r" b="b"/>
             <a:pathLst>
               <a:path w="9146" h="2034">
@@ -7775,16 +7875,22 @@
             </a:pathLst>
           </a:custGeom>
           <a:solidFill>
-            <a:srgbClr val="fff450"/>
+            <a:srgbClr val="FFF450"/>
           </a:solidFill>
           <a:ln>
             <a:noFill/>
           </a:ln>
         </p:spPr>
         <p:style>
-          <a:lnRef idx="0"/>
-          <a:fillRef idx="0"/>
-          <a:effectRef idx="0"/>
+          <a:lnRef idx="0">
+            <a:srgbClr val="FFFFFF"/>
+          </a:lnRef>
+          <a:fillRef idx="0">
+            <a:srgbClr val="FFFFFF"/>
+          </a:fillRef>
+          <a:effectRef idx="0">
+            <a:srgbClr val="FFFFFF"/>
+          </a:effectRef>
           <a:fontRef idx="minor"/>
         </p:style>
       </p:sp>
@@ -7803,6 +7909,7 @@
             <a:avLst/>
             <a:gdLst/>
             <a:ahLst/>
+            <a:cxnLst/>
             <a:rect l="l" t="t" r="r" b="b"/>
             <a:pathLst>
               <a:path w="9146" h="2034">
@@ -7845,16 +7952,22 @@
             </a:pathLst>
           </a:custGeom>
           <a:solidFill>
-            <a:srgbClr val="7477b8"/>
+            <a:srgbClr val="7477B8"/>
           </a:solidFill>
           <a:ln>
             <a:noFill/>
           </a:ln>
         </p:spPr>
         <p:style>
-          <a:lnRef idx="0"/>
-          <a:fillRef idx="0"/>
-          <a:effectRef idx="0"/>
+          <a:lnRef idx="0">
+            <a:srgbClr val="FFFFFF"/>
+          </a:lnRef>
+          <a:fillRef idx="0">
+            <a:srgbClr val="FFFFFF"/>
+          </a:fillRef>
+          <a:effectRef idx="0">
+            <a:srgbClr val="FFFFFF"/>
+          </a:effectRef>
           <a:fontRef idx="minor"/>
         </p:style>
       </p:sp>
@@ -7878,13 +7991,19 @@
           </a:ln>
         </p:spPr>
         <p:style>
-          <a:lnRef idx="0"/>
-          <a:fillRef idx="0"/>
-          <a:effectRef idx="0"/>
+          <a:lnRef idx="0">
+            <a:srgbClr val="FFFFFF"/>
+          </a:lnRef>
+          <a:fillRef idx="0">
+            <a:srgbClr val="FFFFFF"/>
+          </a:fillRef>
+          <a:effectRef idx="0">
+            <a:srgbClr val="FFFFFF"/>
+          </a:effectRef>
           <a:fontRef idx="minor"/>
         </p:style>
         <p:txBody>
-          <a:bodyPr lIns="90000" rIns="90000" tIns="45000" bIns="45000"/>
+          <a:bodyPr lIns="90000" tIns="45000" rIns="90000" bIns="45000"/>
           <a:p>
             <a:pPr>
               <a:lnSpc>
@@ -7892,17 +8011,17 @@
               </a:lnSpc>
             </a:pPr>
             <a:r>
-              <a:rPr b="1" lang="en-US" sz="2200" spc="-1" strike="noStrike">
+              <a:rPr lang="en-US" sz="2200" b="1" strike="noStrike" spc="-1">
                 <a:solidFill>
                   <a:srgbClr val="000000"/>
                 </a:solidFill>
-                <a:latin typeface="Arial"/>
-                <a:ea typeface="DejaVu Sans"/>
+                <a:latin typeface="Arial" panose="020B0604020202020204"/>
+                <a:ea typeface="DejaVu Sans" panose="020B0603030804020204"/>
               </a:rPr>
               <a:t>Batch Normalization</a:t>
             </a:r>
-            <a:endParaRPr b="0" lang="en-US" sz="2200" spc="-1" strike="noStrike">
-              <a:latin typeface="Arial"/>
+            <a:endParaRPr lang="en-US" sz="2200" b="0" strike="noStrike" spc="-1">
+              <a:latin typeface="Arial" panose="020B0604020202020204"/>
             </a:endParaRPr>
           </a:p>
         </p:txBody>
@@ -7927,13 +8046,19 @@
           </a:ln>
         </p:spPr>
         <p:style>
-          <a:lnRef idx="0"/>
-          <a:fillRef idx="0"/>
-          <a:effectRef idx="0"/>
+          <a:lnRef idx="0">
+            <a:srgbClr val="FFFFFF"/>
+          </a:lnRef>
+          <a:fillRef idx="0">
+            <a:srgbClr val="FFFFFF"/>
+          </a:fillRef>
+          <a:effectRef idx="0">
+            <a:srgbClr val="FFFFFF"/>
+          </a:effectRef>
           <a:fontRef idx="minor"/>
         </p:style>
         <p:txBody>
-          <a:bodyPr lIns="90000" rIns="90000" tIns="45000" bIns="45000"/>
+          <a:bodyPr lIns="90000" tIns="45000" rIns="90000" bIns="45000"/>
           <a:p>
             <a:pPr algn="ctr">
               <a:lnSpc>
@@ -7941,17 +8066,17 @@
               </a:lnSpc>
             </a:pPr>
             <a:r>
-              <a:rPr b="1" lang="en-US" sz="2200" spc="-1" strike="noStrike">
+              <a:rPr lang="en-US" sz="2200" b="1" strike="noStrike" spc="-1">
                 <a:solidFill>
                   <a:srgbClr val="000000"/>
                 </a:solidFill>
-                <a:latin typeface="Arial"/>
-                <a:ea typeface="DejaVu Sans"/>
+                <a:latin typeface="Arial" panose="020B0604020202020204"/>
+                <a:ea typeface="DejaVu Sans" panose="020B0603030804020204"/>
               </a:rPr>
               <a:t>ReLU</a:t>
             </a:r>
-            <a:endParaRPr b="0" lang="en-US" sz="2200" spc="-1" strike="noStrike">
-              <a:latin typeface="Arial"/>
+            <a:endParaRPr lang="en-US" sz="2200" b="0" strike="noStrike" spc="-1">
+              <a:latin typeface="Arial" panose="020B0604020202020204"/>
             </a:endParaRPr>
           </a:p>
         </p:txBody>
@@ -7976,13 +8101,19 @@
           </a:ln>
         </p:spPr>
         <p:style>
-          <a:lnRef idx="0"/>
-          <a:fillRef idx="0"/>
-          <a:effectRef idx="0"/>
+          <a:lnRef idx="0">
+            <a:srgbClr val="FFFFFF"/>
+          </a:lnRef>
+          <a:fillRef idx="0">
+            <a:srgbClr val="FFFFFF"/>
+          </a:fillRef>
+          <a:effectRef idx="0">
+            <a:srgbClr val="FFFFFF"/>
+          </a:effectRef>
           <a:fontRef idx="minor"/>
         </p:style>
         <p:txBody>
-          <a:bodyPr lIns="90000" rIns="90000" tIns="45000" bIns="45000"/>
+          <a:bodyPr lIns="90000" tIns="45000" rIns="90000" bIns="45000"/>
           <a:p>
             <a:pPr algn="ctr">
               <a:lnSpc>
@@ -7990,17 +8121,17 @@
               </a:lnSpc>
             </a:pPr>
             <a:r>
-              <a:rPr b="1" lang="en-US" sz="2200" spc="-1" strike="noStrike">
+              <a:rPr lang="en-US" sz="2200" b="1" strike="noStrike" spc="-1">
                 <a:solidFill>
                   <a:srgbClr val="000000"/>
                 </a:solidFill>
-                <a:latin typeface="Arial"/>
-                <a:ea typeface="DejaVu Sans"/>
+                <a:latin typeface="Arial" panose="020B0604020202020204"/>
+                <a:ea typeface="DejaVu Sans" panose="020B0603030804020204"/>
               </a:rPr>
               <a:t>MaxPool</a:t>
             </a:r>
-            <a:endParaRPr b="0" lang="en-US" sz="2200" spc="-1" strike="noStrike">
-              <a:latin typeface="Arial"/>
+            <a:endParaRPr lang="en-US" sz="2200" b="0" strike="noStrike" spc="-1">
+              <a:latin typeface="Arial" panose="020B0604020202020204"/>
             </a:endParaRPr>
           </a:p>
         </p:txBody>
@@ -8024,9 +8155,15 @@
           </a:ln>
         </p:spPr>
         <p:style>
-          <a:lnRef idx="0"/>
-          <a:fillRef idx="0"/>
-          <a:effectRef idx="0"/>
+          <a:lnRef idx="0">
+            <a:srgbClr val="FFFFFF"/>
+          </a:lnRef>
+          <a:fillRef idx="0">
+            <a:srgbClr val="FFFFFF"/>
+          </a:fillRef>
+          <a:effectRef idx="0">
+            <a:srgbClr val="FFFFFF"/>
+          </a:effectRef>
           <a:fontRef idx="minor"/>
         </p:style>
       </p:sp>
@@ -8049,9 +8186,15 @@
           </a:ln>
         </p:spPr>
         <p:style>
-          <a:lnRef idx="0"/>
-          <a:fillRef idx="0"/>
-          <a:effectRef idx="0"/>
+          <a:lnRef idx="0">
+            <a:srgbClr val="FFFFFF"/>
+          </a:lnRef>
+          <a:fillRef idx="0">
+            <a:srgbClr val="FFFFFF"/>
+          </a:fillRef>
+          <a:effectRef idx="0">
+            <a:srgbClr val="FFFFFF"/>
+          </a:effectRef>
           <a:fontRef idx="minor"/>
         </p:style>
       </p:sp>
@@ -8074,9 +8217,15 @@
           </a:ln>
         </p:spPr>
         <p:style>
-          <a:lnRef idx="0"/>
-          <a:fillRef idx="0"/>
-          <a:effectRef idx="0"/>
+          <a:lnRef idx="0">
+            <a:srgbClr val="FFFFFF"/>
+          </a:lnRef>
+          <a:fillRef idx="0">
+            <a:srgbClr val="FFFFFF"/>
+          </a:fillRef>
+          <a:effectRef idx="0">
+            <a:srgbClr val="FFFFFF"/>
+          </a:effectRef>
           <a:fontRef idx="minor"/>
         </p:style>
       </p:sp>
@@ -8100,13 +8249,19 @@
           </a:ln>
         </p:spPr>
         <p:style>
-          <a:lnRef idx="0"/>
-          <a:fillRef idx="0"/>
-          <a:effectRef idx="0"/>
+          <a:lnRef idx="0">
+            <a:srgbClr val="FFFFFF"/>
+          </a:lnRef>
+          <a:fillRef idx="0">
+            <a:srgbClr val="FFFFFF"/>
+          </a:fillRef>
+          <a:effectRef idx="0">
+            <a:srgbClr val="FFFFFF"/>
+          </a:effectRef>
           <a:fontRef idx="minor"/>
         </p:style>
         <p:txBody>
-          <a:bodyPr lIns="90000" rIns="90000" tIns="45000" bIns="45000"/>
+          <a:bodyPr lIns="90000" tIns="45000" rIns="90000" bIns="45000"/>
           <a:p>
             <a:pPr>
               <a:lnSpc>
@@ -8114,17 +8269,17 @@
               </a:lnSpc>
             </a:pPr>
             <a:r>
-              <a:rPr b="0" lang="en-US" sz="1800" spc="-1" strike="noStrike">
+              <a:rPr lang="en-US" sz="1800" b="0" strike="noStrike" spc="-1">
                 <a:solidFill>
                   <a:srgbClr val="000000"/>
                 </a:solidFill>
-                <a:latin typeface="Arial"/>
-                <a:ea typeface="DejaVu Sans"/>
+                <a:latin typeface="Arial" panose="020B0604020202020204"/>
+                <a:ea typeface="DejaVu Sans" panose="020B0603030804020204"/>
               </a:rPr>
               <a:t>Вся архитектура:</a:t>
             </a:r>
-            <a:endParaRPr b="0" lang="en-US" sz="1800" spc="-1" strike="noStrike">
-              <a:latin typeface="Arial"/>
+            <a:endParaRPr lang="en-US" sz="1800" b="0" strike="noStrike" spc="-1">
+              <a:latin typeface="Arial" panose="020B0604020202020204"/>
             </a:endParaRPr>
           </a:p>
         </p:txBody>
@@ -8144,6 +8299,7 @@
             <a:avLst/>
             <a:gdLst/>
             <a:ahLst/>
+            <a:cxnLst/>
             <a:rect l="l" t="t" r="r" b="b"/>
             <a:pathLst>
               <a:path w="9146" h="1525">
@@ -8186,20 +8342,26 @@
             </a:pathLst>
           </a:custGeom>
           <a:solidFill>
-            <a:srgbClr val="f37b70"/>
+            <a:srgbClr val="F37B70"/>
           </a:solidFill>
           <a:ln>
             <a:noFill/>
           </a:ln>
         </p:spPr>
         <p:style>
-          <a:lnRef idx="0"/>
-          <a:fillRef idx="0"/>
-          <a:effectRef idx="0"/>
+          <a:lnRef idx="0">
+            <a:srgbClr val="FFFFFF"/>
+          </a:lnRef>
+          <a:fillRef idx="0">
+            <a:srgbClr val="FFFFFF"/>
+          </a:fillRef>
+          <a:effectRef idx="0">
+            <a:srgbClr val="FFFFFF"/>
+          </a:effectRef>
           <a:fontRef idx="minor"/>
         </p:style>
         <p:txBody>
-          <a:bodyPr wrap="none" lIns="90000" rIns="90000" tIns="45000" bIns="45000" anchor="ctr"/>
+          <a:bodyPr wrap="none" lIns="90000" tIns="45000" rIns="90000" bIns="45000" anchor="ctr"/>
           <a:p>
             <a:pPr algn="ctr">
               <a:lnSpc>
@@ -8207,17 +8369,17 @@
               </a:lnSpc>
             </a:pPr>
             <a:r>
-              <a:rPr b="0" lang="en-US" sz="1800" spc="-1" strike="noStrike">
+              <a:rPr lang="en-US" sz="1800" b="0" strike="noStrike" spc="-1">
                 <a:solidFill>
                   <a:srgbClr val="000000"/>
                 </a:solidFill>
-                <a:latin typeface="Arial"/>
-                <a:ea typeface="DejaVu Sans"/>
+                <a:latin typeface="Arial" panose="020B0604020202020204"/>
+                <a:ea typeface="DejaVu Sans" panose="020B0603030804020204"/>
               </a:rPr>
               <a:t>SoftMax</a:t>
             </a:r>
-            <a:endParaRPr b="0" lang="en-US" sz="1800" spc="-1" strike="noStrike">
-              <a:latin typeface="Arial"/>
+            <a:endParaRPr lang="en-US" sz="1800" b="0" strike="noStrike" spc="-1">
+              <a:latin typeface="Arial" panose="020B0604020202020204"/>
             </a:endParaRPr>
           </a:p>
         </p:txBody>
@@ -8237,6 +8399,7 @@
             <a:avLst/>
             <a:gdLst/>
             <a:ahLst/>
+            <a:cxnLst/>
             <a:rect l="l" t="t" r="r" b="b"/>
             <a:pathLst>
               <a:path w="9146" h="1525">
@@ -8279,20 +8442,26 @@
             </a:pathLst>
           </a:custGeom>
           <a:solidFill>
-            <a:srgbClr val="59c5c7"/>
+            <a:srgbClr val="59C5C7"/>
           </a:solidFill>
           <a:ln>
             <a:noFill/>
           </a:ln>
         </p:spPr>
         <p:style>
-          <a:lnRef idx="0"/>
-          <a:fillRef idx="0"/>
-          <a:effectRef idx="0"/>
+          <a:lnRef idx="0">
+            <a:srgbClr val="FFFFFF"/>
+          </a:lnRef>
+          <a:fillRef idx="0">
+            <a:srgbClr val="FFFFFF"/>
+          </a:fillRef>
+          <a:effectRef idx="0">
+            <a:srgbClr val="FFFFFF"/>
+          </a:effectRef>
           <a:fontRef idx="minor"/>
         </p:style>
         <p:txBody>
-          <a:bodyPr wrap="none" lIns="90000" rIns="90000" tIns="45000" bIns="45000" anchor="ctr"/>
+          <a:bodyPr wrap="none" lIns="90000" tIns="45000" rIns="90000" bIns="45000" anchor="ctr"/>
           <a:p>
             <a:pPr algn="ctr">
               <a:lnSpc>
@@ -8300,17 +8469,17 @@
               </a:lnSpc>
             </a:pPr>
             <a:r>
-              <a:rPr b="0" lang="en-US" sz="1800" spc="-1" strike="noStrike">
+              <a:rPr lang="en-US" sz="1800" b="0" strike="noStrike" spc="-1">
                 <a:solidFill>
                   <a:srgbClr val="000000"/>
                 </a:solidFill>
-                <a:latin typeface="Arial"/>
-                <a:ea typeface="DejaVu Sans"/>
+                <a:latin typeface="Arial" panose="020B0604020202020204"/>
+                <a:ea typeface="DejaVu Sans" panose="020B0603030804020204"/>
               </a:rPr>
               <a:t>4 -&gt; 2</a:t>
             </a:r>
-            <a:endParaRPr b="0" lang="en-US" sz="1800" spc="-1" strike="noStrike">
-              <a:latin typeface="Arial"/>
+            <a:endParaRPr lang="en-US" sz="1800" b="0" strike="noStrike" spc="-1">
+              <a:latin typeface="Arial" panose="020B0604020202020204"/>
             </a:endParaRPr>
           </a:p>
         </p:txBody>
@@ -8330,6 +8499,7 @@
             <a:avLst/>
             <a:gdLst/>
             <a:ahLst/>
+            <a:cxnLst/>
             <a:rect l="l" t="t" r="r" b="b"/>
             <a:pathLst>
               <a:path w="9146" h="1525">
@@ -8372,20 +8542,26 @@
             </a:pathLst>
           </a:custGeom>
           <a:solidFill>
-            <a:srgbClr val="59c5c7"/>
+            <a:srgbClr val="59C5C7"/>
           </a:solidFill>
           <a:ln>
             <a:noFill/>
           </a:ln>
         </p:spPr>
         <p:style>
-          <a:lnRef idx="0"/>
-          <a:fillRef idx="0"/>
-          <a:effectRef idx="0"/>
+          <a:lnRef idx="0">
+            <a:srgbClr val="FFFFFF"/>
+          </a:lnRef>
+          <a:fillRef idx="0">
+            <a:srgbClr val="FFFFFF"/>
+          </a:fillRef>
+          <a:effectRef idx="0">
+            <a:srgbClr val="FFFFFF"/>
+          </a:effectRef>
           <a:fontRef idx="minor"/>
         </p:style>
         <p:txBody>
-          <a:bodyPr wrap="none" lIns="90000" rIns="90000" tIns="45000" bIns="45000" anchor="ctr"/>
+          <a:bodyPr wrap="none" lIns="90000" tIns="45000" rIns="90000" bIns="45000" anchor="ctr"/>
           <a:p>
             <a:pPr algn="ctr">
               <a:lnSpc>
@@ -8393,17 +8569,17 @@
               </a:lnSpc>
             </a:pPr>
             <a:r>
-              <a:rPr b="0" lang="en-US" sz="1800" spc="-1" strike="noStrike">
+              <a:rPr lang="en-US" sz="1800" b="0" strike="noStrike" spc="-1">
                 <a:solidFill>
                   <a:srgbClr val="000000"/>
                 </a:solidFill>
-                <a:latin typeface="Arial"/>
-                <a:ea typeface="DejaVu Sans"/>
+                <a:latin typeface="Arial" panose="020B0604020202020204"/>
+                <a:ea typeface="DejaVu Sans" panose="020B0603030804020204"/>
               </a:rPr>
               <a:t>8 -&gt; 4</a:t>
             </a:r>
-            <a:endParaRPr b="0" lang="en-US" sz="1800" spc="-1" strike="noStrike">
-              <a:latin typeface="Arial"/>
+            <a:endParaRPr lang="en-US" sz="1800" b="0" strike="noStrike" spc="-1">
+              <a:latin typeface="Arial" panose="020B0604020202020204"/>
             </a:endParaRPr>
           </a:p>
         </p:txBody>
@@ -8423,6 +8599,7 @@
             <a:avLst/>
             <a:gdLst/>
             <a:ahLst/>
+            <a:cxnLst/>
             <a:rect l="l" t="t" r="r" b="b"/>
             <a:pathLst>
               <a:path w="9146" h="1525">
@@ -8465,20 +8642,26 @@
             </a:pathLst>
           </a:custGeom>
           <a:solidFill>
-            <a:srgbClr val="59c5c7"/>
+            <a:srgbClr val="59C5C7"/>
           </a:solidFill>
           <a:ln>
             <a:noFill/>
           </a:ln>
         </p:spPr>
         <p:style>
-          <a:lnRef idx="0"/>
-          <a:fillRef idx="0"/>
-          <a:effectRef idx="0"/>
+          <a:lnRef idx="0">
+            <a:srgbClr val="FFFFFF"/>
+          </a:lnRef>
+          <a:fillRef idx="0">
+            <a:srgbClr val="FFFFFF"/>
+          </a:fillRef>
+          <a:effectRef idx="0">
+            <a:srgbClr val="FFFFFF"/>
+          </a:effectRef>
           <a:fontRef idx="minor"/>
         </p:style>
         <p:txBody>
-          <a:bodyPr wrap="none" lIns="90000" rIns="90000" tIns="45000" bIns="45000" anchor="ctr"/>
+          <a:bodyPr wrap="none" lIns="90000" tIns="45000" rIns="90000" bIns="45000" anchor="ctr"/>
           <a:p>
             <a:pPr algn="ctr">
               <a:lnSpc>
@@ -8486,17 +8669,17 @@
               </a:lnSpc>
             </a:pPr>
             <a:r>
-              <a:rPr b="0" lang="en-US" sz="1800" spc="-1" strike="noStrike">
+              <a:rPr lang="en-US" sz="1800" b="0" strike="noStrike" spc="-1">
                 <a:solidFill>
                   <a:srgbClr val="000000"/>
                 </a:solidFill>
-                <a:latin typeface="Arial"/>
-                <a:ea typeface="DejaVu Sans"/>
+                <a:latin typeface="Arial" panose="020B0604020202020204"/>
+                <a:ea typeface="DejaVu Sans" panose="020B0603030804020204"/>
               </a:rPr>
               <a:t>16 -&gt; 8</a:t>
             </a:r>
-            <a:endParaRPr b="0" lang="en-US" sz="1800" spc="-1" strike="noStrike">
-              <a:latin typeface="Arial"/>
+            <a:endParaRPr lang="en-US" sz="1800" b="0" strike="noStrike" spc="-1">
+              <a:latin typeface="Arial" panose="020B0604020202020204"/>
             </a:endParaRPr>
           </a:p>
         </p:txBody>
@@ -8516,6 +8699,7 @@
             <a:avLst/>
             <a:gdLst/>
             <a:ahLst/>
+            <a:cxnLst/>
             <a:rect l="l" t="t" r="r" b="b"/>
             <a:pathLst>
               <a:path w="9146" h="1525">
@@ -8558,20 +8742,26 @@
             </a:pathLst>
           </a:custGeom>
           <a:solidFill>
-            <a:srgbClr val="59c5c7"/>
+            <a:srgbClr val="59C5C7"/>
           </a:solidFill>
           <a:ln>
             <a:noFill/>
           </a:ln>
         </p:spPr>
         <p:style>
-          <a:lnRef idx="0"/>
-          <a:fillRef idx="0"/>
-          <a:effectRef idx="0"/>
+          <a:lnRef idx="0">
+            <a:srgbClr val="FFFFFF"/>
+          </a:lnRef>
+          <a:fillRef idx="0">
+            <a:srgbClr val="FFFFFF"/>
+          </a:fillRef>
+          <a:effectRef idx="0">
+            <a:srgbClr val="FFFFFF"/>
+          </a:effectRef>
           <a:fontRef idx="minor"/>
         </p:style>
         <p:txBody>
-          <a:bodyPr wrap="none" lIns="90000" rIns="90000" tIns="45000" bIns="45000" anchor="ctr"/>
+          <a:bodyPr wrap="none" lIns="90000" tIns="45000" rIns="90000" bIns="45000" anchor="ctr"/>
           <a:p>
             <a:pPr algn="ctr">
               <a:lnSpc>
@@ -8579,17 +8769,17 @@
               </a:lnSpc>
             </a:pPr>
             <a:r>
-              <a:rPr b="0" lang="en-US" sz="1800" spc="-1" strike="noStrike">
+              <a:rPr lang="en-US" sz="1800" b="0" strike="noStrike" spc="-1">
                 <a:solidFill>
                   <a:srgbClr val="000000"/>
                 </a:solidFill>
-                <a:latin typeface="Arial"/>
-                <a:ea typeface="DejaVu Sans"/>
+                <a:latin typeface="Arial" panose="020B0604020202020204"/>
+                <a:ea typeface="DejaVu Sans" panose="020B0603030804020204"/>
               </a:rPr>
               <a:t>32 -&gt; 16</a:t>
             </a:r>
-            <a:endParaRPr b="0" lang="en-US" sz="1800" spc="-1" strike="noStrike">
-              <a:latin typeface="Arial"/>
+            <a:endParaRPr lang="en-US" sz="1800" b="0" strike="noStrike" spc="-1">
+              <a:latin typeface="Arial" panose="020B0604020202020204"/>
             </a:endParaRPr>
           </a:p>
         </p:txBody>
@@ -8613,9 +8803,15 @@
           </a:ln>
         </p:spPr>
         <p:style>
-          <a:lnRef idx="0"/>
-          <a:fillRef idx="0"/>
-          <a:effectRef idx="0"/>
+          <a:lnRef idx="0">
+            <a:srgbClr val="FFFFFF"/>
+          </a:lnRef>
+          <a:fillRef idx="0">
+            <a:srgbClr val="FFFFFF"/>
+          </a:fillRef>
+          <a:effectRef idx="0">
+            <a:srgbClr val="FFFFFF"/>
+          </a:effectRef>
           <a:fontRef idx="minor"/>
         </p:style>
       </p:sp>
@@ -8638,9 +8834,15 @@
           </a:ln>
         </p:spPr>
         <p:style>
-          <a:lnRef idx="0"/>
-          <a:fillRef idx="0"/>
-          <a:effectRef idx="0"/>
+          <a:lnRef idx="0">
+            <a:srgbClr val="FFFFFF"/>
+          </a:lnRef>
+          <a:fillRef idx="0">
+            <a:srgbClr val="FFFFFF"/>
+          </a:fillRef>
+          <a:effectRef idx="0">
+            <a:srgbClr val="FFFFFF"/>
+          </a:effectRef>
           <a:fontRef idx="minor"/>
         </p:style>
       </p:sp>
@@ -8663,9 +8865,15 @@
           </a:ln>
         </p:spPr>
         <p:style>
-          <a:lnRef idx="0"/>
-          <a:fillRef idx="0"/>
-          <a:effectRef idx="0"/>
+          <a:lnRef idx="0">
+            <a:srgbClr val="FFFFFF"/>
+          </a:lnRef>
+          <a:fillRef idx="0">
+            <a:srgbClr val="FFFFFF"/>
+          </a:fillRef>
+          <a:effectRef idx="0">
+            <a:srgbClr val="FFFFFF"/>
+          </a:effectRef>
           <a:fontRef idx="minor"/>
         </p:style>
       </p:sp>
@@ -8688,9 +8896,15 @@
           </a:ln>
         </p:spPr>
         <p:style>
-          <a:lnRef idx="0"/>
-          <a:fillRef idx="0"/>
-          <a:effectRef idx="0"/>
+          <a:lnRef idx="0">
+            <a:srgbClr val="FFFFFF"/>
+          </a:lnRef>
+          <a:fillRef idx="0">
+            <a:srgbClr val="FFFFFF"/>
+          </a:fillRef>
+          <a:effectRef idx="0">
+            <a:srgbClr val="FFFFFF"/>
+          </a:effectRef>
           <a:fontRef idx="minor"/>
         </p:style>
       </p:sp>
@@ -8713,9 +8927,15 @@
           </a:ln>
         </p:spPr>
         <p:style>
-          <a:lnRef idx="0"/>
-          <a:fillRef idx="0"/>
-          <a:effectRef idx="0"/>
+          <a:lnRef idx="0">
+            <a:srgbClr val="FFFFFF"/>
+          </a:lnRef>
+          <a:fillRef idx="0">
+            <a:srgbClr val="FFFFFF"/>
+          </a:fillRef>
+          <a:effectRef idx="0">
+            <a:srgbClr val="FFFFFF"/>
+          </a:effectRef>
           <a:fontRef idx="minor"/>
         </p:style>
       </p:sp>
@@ -8737,13 +8957,19 @@
             <a:solidFill>
               <a:srgbClr val="000000"/>
             </a:solidFill>
-            <a:tailEnd len="med" type="triangle" w="med"/>
+            <a:tailEnd type="triangle" w="med" len="med"/>
           </a:ln>
         </p:spPr>
         <p:style>
-          <a:lnRef idx="0"/>
-          <a:fillRef idx="0"/>
-          <a:effectRef idx="0"/>
+          <a:lnRef idx="0">
+            <a:srgbClr val="FFFFFF"/>
+          </a:lnRef>
+          <a:fillRef idx="0">
+            <a:srgbClr val="FFFFFF"/>
+          </a:fillRef>
+          <a:effectRef idx="0">
+            <a:srgbClr val="FFFFFF"/>
+          </a:effectRef>
           <a:fontRef idx="minor"/>
         </p:style>
       </p:sp>
@@ -8765,13 +8991,19 @@
             <a:solidFill>
               <a:srgbClr val="000000"/>
             </a:solidFill>
-            <a:tailEnd len="med" type="triangle" w="med"/>
+            <a:tailEnd type="triangle" w="med" len="med"/>
           </a:ln>
         </p:spPr>
         <p:style>
-          <a:lnRef idx="0"/>
-          <a:fillRef idx="0"/>
-          <a:effectRef idx="0"/>
+          <a:lnRef idx="0">
+            <a:srgbClr val="FFFFFF"/>
+          </a:lnRef>
+          <a:fillRef idx="0">
+            <a:srgbClr val="FFFFFF"/>
+          </a:fillRef>
+          <a:effectRef idx="0">
+            <a:srgbClr val="FFFFFF"/>
+          </a:effectRef>
           <a:fontRef idx="minor"/>
         </p:style>
       </p:sp>
@@ -8793,13 +9025,19 @@
             <a:solidFill>
               <a:srgbClr val="000000"/>
             </a:solidFill>
-            <a:tailEnd len="med" type="triangle" w="med"/>
+            <a:tailEnd type="triangle" w="med" len="med"/>
           </a:ln>
         </p:spPr>
         <p:style>
-          <a:lnRef idx="0"/>
-          <a:fillRef idx="0"/>
-          <a:effectRef idx="0"/>
+          <a:lnRef idx="0">
+            <a:srgbClr val="FFFFFF"/>
+          </a:lnRef>
+          <a:fillRef idx="0">
+            <a:srgbClr val="FFFFFF"/>
+          </a:fillRef>
+          <a:effectRef idx="0">
+            <a:srgbClr val="FFFFFF"/>
+          </a:effectRef>
           <a:fontRef idx="minor"/>
         </p:style>
       </p:sp>
@@ -8821,13 +9059,19 @@
             <a:solidFill>
               <a:srgbClr val="000000"/>
             </a:solidFill>
-            <a:tailEnd len="med" type="triangle" w="med"/>
+            <a:tailEnd type="triangle" w="med" len="med"/>
           </a:ln>
         </p:spPr>
         <p:style>
-          <a:lnRef idx="0"/>
-          <a:fillRef idx="0"/>
-          <a:effectRef idx="0"/>
+          <a:lnRef idx="0">
+            <a:srgbClr val="FFFFFF"/>
+          </a:lnRef>
+          <a:fillRef idx="0">
+            <a:srgbClr val="FFFFFF"/>
+          </a:fillRef>
+          <a:effectRef idx="0">
+            <a:srgbClr val="FFFFFF"/>
+          </a:effectRef>
           <a:fontRef idx="minor"/>
         </p:style>
       </p:sp>
@@ -8849,13 +9093,19 @@
             <a:solidFill>
               <a:srgbClr val="000000"/>
             </a:solidFill>
-            <a:tailEnd len="med" type="triangle" w="med"/>
+            <a:tailEnd type="triangle" w="med" len="med"/>
           </a:ln>
         </p:spPr>
         <p:style>
-          <a:lnRef idx="0"/>
-          <a:fillRef idx="0"/>
-          <a:effectRef idx="0"/>
+          <a:lnRef idx="0">
+            <a:srgbClr val="FFFFFF"/>
+          </a:lnRef>
+          <a:fillRef idx="0">
+            <a:srgbClr val="FFFFFF"/>
+          </a:fillRef>
+          <a:effectRef idx="0">
+            <a:srgbClr val="FFFFFF"/>
+          </a:effectRef>
           <a:fontRef idx="minor"/>
         </p:style>
       </p:sp>
@@ -8877,13 +9127,19 @@
             <a:solidFill>
               <a:srgbClr val="000000"/>
             </a:solidFill>
-            <a:tailEnd len="med" type="triangle" w="med"/>
+            <a:tailEnd type="triangle" w="med" len="med"/>
           </a:ln>
         </p:spPr>
         <p:style>
-          <a:lnRef idx="0"/>
-          <a:fillRef idx="0"/>
-          <a:effectRef idx="0"/>
+          <a:lnRef idx="0">
+            <a:srgbClr val="FFFFFF"/>
+          </a:lnRef>
+          <a:fillRef idx="0">
+            <a:srgbClr val="FFFFFF"/>
+          </a:fillRef>
+          <a:effectRef idx="0">
+            <a:srgbClr val="FFFFFF"/>
+          </a:effectRef>
           <a:fontRef idx="minor"/>
         </p:style>
       </p:sp>
@@ -8905,13 +9161,19 @@
             <a:solidFill>
               <a:srgbClr val="000000"/>
             </a:solidFill>
-            <a:tailEnd len="med" type="triangle" w="med"/>
+            <a:tailEnd type="triangle" w="med" len="med"/>
           </a:ln>
         </p:spPr>
         <p:style>
-          <a:lnRef idx="0"/>
-          <a:fillRef idx="0"/>
-          <a:effectRef idx="0"/>
+          <a:lnRef idx="0">
+            <a:srgbClr val="FFFFFF"/>
+          </a:lnRef>
+          <a:fillRef idx="0">
+            <a:srgbClr val="FFFFFF"/>
+          </a:fillRef>
+          <a:effectRef idx="0">
+            <a:srgbClr val="FFFFFF"/>
+          </a:effectRef>
           <a:fontRef idx="minor"/>
         </p:style>
       </p:sp>
@@ -8933,13 +9195,19 @@
             <a:solidFill>
               <a:srgbClr val="000000"/>
             </a:solidFill>
-            <a:tailEnd len="med" type="triangle" w="med"/>
+            <a:tailEnd type="triangle" w="med" len="med"/>
           </a:ln>
         </p:spPr>
         <p:style>
-          <a:lnRef idx="0"/>
-          <a:fillRef idx="0"/>
-          <a:effectRef idx="0"/>
+          <a:lnRef idx="0">
+            <a:srgbClr val="FFFFFF"/>
+          </a:lnRef>
+          <a:fillRef idx="0">
+            <a:srgbClr val="FFFFFF"/>
+          </a:fillRef>
+          <a:effectRef idx="0">
+            <a:srgbClr val="FFFFFF"/>
+          </a:effectRef>
           <a:fontRef idx="minor"/>
         </p:style>
       </p:sp>
@@ -8964,7 +9232,7 @@
             <a:solidFill>
               <a:srgbClr val="000000"/>
             </a:solidFill>
-            <a:tailEnd len="med" type="triangle" w="med"/>
+            <a:tailEnd type="triangle" w="med" len="med"/>
           </a:ln>
         </p:spPr>
       </p:cxnSp>
@@ -8989,7 +9257,7 @@
             <a:solidFill>
               <a:srgbClr val="000000"/>
             </a:solidFill>
-            <a:tailEnd len="med" type="triangle" w="med"/>
+            <a:tailEnd type="triangle" w="med" len="med"/>
           </a:ln>
         </p:spPr>
       </p:cxnSp>
@@ -9014,7 +9282,7 @@
             <a:solidFill>
               <a:srgbClr val="000000"/>
             </a:solidFill>
-            <a:tailEnd len="med" type="triangle" w="med"/>
+            <a:tailEnd type="triangle" w="med" len="med"/>
           </a:ln>
         </p:spPr>
       </p:cxnSp>
@@ -9039,36 +9307,19 @@
             <a:solidFill>
               <a:srgbClr val="000000"/>
             </a:solidFill>
-            <a:tailEnd len="med" type="triangle" w="med"/>
+            <a:tailEnd type="triangle" w="med" len="med"/>
           </a:ln>
         </p:spPr>
       </p:cxnSp>
     </p:spTree>
   </p:cSld>
+  <p:clrMapOvr>
+    <a:masterClrMapping/>
+  </p:clrMapOvr>
   <p:timing>
     <p:tnLst>
       <p:par>
-        <p:cTn id="11" dur="indefinite" restart="never" nodeType="tmRoot">
-          <p:childTnLst>
-            <p:seq>
-              <p:cTn id="12" dur="indefinite" nodeType="mainSeq"/>
-              <p:prevCondLst>
-                <p:cond delay="0" evt="onPrev">
-                  <p:tgtEl>
-                    <p:sldTgt/>
-                  </p:tgtEl>
-                </p:cond>
-              </p:prevCondLst>
-              <p:nextCondLst>
-                <p:cond delay="0" evt="onNext">
-                  <p:tgtEl>
-                    <p:sldTgt/>
-                  </p:tgtEl>
-                </p:cond>
-              </p:nextCondLst>
-            </p:seq>
-          </p:childTnLst>
-        </p:cTn>
+        <p:cTn id="1" dur="indefinite" restart="never" nodeType="tmRoot"/>
       </p:par>
     </p:tnLst>
   </p:timing>
@@ -9076,7 +9327,7 @@
 </file>
 
 <file path=ppt/slides/slide7.xml><?xml version="1.0" encoding="utf-8"?>
-<p:sld xmlns:a="http://schemas.openxmlformats.org/drawingml/2006/main" xmlns:p="http://schemas.openxmlformats.org/presentationml/2006/main" xmlns:r="http://schemas.openxmlformats.org/officeDocument/2006/relationships" xmlns:p14="http://schemas.microsoft.com/office/powerpoint/2010/main" xmlns:p15="http://schemas.microsoft.com/office/powerpoint/2012/main" xmlns:mc="http://schemas.openxmlformats.org/markup-compatibility/2006">
+<p:sld xmlns:a="http://schemas.openxmlformats.org/drawingml/2006/main" xmlns:r="http://schemas.openxmlformats.org/officeDocument/2006/relationships" xmlns:p="http://schemas.openxmlformats.org/presentationml/2006/main">
   <p:cSld>
     <p:spTree>
       <p:nvGrpSpPr>
@@ -9112,13 +9363,19 @@
           </a:ln>
         </p:spPr>
         <p:style>
-          <a:lnRef idx="0"/>
-          <a:fillRef idx="0"/>
-          <a:effectRef idx="0"/>
+          <a:lnRef idx="0">
+            <a:srgbClr val="FFFFFF"/>
+          </a:lnRef>
+          <a:fillRef idx="0">
+            <a:srgbClr val="FFFFFF"/>
+          </a:fillRef>
+          <a:effectRef idx="0">
+            <a:srgbClr val="FFFFFF"/>
+          </a:effectRef>
           <a:fontRef idx="minor"/>
         </p:style>
         <p:txBody>
-          <a:bodyPr lIns="0" rIns="0" tIns="0" bIns="0" anchor="ctr"/>
+          <a:bodyPr lIns="0" tIns="0" rIns="0" bIns="0" anchor="ctr"/>
           <a:p>
             <a:pPr>
               <a:lnSpc>
@@ -9126,17 +9383,17 @@
               </a:lnSpc>
             </a:pPr>
             <a:r>
-              <a:rPr b="0" lang="en-US" sz="3600" spc="-1" strike="noStrike">
+              <a:rPr lang="en-US" sz="3600" b="0" strike="noStrike" spc="-1">
                 <a:solidFill>
                   <a:srgbClr val="000000"/>
                 </a:solidFill>
                 <a:latin typeface="Calibri"/>
-                <a:ea typeface="DejaVu Sans"/>
+                <a:ea typeface="DejaVu Sans" panose="020B0603030804020204"/>
               </a:rPr>
               <a:t>Результаты</a:t>
             </a:r>
-            <a:endParaRPr b="0" lang="en-US" sz="3600" spc="-1" strike="noStrike">
-              <a:latin typeface="Arial"/>
+            <a:endParaRPr lang="en-US" sz="3600" b="0" strike="noStrike" spc="-1">
+              <a:latin typeface="Arial" panose="020B0604020202020204"/>
             </a:endParaRPr>
           </a:p>
         </p:txBody>
@@ -9161,13 +9418,19 @@
           </a:ln>
         </p:spPr>
         <p:style>
-          <a:lnRef idx="0"/>
-          <a:fillRef idx="0"/>
-          <a:effectRef idx="0"/>
+          <a:lnRef idx="0">
+            <a:srgbClr val="FFFFFF"/>
+          </a:lnRef>
+          <a:fillRef idx="0">
+            <a:srgbClr val="FFFFFF"/>
+          </a:fillRef>
+          <a:effectRef idx="0">
+            <a:srgbClr val="FFFFFF"/>
+          </a:effectRef>
           <a:fontRef idx="minor"/>
         </p:style>
         <p:txBody>
-          <a:bodyPr lIns="90000" rIns="90000" tIns="45000" bIns="45000"/>
+          <a:bodyPr lIns="90000" tIns="45000" rIns="90000" bIns="45000"/>
           <a:p>
             <a:pPr>
               <a:lnSpc>
@@ -9175,17 +9438,17 @@
               </a:lnSpc>
             </a:pPr>
             <a:r>
-              <a:rPr b="0" lang="en-US" sz="2200" spc="-1" strike="noStrike">
+              <a:rPr lang="en-US" sz="2200" b="0" strike="noStrike" spc="-1">
                 <a:solidFill>
                   <a:srgbClr val="000000"/>
                 </a:solidFill>
-                <a:latin typeface="Arial"/>
-                <a:ea typeface="DejaVu Sans"/>
+                <a:latin typeface="Arial" panose="020B0604020202020204"/>
+                <a:ea typeface="DejaVu Sans" panose="020B0603030804020204"/>
               </a:rPr>
               <a:t>Без maxpool:</a:t>
             </a:r>
-            <a:endParaRPr b="0" lang="en-US" sz="2200" spc="-1" strike="noStrike">
-              <a:latin typeface="Arial"/>
+            <a:endParaRPr lang="en-US" sz="2200" b="0" strike="noStrike" spc="-1">
+              <a:latin typeface="Arial" panose="020B0604020202020204"/>
             </a:endParaRPr>
           </a:p>
         </p:txBody>
@@ -9210,9 +9473,15 @@
           </a:ln>
         </p:spPr>
         <p:style>
-          <a:lnRef idx="0"/>
-          <a:fillRef idx="0"/>
-          <a:effectRef idx="0"/>
+          <a:lnRef idx="0">
+            <a:srgbClr val="FFFFFF"/>
+          </a:lnRef>
+          <a:fillRef idx="0">
+            <a:srgbClr val="FFFFFF"/>
+          </a:fillRef>
+          <a:effectRef idx="0">
+            <a:srgbClr val="FFFFFF"/>
+          </a:effectRef>
           <a:fontRef idx="minor"/>
         </p:style>
       </p:sp>
@@ -9236,13 +9505,19 @@
           </a:ln>
         </p:spPr>
         <p:style>
-          <a:lnRef idx="0"/>
-          <a:fillRef idx="0"/>
-          <a:effectRef idx="0"/>
+          <a:lnRef idx="0">
+            <a:srgbClr val="FFFFFF"/>
+          </a:lnRef>
+          <a:fillRef idx="0">
+            <a:srgbClr val="FFFFFF"/>
+          </a:fillRef>
+          <a:effectRef idx="0">
+            <a:srgbClr val="FFFFFF"/>
+          </a:effectRef>
           <a:fontRef idx="minor"/>
         </p:style>
         <p:txBody>
-          <a:bodyPr lIns="90000" rIns="90000" tIns="45000" bIns="45000"/>
+          <a:bodyPr lIns="90000" tIns="45000" rIns="90000" bIns="45000"/>
           <a:p>
             <a:pPr>
               <a:lnSpc>
@@ -9250,17 +9525,17 @@
               </a:lnSpc>
             </a:pPr>
             <a:r>
-              <a:rPr b="0" lang="en-US" sz="1500" spc="-1" strike="noStrike">
+              <a:rPr lang="en-US" sz="1500" b="0" strike="noStrike" spc="-1">
                 <a:solidFill>
                   <a:srgbClr val="000000"/>
                 </a:solidFill>
-                <a:latin typeface="Arial"/>
-                <a:ea typeface="DejaVu Sans"/>
+                <a:latin typeface="Arial" panose="020B0604020202020204"/>
+                <a:ea typeface="DejaVu Sans" panose="020B0603030804020204"/>
               </a:rPr>
               <a:t>Weight: 100</a:t>
             </a:r>
-            <a:endParaRPr b="0" lang="en-US" sz="1500" spc="-1" strike="noStrike">
-              <a:latin typeface="Arial"/>
+            <a:endParaRPr lang="en-US" sz="1500" b="0" strike="noStrike" spc="-1">
+              <a:latin typeface="Arial" panose="020B0604020202020204"/>
             </a:endParaRPr>
           </a:p>
         </p:txBody>
@@ -9285,13 +9560,19 @@
           </a:ln>
         </p:spPr>
         <p:style>
-          <a:lnRef idx="0"/>
-          <a:fillRef idx="0"/>
-          <a:effectRef idx="0"/>
+          <a:lnRef idx="0">
+            <a:srgbClr val="FFFFFF"/>
+          </a:lnRef>
+          <a:fillRef idx="0">
+            <a:srgbClr val="FFFFFF"/>
+          </a:fillRef>
+          <a:effectRef idx="0">
+            <a:srgbClr val="FFFFFF"/>
+          </a:effectRef>
           <a:fontRef idx="minor"/>
         </p:style>
         <p:txBody>
-          <a:bodyPr lIns="90000" rIns="90000" tIns="45000" bIns="45000"/>
+          <a:bodyPr lIns="90000" tIns="45000" rIns="90000" bIns="45000"/>
           <a:p>
             <a:pPr>
               <a:lnSpc>
@@ -9299,17 +9580,17 @@
               </a:lnSpc>
             </a:pPr>
             <a:r>
-              <a:rPr b="0" lang="en-US" sz="1500" spc="-1" strike="noStrike">
+              <a:rPr lang="en-US" sz="1500" b="0" strike="noStrike" spc="-1">
                 <a:solidFill>
                   <a:srgbClr val="000000"/>
                 </a:solidFill>
-                <a:latin typeface="Arial"/>
-                <a:ea typeface="DejaVu Sans"/>
+                <a:latin typeface="Arial" panose="020B0604020202020204"/>
+                <a:ea typeface="DejaVu Sans" panose="020B0603030804020204"/>
               </a:rPr>
               <a:t>Weight: 10000</a:t>
             </a:r>
-            <a:endParaRPr b="0" lang="en-US" sz="1500" spc="-1" strike="noStrike">
-              <a:latin typeface="Arial"/>
+            <a:endParaRPr lang="en-US" sz="1500" b="0" strike="noStrike" spc="-1">
+              <a:latin typeface="Arial" panose="020B0604020202020204"/>
             </a:endParaRPr>
           </a:p>
         </p:txBody>
@@ -9334,13 +9615,19 @@
           </a:ln>
         </p:spPr>
         <p:style>
-          <a:lnRef idx="0"/>
-          <a:fillRef idx="0"/>
-          <a:effectRef idx="0"/>
+          <a:lnRef idx="0">
+            <a:srgbClr val="FFFFFF"/>
+          </a:lnRef>
+          <a:fillRef idx="0">
+            <a:srgbClr val="FFFFFF"/>
+          </a:fillRef>
+          <a:effectRef idx="0">
+            <a:srgbClr val="FFFFFF"/>
+          </a:effectRef>
           <a:fontRef idx="minor"/>
         </p:style>
         <p:txBody>
-          <a:bodyPr lIns="90000" rIns="90000" tIns="45000" bIns="45000"/>
+          <a:bodyPr lIns="90000" tIns="45000" rIns="90000" bIns="45000"/>
           <a:p>
             <a:pPr>
               <a:lnSpc>
@@ -9348,17 +9635,17 @@
               </a:lnSpc>
             </a:pPr>
             <a:r>
-              <a:rPr b="0" lang="en-US" sz="1500" spc="-1" strike="noStrike">
+              <a:rPr lang="en-US" sz="1500" b="0" strike="noStrike" spc="-1">
                 <a:solidFill>
                   <a:srgbClr val="000000"/>
                 </a:solidFill>
-                <a:latin typeface="Arial"/>
-                <a:ea typeface="DejaVu Sans"/>
+                <a:latin typeface="Arial" panose="020B0604020202020204"/>
+                <a:ea typeface="DejaVu Sans" panose="020B0603030804020204"/>
               </a:rPr>
               <a:t>Weight: 2000</a:t>
             </a:r>
-            <a:endParaRPr b="0" lang="en-US" sz="1500" spc="-1" strike="noStrike">
-              <a:latin typeface="Arial"/>
+            <a:endParaRPr lang="en-US" sz="1500" b="0" strike="noStrike" spc="-1">
+              <a:latin typeface="Arial" panose="020B0604020202020204"/>
             </a:endParaRPr>
           </a:p>
         </p:txBody>
@@ -9383,13 +9670,19 @@
           </a:ln>
         </p:spPr>
         <p:style>
-          <a:lnRef idx="0"/>
-          <a:fillRef idx="0"/>
-          <a:effectRef idx="0"/>
+          <a:lnRef idx="0">
+            <a:srgbClr val="FFFFFF"/>
+          </a:lnRef>
+          <a:fillRef idx="0">
+            <a:srgbClr val="FFFFFF"/>
+          </a:fillRef>
+          <a:effectRef idx="0">
+            <a:srgbClr val="FFFFFF"/>
+          </a:effectRef>
           <a:fontRef idx="minor"/>
         </p:style>
         <p:txBody>
-          <a:bodyPr lIns="90000" rIns="90000" tIns="45000" bIns="45000"/>
+          <a:bodyPr lIns="90000" tIns="45000" rIns="90000" bIns="45000"/>
           <a:p>
             <a:pPr>
               <a:lnSpc>
@@ -9397,30 +9690,32 @@
               </a:lnSpc>
             </a:pPr>
             <a:r>
-              <a:rPr b="0" lang="en-US" sz="1500" spc="-1" strike="noStrike">
+              <a:rPr lang="en-US" sz="1500" b="0" strike="noStrike" spc="-1">
                 <a:solidFill>
                   <a:srgbClr val="000000"/>
                 </a:solidFill>
-                <a:latin typeface="Arial"/>
-                <a:ea typeface="DejaVu Sans"/>
+                <a:latin typeface="Arial" panose="020B0604020202020204"/>
+                <a:ea typeface="DejaVu Sans" panose="020B0603030804020204"/>
               </a:rPr>
               <a:t>Weight: 500</a:t>
             </a:r>
-            <a:endParaRPr b="0" lang="en-US" sz="1500" spc="-1" strike="noStrike">
-              <a:latin typeface="Arial"/>
+            <a:endParaRPr lang="en-US" sz="1500" b="0" strike="noStrike" spc="-1">
+              <a:latin typeface="Arial" panose="020B0604020202020204"/>
             </a:endParaRPr>
           </a:p>
         </p:txBody>
       </p:sp>
       <p:pic>
         <p:nvPicPr>
-          <p:cNvPr id="166" name="" descr=""/>
+          <p:cNvPr id="166" name="Picture 165"/>
           <p:cNvPicPr/>
           <p:nvPr/>
         </p:nvPicPr>
         <p:blipFill>
           <a:blip r:embed="rId1"/>
-          <a:stretch/>
+          <a:stretch>
+            <a:fillRect/>
+          </a:stretch>
         </p:blipFill>
         <p:spPr>
           <a:xfrm>
@@ -9437,13 +9732,15 @@
       </p:pic>
       <p:pic>
         <p:nvPicPr>
-          <p:cNvPr id="167" name="" descr=""/>
+          <p:cNvPr id="167" name="Picture 166"/>
           <p:cNvPicPr/>
           <p:nvPr/>
         </p:nvPicPr>
         <p:blipFill>
           <a:blip r:embed="rId2"/>
-          <a:stretch/>
+          <a:stretch>
+            <a:fillRect/>
+          </a:stretch>
         </p:blipFill>
         <p:spPr>
           <a:xfrm>
@@ -9460,13 +9757,15 @@
       </p:pic>
       <p:pic>
         <p:nvPicPr>
-          <p:cNvPr id="168" name="" descr=""/>
+          <p:cNvPr id="168" name="Picture 167"/>
           <p:cNvPicPr/>
           <p:nvPr/>
         </p:nvPicPr>
         <p:blipFill>
           <a:blip r:embed="rId3"/>
-          <a:stretch/>
+          <a:stretch>
+            <a:fillRect/>
+          </a:stretch>
         </p:blipFill>
         <p:spPr>
           <a:xfrm>
@@ -9483,13 +9782,15 @@
       </p:pic>
       <p:pic>
         <p:nvPicPr>
-          <p:cNvPr id="169" name="" descr=""/>
+          <p:cNvPr id="169" name="Picture 168"/>
           <p:cNvPicPr/>
           <p:nvPr/>
         </p:nvPicPr>
         <p:blipFill>
           <a:blip r:embed="rId4"/>
-          <a:stretch/>
+          <a:stretch>
+            <a:fillRect/>
+          </a:stretch>
         </p:blipFill>
         <p:spPr>
           <a:xfrm>
@@ -9506,13 +9807,15 @@
       </p:pic>
       <p:pic>
         <p:nvPicPr>
-          <p:cNvPr id="170" name="" descr=""/>
+          <p:cNvPr id="170" name="Picture 169"/>
           <p:cNvPicPr/>
           <p:nvPr/>
         </p:nvPicPr>
         <p:blipFill>
           <a:blip r:embed="rId5"/>
-          <a:stretch/>
+          <a:stretch>
+            <a:fillRect/>
+          </a:stretch>
         </p:blipFill>
         <p:spPr>
           <a:xfrm>
@@ -9529,13 +9832,15 @@
       </p:pic>
       <p:pic>
         <p:nvPicPr>
-          <p:cNvPr id="171" name="" descr=""/>
+          <p:cNvPr id="171" name="Picture 170"/>
           <p:cNvPicPr/>
           <p:nvPr/>
         </p:nvPicPr>
         <p:blipFill>
           <a:blip r:embed="rId6"/>
-          <a:stretch/>
+          <a:stretch>
+            <a:fillRect/>
+          </a:stretch>
         </p:blipFill>
         <p:spPr>
           <a:xfrm>
@@ -9552,13 +9857,15 @@
       </p:pic>
       <p:pic>
         <p:nvPicPr>
-          <p:cNvPr id="172" name="" descr=""/>
+          <p:cNvPr id="172" name="Picture 171"/>
           <p:cNvPicPr/>
           <p:nvPr/>
         </p:nvPicPr>
         <p:blipFill>
           <a:blip r:embed="rId7"/>
-          <a:stretch/>
+          <a:stretch>
+            <a:fillRect/>
+          </a:stretch>
         </p:blipFill>
         <p:spPr>
           <a:xfrm>
@@ -9575,13 +9882,15 @@
       </p:pic>
       <p:pic>
         <p:nvPicPr>
-          <p:cNvPr id="173" name="" descr=""/>
+          <p:cNvPr id="173" name="Picture 172"/>
           <p:cNvPicPr/>
           <p:nvPr/>
         </p:nvPicPr>
         <p:blipFill>
           <a:blip r:embed="rId8"/>
-          <a:stretch/>
+          <a:stretch>
+            <a:fillRect/>
+          </a:stretch>
         </p:blipFill>
         <p:spPr>
           <a:xfrm>
@@ -9598,30 +9907,13 @@
       </p:pic>
     </p:spTree>
   </p:cSld>
+  <p:clrMapOvr>
+    <a:masterClrMapping/>
+  </p:clrMapOvr>
   <p:timing>
     <p:tnLst>
       <p:par>
-        <p:cTn id="13" dur="indefinite" restart="never" nodeType="tmRoot">
-          <p:childTnLst>
-            <p:seq>
-              <p:cTn id="14" dur="indefinite" nodeType="mainSeq"/>
-              <p:prevCondLst>
-                <p:cond delay="0" evt="onPrev">
-                  <p:tgtEl>
-                    <p:sldTgt/>
-                  </p:tgtEl>
-                </p:cond>
-              </p:prevCondLst>
-              <p:nextCondLst>
-                <p:cond delay="0" evt="onNext">
-                  <p:tgtEl>
-                    <p:sldTgt/>
-                  </p:tgtEl>
-                </p:cond>
-              </p:nextCondLst>
-            </p:seq>
-          </p:childTnLst>
-        </p:cTn>
+        <p:cTn id="1" dur="indefinite" restart="never" nodeType="tmRoot"/>
       </p:par>
     </p:tnLst>
   </p:timing>
@@ -9629,7 +9921,7 @@
 </file>
 
 <file path=ppt/slides/slide8.xml><?xml version="1.0" encoding="utf-8"?>
-<p:sld xmlns:a="http://schemas.openxmlformats.org/drawingml/2006/main" xmlns:p="http://schemas.openxmlformats.org/presentationml/2006/main" xmlns:r="http://schemas.openxmlformats.org/officeDocument/2006/relationships" xmlns:p14="http://schemas.microsoft.com/office/powerpoint/2010/main" xmlns:p15="http://schemas.microsoft.com/office/powerpoint/2012/main" xmlns:mc="http://schemas.openxmlformats.org/markup-compatibility/2006">
+<p:sld xmlns:a="http://schemas.openxmlformats.org/drawingml/2006/main" xmlns:r="http://schemas.openxmlformats.org/officeDocument/2006/relationships" xmlns:p="http://schemas.openxmlformats.org/presentationml/2006/main">
   <p:cSld>
     <p:spTree>
       <p:nvGrpSpPr>
@@ -9665,13 +9957,19 @@
           </a:ln>
         </p:spPr>
         <p:style>
-          <a:lnRef idx="0"/>
-          <a:fillRef idx="0"/>
-          <a:effectRef idx="0"/>
+          <a:lnRef idx="0">
+            <a:srgbClr val="FFFFFF"/>
+          </a:lnRef>
+          <a:fillRef idx="0">
+            <a:srgbClr val="FFFFFF"/>
+          </a:fillRef>
+          <a:effectRef idx="0">
+            <a:srgbClr val="FFFFFF"/>
+          </a:effectRef>
           <a:fontRef idx="minor"/>
         </p:style>
         <p:txBody>
-          <a:bodyPr lIns="0" rIns="0" tIns="0" bIns="0" anchor="ctr"/>
+          <a:bodyPr lIns="0" tIns="0" rIns="0" bIns="0" anchor="ctr"/>
           <a:p>
             <a:pPr>
               <a:lnSpc>
@@ -9679,17 +9977,17 @@
               </a:lnSpc>
             </a:pPr>
             <a:r>
-              <a:rPr b="0" lang="en-US" sz="3600" spc="-1" strike="noStrike">
+              <a:rPr lang="en-US" sz="3600" b="0" strike="noStrike" spc="-1">
                 <a:solidFill>
                   <a:srgbClr val="000000"/>
                 </a:solidFill>
                 <a:latin typeface="Calibri"/>
-                <a:ea typeface="DejaVu Sans"/>
+                <a:ea typeface="DejaVu Sans" panose="020B0603030804020204"/>
               </a:rPr>
               <a:t>Результаты</a:t>
             </a:r>
-            <a:endParaRPr b="0" lang="en-US" sz="3600" spc="-1" strike="noStrike">
-              <a:latin typeface="Arial"/>
+            <a:endParaRPr lang="en-US" sz="3600" b="0" strike="noStrike" spc="-1">
+              <a:latin typeface="Arial" panose="020B0604020202020204"/>
             </a:endParaRPr>
           </a:p>
         </p:txBody>
@@ -9714,13 +10012,19 @@
           </a:ln>
         </p:spPr>
         <p:style>
-          <a:lnRef idx="0"/>
-          <a:fillRef idx="0"/>
-          <a:effectRef idx="0"/>
+          <a:lnRef idx="0">
+            <a:srgbClr val="FFFFFF"/>
+          </a:lnRef>
+          <a:fillRef idx="0">
+            <a:srgbClr val="FFFFFF"/>
+          </a:fillRef>
+          <a:effectRef idx="0">
+            <a:srgbClr val="FFFFFF"/>
+          </a:effectRef>
           <a:fontRef idx="minor"/>
         </p:style>
         <p:txBody>
-          <a:bodyPr lIns="90000" rIns="90000" tIns="45000" bIns="45000"/>
+          <a:bodyPr lIns="90000" tIns="45000" rIns="90000" bIns="45000"/>
           <a:p>
             <a:pPr>
               <a:lnSpc>
@@ -9728,17 +10032,17 @@
               </a:lnSpc>
             </a:pPr>
             <a:r>
-              <a:rPr b="0" lang="en-US" sz="2200" spc="-1" strike="noStrike">
+              <a:rPr lang="en-US" sz="2200" b="0" strike="noStrike" spc="-1">
                 <a:solidFill>
                   <a:srgbClr val="000000"/>
                 </a:solidFill>
-                <a:latin typeface="Arial"/>
-                <a:ea typeface="DejaVu Sans"/>
+                <a:latin typeface="Arial" panose="020B0604020202020204"/>
+                <a:ea typeface="DejaVu Sans" panose="020B0603030804020204"/>
               </a:rPr>
               <a:t>C maxpool:</a:t>
             </a:r>
-            <a:endParaRPr b="0" lang="en-US" sz="2200" spc="-1" strike="noStrike">
-              <a:latin typeface="Arial"/>
+            <a:endParaRPr lang="en-US" sz="2200" b="0" strike="noStrike" spc="-1">
+              <a:latin typeface="Arial" panose="020B0604020202020204"/>
             </a:endParaRPr>
           </a:p>
         </p:txBody>
@@ -9763,9 +10067,15 @@
           </a:ln>
         </p:spPr>
         <p:style>
-          <a:lnRef idx="0"/>
-          <a:fillRef idx="0"/>
-          <a:effectRef idx="0"/>
+          <a:lnRef idx="0">
+            <a:srgbClr val="FFFFFF"/>
+          </a:lnRef>
+          <a:fillRef idx="0">
+            <a:srgbClr val="FFFFFF"/>
+          </a:fillRef>
+          <a:effectRef idx="0">
+            <a:srgbClr val="FFFFFF"/>
+          </a:effectRef>
           <a:fontRef idx="minor"/>
         </p:style>
       </p:sp>
@@ -9789,13 +10099,19 @@
           </a:ln>
         </p:spPr>
         <p:style>
-          <a:lnRef idx="0"/>
-          <a:fillRef idx="0"/>
-          <a:effectRef idx="0"/>
+          <a:lnRef idx="0">
+            <a:srgbClr val="FFFFFF"/>
+          </a:lnRef>
+          <a:fillRef idx="0">
+            <a:srgbClr val="FFFFFF"/>
+          </a:fillRef>
+          <a:effectRef idx="0">
+            <a:srgbClr val="FFFFFF"/>
+          </a:effectRef>
           <a:fontRef idx="minor"/>
         </p:style>
         <p:txBody>
-          <a:bodyPr lIns="90000" rIns="90000" tIns="45000" bIns="45000"/>
+          <a:bodyPr lIns="90000" tIns="45000" rIns="90000" bIns="45000"/>
           <a:p>
             <a:pPr>
               <a:lnSpc>
@@ -9803,17 +10119,17 @@
               </a:lnSpc>
             </a:pPr>
             <a:r>
-              <a:rPr b="0" lang="en-US" sz="1500" spc="-1" strike="noStrike">
+              <a:rPr lang="en-US" sz="1500" b="0" strike="noStrike" spc="-1">
                 <a:solidFill>
                   <a:srgbClr val="000000"/>
                 </a:solidFill>
-                <a:latin typeface="Arial"/>
-                <a:ea typeface="DejaVu Sans"/>
+                <a:latin typeface="Arial" panose="020B0604020202020204"/>
+                <a:ea typeface="DejaVu Sans" panose="020B0603030804020204"/>
               </a:rPr>
               <a:t>Weight: 100</a:t>
             </a:r>
-            <a:endParaRPr b="0" lang="en-US" sz="1500" spc="-1" strike="noStrike">
-              <a:latin typeface="Arial"/>
+            <a:endParaRPr lang="en-US" sz="1500" b="0" strike="noStrike" spc="-1">
+              <a:latin typeface="Arial" panose="020B0604020202020204"/>
             </a:endParaRPr>
           </a:p>
         </p:txBody>
@@ -9838,13 +10154,19 @@
           </a:ln>
         </p:spPr>
         <p:style>
-          <a:lnRef idx="0"/>
-          <a:fillRef idx="0"/>
-          <a:effectRef idx="0"/>
+          <a:lnRef idx="0">
+            <a:srgbClr val="FFFFFF"/>
+          </a:lnRef>
+          <a:fillRef idx="0">
+            <a:srgbClr val="FFFFFF"/>
+          </a:fillRef>
+          <a:effectRef idx="0">
+            <a:srgbClr val="FFFFFF"/>
+          </a:effectRef>
           <a:fontRef idx="minor"/>
         </p:style>
         <p:txBody>
-          <a:bodyPr lIns="90000" rIns="90000" tIns="45000" bIns="45000"/>
+          <a:bodyPr lIns="90000" tIns="45000" rIns="90000" bIns="45000"/>
           <a:p>
             <a:pPr>
               <a:lnSpc>
@@ -9852,17 +10174,17 @@
               </a:lnSpc>
             </a:pPr>
             <a:r>
-              <a:rPr b="0" lang="en-US" sz="1500" spc="-1" strike="noStrike">
+              <a:rPr lang="en-US" sz="1500" b="0" strike="noStrike" spc="-1">
                 <a:solidFill>
                   <a:srgbClr val="000000"/>
                 </a:solidFill>
-                <a:latin typeface="Arial"/>
-                <a:ea typeface="DejaVu Sans"/>
+                <a:latin typeface="Arial" panose="020B0604020202020204"/>
+                <a:ea typeface="DejaVu Sans" panose="020B0603030804020204"/>
               </a:rPr>
               <a:t>Weight: 10000</a:t>
             </a:r>
-            <a:endParaRPr b="0" lang="en-US" sz="1500" spc="-1" strike="noStrike">
-              <a:latin typeface="Arial"/>
+            <a:endParaRPr lang="en-US" sz="1500" b="0" strike="noStrike" spc="-1">
+              <a:latin typeface="Arial" panose="020B0604020202020204"/>
             </a:endParaRPr>
           </a:p>
         </p:txBody>
@@ -9887,13 +10209,19 @@
           </a:ln>
         </p:spPr>
         <p:style>
-          <a:lnRef idx="0"/>
-          <a:fillRef idx="0"/>
-          <a:effectRef idx="0"/>
+          <a:lnRef idx="0">
+            <a:srgbClr val="FFFFFF"/>
+          </a:lnRef>
+          <a:fillRef idx="0">
+            <a:srgbClr val="FFFFFF"/>
+          </a:fillRef>
+          <a:effectRef idx="0">
+            <a:srgbClr val="FFFFFF"/>
+          </a:effectRef>
           <a:fontRef idx="minor"/>
         </p:style>
         <p:txBody>
-          <a:bodyPr lIns="90000" rIns="90000" tIns="45000" bIns="45000"/>
+          <a:bodyPr lIns="90000" tIns="45000" rIns="90000" bIns="45000"/>
           <a:p>
             <a:pPr>
               <a:lnSpc>
@@ -9901,17 +10229,17 @@
               </a:lnSpc>
             </a:pPr>
             <a:r>
-              <a:rPr b="0" lang="en-US" sz="1500" spc="-1" strike="noStrike">
+              <a:rPr lang="en-US" sz="1500" b="0" strike="noStrike" spc="-1">
                 <a:solidFill>
                   <a:srgbClr val="000000"/>
                 </a:solidFill>
-                <a:latin typeface="Arial"/>
-                <a:ea typeface="DejaVu Sans"/>
+                <a:latin typeface="Arial" panose="020B0604020202020204"/>
+                <a:ea typeface="DejaVu Sans" panose="020B0603030804020204"/>
               </a:rPr>
               <a:t>Weight: 2000</a:t>
             </a:r>
-            <a:endParaRPr b="0" lang="en-US" sz="1500" spc="-1" strike="noStrike">
-              <a:latin typeface="Arial"/>
+            <a:endParaRPr lang="en-US" sz="1500" b="0" strike="noStrike" spc="-1">
+              <a:latin typeface="Arial" panose="020B0604020202020204"/>
             </a:endParaRPr>
           </a:p>
         </p:txBody>
@@ -9936,13 +10264,19 @@
           </a:ln>
         </p:spPr>
         <p:style>
-          <a:lnRef idx="0"/>
-          <a:fillRef idx="0"/>
-          <a:effectRef idx="0"/>
+          <a:lnRef idx="0">
+            <a:srgbClr val="FFFFFF"/>
+          </a:lnRef>
+          <a:fillRef idx="0">
+            <a:srgbClr val="FFFFFF"/>
+          </a:fillRef>
+          <a:effectRef idx="0">
+            <a:srgbClr val="FFFFFF"/>
+          </a:effectRef>
           <a:fontRef idx="minor"/>
         </p:style>
         <p:txBody>
-          <a:bodyPr lIns="90000" rIns="90000" tIns="45000" bIns="45000"/>
+          <a:bodyPr lIns="90000" tIns="45000" rIns="90000" bIns="45000"/>
           <a:p>
             <a:pPr>
               <a:lnSpc>
@@ -9950,30 +10284,32 @@
               </a:lnSpc>
             </a:pPr>
             <a:r>
-              <a:rPr b="0" lang="en-US" sz="1500" spc="-1" strike="noStrike">
+              <a:rPr lang="en-US" sz="1500" b="0" strike="noStrike" spc="-1">
                 <a:solidFill>
                   <a:srgbClr val="000000"/>
                 </a:solidFill>
-                <a:latin typeface="Arial"/>
-                <a:ea typeface="DejaVu Sans"/>
+                <a:latin typeface="Arial" panose="020B0604020202020204"/>
+                <a:ea typeface="DejaVu Sans" panose="020B0603030804020204"/>
               </a:rPr>
               <a:t>Weight: 500</a:t>
             </a:r>
-            <a:endParaRPr b="0" lang="en-US" sz="1500" spc="-1" strike="noStrike">
-              <a:latin typeface="Arial"/>
+            <a:endParaRPr lang="en-US" sz="1500" b="0" strike="noStrike" spc="-1">
+              <a:latin typeface="Arial" panose="020B0604020202020204"/>
             </a:endParaRPr>
           </a:p>
         </p:txBody>
       </p:sp>
       <p:pic>
         <p:nvPicPr>
-          <p:cNvPr id="181" name="" descr=""/>
+          <p:cNvPr id="181" name="Picture 180"/>
           <p:cNvPicPr/>
           <p:nvPr/>
         </p:nvPicPr>
         <p:blipFill>
           <a:blip r:embed="rId1"/>
-          <a:stretch/>
+          <a:stretch>
+            <a:fillRect/>
+          </a:stretch>
         </p:blipFill>
         <p:spPr>
           <a:xfrm>
@@ -9990,13 +10326,15 @@
       </p:pic>
       <p:pic>
         <p:nvPicPr>
-          <p:cNvPr id="182" name="" descr=""/>
+          <p:cNvPr id="182" name="Picture 181"/>
           <p:cNvPicPr/>
           <p:nvPr/>
         </p:nvPicPr>
         <p:blipFill>
           <a:blip r:embed="rId2"/>
-          <a:stretch/>
+          <a:stretch>
+            <a:fillRect/>
+          </a:stretch>
         </p:blipFill>
         <p:spPr>
           <a:xfrm>
@@ -10013,13 +10351,15 @@
       </p:pic>
       <p:pic>
         <p:nvPicPr>
-          <p:cNvPr id="183" name="" descr=""/>
+          <p:cNvPr id="183" name="Picture 182"/>
           <p:cNvPicPr/>
           <p:nvPr/>
         </p:nvPicPr>
         <p:blipFill>
           <a:blip r:embed="rId3"/>
-          <a:stretch/>
+          <a:stretch>
+            <a:fillRect/>
+          </a:stretch>
         </p:blipFill>
         <p:spPr>
           <a:xfrm>
@@ -10036,13 +10376,15 @@
       </p:pic>
       <p:pic>
         <p:nvPicPr>
-          <p:cNvPr id="184" name="" descr=""/>
+          <p:cNvPr id="184" name="Picture 183"/>
           <p:cNvPicPr/>
           <p:nvPr/>
         </p:nvPicPr>
         <p:blipFill>
           <a:blip r:embed="rId4"/>
-          <a:stretch/>
+          <a:stretch>
+            <a:fillRect/>
+          </a:stretch>
         </p:blipFill>
         <p:spPr>
           <a:xfrm>
@@ -10059,13 +10401,15 @@
       </p:pic>
       <p:pic>
         <p:nvPicPr>
-          <p:cNvPr id="185" name="" descr=""/>
+          <p:cNvPr id="185" name="Picture 184"/>
           <p:cNvPicPr/>
           <p:nvPr/>
         </p:nvPicPr>
         <p:blipFill>
           <a:blip r:embed="rId5"/>
-          <a:stretch/>
+          <a:stretch>
+            <a:fillRect/>
+          </a:stretch>
         </p:blipFill>
         <p:spPr>
           <a:xfrm>
@@ -10082,13 +10426,15 @@
       </p:pic>
       <p:pic>
         <p:nvPicPr>
-          <p:cNvPr id="186" name="" descr=""/>
+          <p:cNvPr id="186" name="Picture 185"/>
           <p:cNvPicPr/>
           <p:nvPr/>
         </p:nvPicPr>
         <p:blipFill>
           <a:blip r:embed="rId6"/>
-          <a:stretch/>
+          <a:stretch>
+            <a:fillRect/>
+          </a:stretch>
         </p:blipFill>
         <p:spPr>
           <a:xfrm>
@@ -10105,13 +10451,15 @@
       </p:pic>
       <p:pic>
         <p:nvPicPr>
-          <p:cNvPr id="187" name="" descr=""/>
+          <p:cNvPr id="187" name="Picture 186"/>
           <p:cNvPicPr/>
           <p:nvPr/>
         </p:nvPicPr>
         <p:blipFill>
           <a:blip r:embed="rId7"/>
-          <a:stretch/>
+          <a:stretch>
+            <a:fillRect/>
+          </a:stretch>
         </p:blipFill>
         <p:spPr>
           <a:xfrm>
@@ -10128,13 +10476,15 @@
       </p:pic>
       <p:pic>
         <p:nvPicPr>
-          <p:cNvPr id="188" name="" descr=""/>
+          <p:cNvPr id="188" name="Picture 187"/>
           <p:cNvPicPr/>
           <p:nvPr/>
         </p:nvPicPr>
         <p:blipFill>
           <a:blip r:embed="rId8"/>
-          <a:stretch/>
+          <a:stretch>
+            <a:fillRect/>
+          </a:stretch>
         </p:blipFill>
         <p:spPr>
           <a:xfrm>
@@ -10169,16 +10519,16 @@
           </a:ln>
         </p:spPr>
         <p:txBody>
-          <a:bodyPr lIns="90000" rIns="90000" tIns="45000" bIns="45000"/>
+          <a:bodyPr lIns="90000" tIns="45000" rIns="90000" bIns="45000"/>
           <a:p>
             <a:r>
-              <a:rPr b="0" lang="en-US" sz="1800" spc="-1" strike="noStrike">
-                <a:latin typeface="Arial"/>
+              <a:rPr lang="en-US" sz="1800" b="0" strike="noStrike" spc="-1">
+                <a:latin typeface="Arial" panose="020B0604020202020204"/>
               </a:rPr>
               <a:t>Mean precision:</a:t>
             </a:r>
-            <a:endParaRPr b="0" lang="en-US" sz="1800" spc="-1" strike="noStrike">
-              <a:latin typeface="Arial"/>
+            <a:endParaRPr lang="en-US" sz="1800" b="0" strike="noStrike" spc="-1">
+              <a:latin typeface="Arial" panose="020B0604020202020204"/>
             </a:endParaRPr>
           </a:p>
         </p:txBody>
@@ -10203,16 +10553,16 @@
           </a:ln>
         </p:spPr>
         <p:txBody>
-          <a:bodyPr lIns="90000" rIns="90000" tIns="45000" bIns="45000"/>
+          <a:bodyPr lIns="90000" tIns="45000" rIns="90000" bIns="45000"/>
           <a:p>
             <a:r>
-              <a:rPr b="0" lang="en-US" sz="1800" spc="-1" strike="noStrike">
-                <a:latin typeface="Arial"/>
+              <a:rPr lang="en-US" sz="1800" b="0" strike="noStrike" spc="-1">
+                <a:latin typeface="Arial" panose="020B0604020202020204"/>
               </a:rPr>
               <a:t>0.006</a:t>
             </a:r>
-            <a:endParaRPr b="0" lang="en-US" sz="1800" spc="-1" strike="noStrike">
-              <a:latin typeface="Arial"/>
+            <a:endParaRPr lang="en-US" sz="1800" b="0" strike="noStrike" spc="-1">
+              <a:latin typeface="Arial" panose="020B0604020202020204"/>
             </a:endParaRPr>
           </a:p>
         </p:txBody>
@@ -10237,16 +10587,16 @@
           </a:ln>
         </p:spPr>
         <p:txBody>
-          <a:bodyPr lIns="90000" rIns="90000" tIns="45000" bIns="45000"/>
+          <a:bodyPr lIns="90000" tIns="45000" rIns="90000" bIns="45000"/>
           <a:p>
             <a:r>
-              <a:rPr b="0" lang="en-US" sz="1800" spc="-1" strike="noStrike">
-                <a:latin typeface="Arial"/>
+              <a:rPr lang="en-US" sz="1800" b="0" strike="noStrike" spc="-1">
+                <a:latin typeface="Arial" panose="020B0604020202020204"/>
               </a:rPr>
               <a:t>0.002</a:t>
             </a:r>
-            <a:endParaRPr b="0" lang="en-US" sz="1800" spc="-1" strike="noStrike">
-              <a:latin typeface="Arial"/>
+            <a:endParaRPr lang="en-US" sz="1800" b="0" strike="noStrike" spc="-1">
+              <a:latin typeface="Arial" panose="020B0604020202020204"/>
             </a:endParaRPr>
           </a:p>
         </p:txBody>
@@ -10271,16 +10621,16 @@
           </a:ln>
         </p:spPr>
         <p:txBody>
-          <a:bodyPr lIns="90000" rIns="90000" tIns="45000" bIns="45000"/>
+          <a:bodyPr lIns="90000" tIns="45000" rIns="90000" bIns="45000"/>
           <a:p>
             <a:r>
-              <a:rPr b="0" lang="en-US" sz="1800" spc="-1" strike="noStrike">
-                <a:latin typeface="Arial"/>
+              <a:rPr lang="en-US" sz="1800" b="0" strike="noStrike" spc="-1">
+                <a:latin typeface="Arial" panose="020B0604020202020204"/>
               </a:rPr>
               <a:t>0.025</a:t>
             </a:r>
-            <a:endParaRPr b="0" lang="en-US" sz="1800" spc="-1" strike="noStrike">
-              <a:latin typeface="Arial"/>
+            <a:endParaRPr lang="en-US" sz="1800" b="0" strike="noStrike" spc="-1">
+              <a:latin typeface="Arial" panose="020B0604020202020204"/>
             </a:endParaRPr>
           </a:p>
         </p:txBody>
@@ -10305,46 +10655,29 @@
           </a:ln>
         </p:spPr>
         <p:txBody>
-          <a:bodyPr lIns="90000" rIns="90000" tIns="45000" bIns="45000"/>
+          <a:bodyPr lIns="90000" tIns="45000" rIns="90000" bIns="45000"/>
           <a:p>
             <a:r>
-              <a:rPr b="0" lang="en-US" sz="1800" spc="-1" strike="noStrike">
-                <a:latin typeface="Arial"/>
+              <a:rPr lang="en-US" sz="1800" b="0" strike="noStrike" spc="-1">
+                <a:latin typeface="Arial" panose="020B0604020202020204"/>
               </a:rPr>
               <a:t>0.012</a:t>
             </a:r>
-            <a:endParaRPr b="0" lang="en-US" sz="1800" spc="-1" strike="noStrike">
-              <a:latin typeface="Arial"/>
+            <a:endParaRPr lang="en-US" sz="1800" b="0" strike="noStrike" spc="-1">
+              <a:latin typeface="Arial" panose="020B0604020202020204"/>
             </a:endParaRPr>
           </a:p>
         </p:txBody>
       </p:sp>
     </p:spTree>
   </p:cSld>
+  <p:clrMapOvr>
+    <a:masterClrMapping/>
+  </p:clrMapOvr>
   <p:timing>
     <p:tnLst>
       <p:par>
-        <p:cTn id="15" dur="indefinite" restart="never" nodeType="tmRoot">
-          <p:childTnLst>
-            <p:seq>
-              <p:cTn id="16" dur="indefinite" nodeType="mainSeq"/>
-              <p:prevCondLst>
-                <p:cond delay="0" evt="onPrev">
-                  <p:tgtEl>
-                    <p:sldTgt/>
-                  </p:tgtEl>
-                </p:cond>
-              </p:prevCondLst>
-              <p:nextCondLst>
-                <p:cond delay="0" evt="onNext">
-                  <p:tgtEl>
-                    <p:sldTgt/>
-                  </p:tgtEl>
-                </p:cond>
-              </p:nextCondLst>
-            </p:seq>
-          </p:childTnLst>
-        </p:cTn>
+        <p:cTn id="1" dur="indefinite" restart="never" nodeType="tmRoot"/>
       </p:par>
     </p:tnLst>
   </p:timing>
@@ -10352,7 +10685,7 @@
 </file>
 
 <file path=ppt/slides/slide9.xml><?xml version="1.0" encoding="utf-8"?>
-<p:sld xmlns:a="http://schemas.openxmlformats.org/drawingml/2006/main" xmlns:p="http://schemas.openxmlformats.org/presentationml/2006/main" xmlns:r="http://schemas.openxmlformats.org/officeDocument/2006/relationships" xmlns:p14="http://schemas.microsoft.com/office/powerpoint/2010/main" xmlns:p15="http://schemas.microsoft.com/office/powerpoint/2012/main" xmlns:mc="http://schemas.openxmlformats.org/markup-compatibility/2006">
+<p:sld xmlns:a="http://schemas.openxmlformats.org/drawingml/2006/main" xmlns:r="http://schemas.openxmlformats.org/officeDocument/2006/relationships" xmlns:p="http://schemas.openxmlformats.org/presentationml/2006/main">
   <p:cSld>
     <p:spTree>
       <p:nvGrpSpPr>
@@ -10388,13 +10721,19 @@
           </a:ln>
         </p:spPr>
         <p:style>
-          <a:lnRef idx="0"/>
-          <a:fillRef idx="0"/>
-          <a:effectRef idx="0"/>
+          <a:lnRef idx="0">
+            <a:srgbClr val="FFFFFF"/>
+          </a:lnRef>
+          <a:fillRef idx="0">
+            <a:srgbClr val="FFFFFF"/>
+          </a:fillRef>
+          <a:effectRef idx="0">
+            <a:srgbClr val="FFFFFF"/>
+          </a:effectRef>
           <a:fontRef idx="minor"/>
         </p:style>
         <p:txBody>
-          <a:bodyPr lIns="0" rIns="0" tIns="0" bIns="0" anchor="ctr"/>
+          <a:bodyPr lIns="0" tIns="0" rIns="0" bIns="0" anchor="ctr"/>
           <a:p>
             <a:pPr>
               <a:lnSpc>
@@ -10402,30 +10741,32 @@
               </a:lnSpc>
             </a:pPr>
             <a:r>
-              <a:rPr b="0" lang="en-US" sz="3200" spc="-1" strike="noStrike">
+              <a:rPr lang="en-US" sz="3200" b="0" strike="noStrike" spc="-1">
                 <a:solidFill>
                   <a:srgbClr val="000000"/>
                 </a:solidFill>
                 <a:latin typeface="Calibri"/>
-                <a:ea typeface="DejaVu Sans"/>
+                <a:ea typeface="DejaVu Sans" panose="020B0603030804020204"/>
               </a:rPr>
               <a:t>Архитектура Unet для решения задачи сегментации</a:t>
             </a:r>
-            <a:endParaRPr b="0" lang="en-US" sz="3200" spc="-1" strike="noStrike">
-              <a:latin typeface="Arial"/>
+            <a:endParaRPr lang="en-US" sz="3200" b="0" strike="noStrike" spc="-1">
+              <a:latin typeface="Arial" panose="020B0604020202020204"/>
             </a:endParaRPr>
           </a:p>
         </p:txBody>
       </p:sp>
       <p:pic>
         <p:nvPicPr>
-          <p:cNvPr id="195" name="Picture 142" descr=""/>
+          <p:cNvPr id="195" name="Picture 142"/>
           <p:cNvPicPr/>
           <p:nvPr/>
         </p:nvPicPr>
         <p:blipFill>
           <a:blip r:embed="rId1"/>
-          <a:stretch/>
+          <a:stretch>
+            <a:fillRect/>
+          </a:stretch>
         </p:blipFill>
         <p:spPr>
           <a:xfrm>
@@ -10455,20 +10796,26 @@
             <a:avLst/>
           </a:prstGeom>
           <a:solidFill>
-            <a:srgbClr val="ffffff"/>
+            <a:srgbClr val="FFFFFF"/>
           </a:solidFill>
           <a:ln>
             <a:noFill/>
           </a:ln>
         </p:spPr>
         <p:style>
-          <a:lnRef idx="0"/>
-          <a:fillRef idx="0"/>
-          <a:effectRef idx="0"/>
+          <a:lnRef idx="0">
+            <a:srgbClr val="FFFFFF"/>
+          </a:lnRef>
+          <a:fillRef idx="0">
+            <a:srgbClr val="FFFFFF"/>
+          </a:fillRef>
+          <a:effectRef idx="0">
+            <a:srgbClr val="FFFFFF"/>
+          </a:effectRef>
           <a:fontRef idx="minor"/>
         </p:style>
         <p:txBody>
-          <a:bodyPr wrap="none" lIns="90000" rIns="90000" tIns="45000" bIns="45000" anchor="ctr"/>
+          <a:bodyPr wrap="none" lIns="90000" tIns="45000" rIns="90000" bIns="45000" anchor="ctr"/>
           <a:p>
             <a:pPr algn="ctr">
               <a:lnSpc>
@@ -10476,17 +10823,17 @@
               </a:lnSpc>
             </a:pPr>
             <a:r>
-              <a:rPr b="0" lang="en-US" sz="1600" spc="-1" strike="noStrike">
+              <a:rPr lang="en-US" sz="1600" b="0" strike="noStrike" spc="-1">
                 <a:solidFill>
                   <a:srgbClr val="000000"/>
                 </a:solidFill>
-                <a:latin typeface="Arial"/>
-                <a:ea typeface="DejaVu Sans"/>
+                <a:latin typeface="Arial" panose="020B0604020202020204"/>
+                <a:ea typeface="DejaVu Sans" panose="020B0603030804020204"/>
               </a:rPr>
               <a:t>Input </a:t>
             </a:r>
-            <a:endParaRPr b="0" lang="en-US" sz="1600" spc="-1" strike="noStrike">
-              <a:latin typeface="Arial"/>
+            <a:endParaRPr lang="en-US" sz="1600" b="0" strike="noStrike" spc="-1">
+              <a:latin typeface="Arial" panose="020B0604020202020204"/>
             </a:endParaRPr>
           </a:p>
           <a:p>
@@ -10496,47 +10843,30 @@
               </a:lnSpc>
             </a:pPr>
             <a:r>
-              <a:rPr b="0" lang="en-US" sz="1600" spc="-1" strike="noStrike">
+              <a:rPr lang="en-US" sz="1600" b="0" strike="noStrike" spc="-1">
                 <a:solidFill>
                   <a:srgbClr val="000000"/>
                 </a:solidFill>
-                <a:latin typeface="Arial"/>
-                <a:ea typeface="DejaVu Sans"/>
+                <a:latin typeface="Arial" panose="020B0604020202020204"/>
+                <a:ea typeface="DejaVu Sans" panose="020B0603030804020204"/>
               </a:rPr>
               <a:t>tensor</a:t>
             </a:r>
-            <a:endParaRPr b="0" lang="en-US" sz="1600" spc="-1" strike="noStrike">
-              <a:latin typeface="Arial"/>
+            <a:endParaRPr lang="en-US" sz="1600" b="0" strike="noStrike" spc="-1">
+              <a:latin typeface="Arial" panose="020B0604020202020204"/>
             </a:endParaRPr>
           </a:p>
         </p:txBody>
       </p:sp>
     </p:spTree>
   </p:cSld>
+  <p:clrMapOvr>
+    <a:masterClrMapping/>
+  </p:clrMapOvr>
   <p:timing>
     <p:tnLst>
       <p:par>
-        <p:cTn id="17" dur="indefinite" restart="never" nodeType="tmRoot">
-          <p:childTnLst>
-            <p:seq>
-              <p:cTn id="18" dur="indefinite" nodeType="mainSeq"/>
-              <p:prevCondLst>
-                <p:cond delay="0" evt="onPrev">
-                  <p:tgtEl>
-                    <p:sldTgt/>
-                  </p:tgtEl>
-                </p:cond>
-              </p:prevCondLst>
-              <p:nextCondLst>
-                <p:cond delay="0" evt="onNext">
-                  <p:tgtEl>
-                    <p:sldTgt/>
-                  </p:tgtEl>
-                </p:cond>
-              </p:nextCondLst>
-            </p:seq>
-          </p:childTnLst>
-        </p:cTn>
+        <p:cTn id="1" dur="indefinite" restart="never" nodeType="tmRoot"/>
       </p:par>
     </p:tnLst>
   </p:timing>
@@ -10554,31 +10884,31 @@
         <a:sysClr val="window" lastClr="FFFFFF"/>
       </a:lt1>
       <a:dk2>
-        <a:srgbClr val="1f497d"/>
+        <a:srgbClr val="1F497D"/>
       </a:dk2>
       <a:lt2>
-        <a:srgbClr val="eeece1"/>
+        <a:srgbClr val="EEECE1"/>
       </a:lt2>
       <a:accent1>
-        <a:srgbClr val="4f81bd"/>
+        <a:srgbClr val="4F81BD"/>
       </a:accent1>
       <a:accent2>
-        <a:srgbClr val="c0504d"/>
+        <a:srgbClr val="C0504D"/>
       </a:accent2>
       <a:accent3>
-        <a:srgbClr val="9bbb59"/>
+        <a:srgbClr val="9BBB59"/>
       </a:accent3>
       <a:accent4>
-        <a:srgbClr val="8064a2"/>
+        <a:srgbClr val="8064A2"/>
       </a:accent4>
       <a:accent5>
-        <a:srgbClr val="4bacc6"/>
+        <a:srgbClr val="4BACC6"/>
       </a:accent5>
       <a:accent6>
-        <a:srgbClr val="f79646"/>
+        <a:srgbClr val="F79646"/>
       </a:accent6>
       <a:hlink>
-        <a:srgbClr val="0000ff"/>
+        <a:srgbClr val="0000FF"/>
       </a:hlink>
       <a:folHlink>
         <a:srgbClr val="800080"/>
@@ -10763,6 +11093,11 @@
       </a:bgFillStyleLst>
     </a:fmtScheme>
   </a:themeElements>
+  <a:extLst>
+    <a:ext uri="{05A4C25C-085E-4340-85A3-A5531E510DB2}">
+      <thm15:themeFamily xmlns:thm15="http://schemas.microsoft.com/office/thememl/2012/main" name="Office Theme" id="{62F939B6-93AF-4DB8-9C6B-D6C7DFDC589F}" vid="{4A3C46E8-61CC-4603-A589-7422A47A8E4A}"/>
+    </a:ext>
+  </a:extLst>
 </a:theme>
 </file>
 
@@ -10777,31 +11112,31 @@
         <a:sysClr val="window" lastClr="FFFFFF"/>
       </a:lt1>
       <a:dk2>
-        <a:srgbClr val="1f497d"/>
+        <a:srgbClr val="1F497D"/>
       </a:dk2>
       <a:lt2>
-        <a:srgbClr val="eeece1"/>
+        <a:srgbClr val="EEECE1"/>
       </a:lt2>
       <a:accent1>
-        <a:srgbClr val="4f81bd"/>
+        <a:srgbClr val="4F81BD"/>
       </a:accent1>
       <a:accent2>
-        <a:srgbClr val="c0504d"/>
+        <a:srgbClr val="C0504D"/>
       </a:accent2>
       <a:accent3>
-        <a:srgbClr val="9bbb59"/>
+        <a:srgbClr val="9BBB59"/>
       </a:accent3>
       <a:accent4>
-        <a:srgbClr val="8064a2"/>
+        <a:srgbClr val="8064A2"/>
       </a:accent4>
       <a:accent5>
-        <a:srgbClr val="4bacc6"/>
+        <a:srgbClr val="4BACC6"/>
       </a:accent5>
       <a:accent6>
-        <a:srgbClr val="f79646"/>
+        <a:srgbClr val="F79646"/>
       </a:accent6>
       <a:hlink>
-        <a:srgbClr val="0000ff"/>
+        <a:srgbClr val="0000FF"/>
       </a:hlink>
       <a:folHlink>
         <a:srgbClr val="800080"/>
@@ -10986,5 +11321,10 @@
       </a:bgFillStyleLst>
     </a:fmtScheme>
   </a:themeElements>
+  <a:extLst>
+    <a:ext uri="{05A4C25C-085E-4340-85A3-A5531E510DB2}">
+      <thm15:themeFamily xmlns:thm15="http://schemas.microsoft.com/office/thememl/2012/main" name="Office Theme" id="{62F939B6-93AF-4DB8-9C6B-D6C7DFDC589F}" vid="{4A3C46E8-61CC-4603-A589-7422A47A8E4A}"/>
+    </a:ext>
+  </a:extLst>
 </a:theme>
 </file>